--- a/modélisation/timbres/Modelisation_timbres.pptx
+++ b/modélisation/timbres/Modelisation_timbres.pptx
@@ -2985,7 +2985,7 @@
         </p:nvSpPr>
         <p:spPr>
           <a:xfrm>
-            <a:off x="8894538" y="7645199"/>
+            <a:off x="11624595" y="7904093"/>
             <a:ext cx="1052047" cy="697636"/>
           </a:xfrm>
           <a:prstGeom prst="roundRect">
@@ -3055,7 +3055,7 @@
         </p:nvSpPr>
         <p:spPr>
           <a:xfrm>
-            <a:off x="6067518" y="7645199"/>
+            <a:off x="4738050" y="7904596"/>
             <a:ext cx="1052047" cy="697636"/>
           </a:xfrm>
           <a:prstGeom prst="roundRect">
@@ -3199,8 +3199,8 @@
         </p:nvCxnSpPr>
         <p:spPr>
           <a:xfrm rot="5400000">
-            <a:off x="6813792" y="6751228"/>
-            <a:ext cx="1548562" cy="937016"/>
+            <a:off x="6019360" y="6216192"/>
+            <a:ext cx="1807959" cy="2266484"/>
           </a:xfrm>
           <a:prstGeom prst="curvedConnector2">
             <a:avLst/>
@@ -3242,8 +3242,8 @@
         </p:nvCxnSpPr>
         <p:spPr>
           <a:xfrm rot="16200000" flipH="1">
-            <a:off x="7701278" y="6800757"/>
-            <a:ext cx="1548562" cy="837957"/>
+            <a:off x="8936860" y="5565176"/>
+            <a:ext cx="1807456" cy="3568014"/>
           </a:xfrm>
           <a:prstGeom prst="curvedConnector2">
             <a:avLst/>
@@ -3281,7 +3281,7 @@
         </p:nvSpPr>
         <p:spPr>
           <a:xfrm>
-            <a:off x="8819841" y="9590849"/>
+            <a:off x="13310231" y="9850245"/>
             <a:ext cx="1201439" cy="668273"/>
           </a:xfrm>
           <a:prstGeom prst="roundRect">
@@ -3353,7 +3353,7 @@
         </p:nvSpPr>
         <p:spPr>
           <a:xfrm>
-            <a:off x="5992821" y="9590849"/>
+            <a:off x="4663353" y="9850246"/>
             <a:ext cx="1201439" cy="668273"/>
           </a:xfrm>
           <a:prstGeom prst="roundRect">
@@ -3428,49 +3428,7 @@
         </p:nvCxnSpPr>
         <p:spPr>
           <a:xfrm flipV="1">
-            <a:off x="6593541" y="8342835"/>
-            <a:ext cx="1" cy="1248014"/>
-          </a:xfrm>
-          <a:prstGeom prst="straightConnector1">
-            <a:avLst/>
-          </a:prstGeom>
-          <a:ln>
-            <a:tailEnd type="triangle"/>
-          </a:ln>
-        </p:spPr>
-        <p:style>
-          <a:lnRef idx="1">
-            <a:schemeClr val="dk1"/>
-          </a:lnRef>
-          <a:fillRef idx="0">
-            <a:schemeClr val="dk1"/>
-          </a:fillRef>
-          <a:effectRef idx="0">
-            <a:schemeClr val="dk1"/>
-          </a:effectRef>
-          <a:fontRef idx="minor">
-            <a:schemeClr val="tx1"/>
-          </a:fontRef>
-        </p:style>
-      </p:cxnSp>
-      <p:cxnSp>
-        <p:nvCxnSpPr>
-          <p:cNvPr id="17" name="Connecteur droit avec flèche 16">
-            <a:extLst>
-              <a:ext uri="{FF2B5EF4-FFF2-40B4-BE49-F238E27FC236}">
-                <a16:creationId xmlns:a16="http://schemas.microsoft.com/office/drawing/2014/main" id="{EB3D432B-95BA-4FA7-B8A1-DBE6DEB31BD8}"/>
-              </a:ext>
-            </a:extLst>
-          </p:cNvPr>
-          <p:cNvCxnSpPr>
-            <a:stCxn id="12" idx="0"/>
-            <a:endCxn id="5" idx="2"/>
-          </p:cNvCxnSpPr>
-          <p:nvPr/>
-        </p:nvCxnSpPr>
-        <p:spPr>
-          <a:xfrm flipV="1">
-            <a:off x="9420561" y="8342835"/>
+            <a:off x="5264073" y="8602232"/>
             <a:ext cx="1" cy="1248014"/>
           </a:xfrm>
           <a:prstGeom prst="straightConnector1">
@@ -3509,7 +3467,7 @@
         </p:nvSpPr>
         <p:spPr>
           <a:xfrm>
-            <a:off x="7297741" y="7771809"/>
+            <a:off x="7450461" y="7461797"/>
             <a:ext cx="1484002" cy="230832"/>
           </a:xfrm>
           <a:prstGeom prst="rect">
@@ -3556,7 +3514,7 @@
         </p:nvSpPr>
         <p:spPr>
           <a:xfrm>
-            <a:off x="6588401" y="8816814"/>
+            <a:off x="5258933" y="9076211"/>
             <a:ext cx="902262" cy="230832"/>
           </a:xfrm>
           <a:prstGeom prst="rect">
@@ -3594,7 +3552,7 @@
         </p:nvSpPr>
         <p:spPr>
           <a:xfrm>
-            <a:off x="9420560" y="8778230"/>
+            <a:off x="12352875" y="8801053"/>
             <a:ext cx="902262" cy="230832"/>
           </a:xfrm>
           <a:prstGeom prst="rect">
@@ -3620,10 +3578,60 @@
       </p:sp>
       <p:sp>
         <p:nvSpPr>
-          <p:cNvPr id="21" name="Rectangle : coins arrondis 20">
+          <p:cNvPr id="24" name="ZoneTexte 23">
             <a:extLst>
               <a:ext uri="{FF2B5EF4-FFF2-40B4-BE49-F238E27FC236}">
-                <a16:creationId xmlns:a16="http://schemas.microsoft.com/office/drawing/2014/main" id="{EDFD9530-B15D-4ED1-A642-111CB6FC30C9}"/>
+                <a16:creationId xmlns:a16="http://schemas.microsoft.com/office/drawing/2014/main" id="{52F42EAE-72DD-4A16-99AA-220B9B961E8E}"/>
+              </a:ext>
+            </a:extLst>
+          </p:cNvPr>
+          <p:cNvSpPr txBox="1"/>
+          <p:nvPr/>
+        </p:nvSpPr>
+        <p:spPr>
+          <a:xfrm>
+            <a:off x="16478434" y="14442923"/>
+            <a:ext cx="1484002" cy="230832"/>
+          </a:xfrm>
+          <a:prstGeom prst="rect">
+            <a:avLst/>
+          </a:prstGeom>
+          <a:noFill/>
+        </p:spPr>
+        <p:txBody>
+          <a:bodyPr wrap="square" rtlCol="0">
+            <a:spAutoFit/>
+          </a:bodyPr>
+          <a:lstStyle/>
+          <a:p>
+            <a:pPr algn="ctr"/>
+            <a:r>
+              <a:rPr lang="fr-FR" sz="900" i="1" dirty="0">
+                <a:latin typeface="Gill Sans Nova" panose="020B0602020104020203" pitchFamily="34" charset="0"/>
+              </a:rPr>
+              <a:t>P129 </a:t>
+            </a:r>
+            <a:r>
+              <a:rPr lang="fr-FR" sz="900" i="1" dirty="0" err="1">
+                <a:latin typeface="Gill Sans Nova" panose="020B0602020104020203" pitchFamily="34" charset="0"/>
+              </a:rPr>
+              <a:t>is</a:t>
+            </a:r>
+            <a:r>
+              <a:rPr lang="fr-FR" sz="900" i="1" dirty="0">
+                <a:latin typeface="Gill Sans Nova" panose="020B0602020104020203" pitchFamily="34" charset="0"/>
+              </a:rPr>
+              <a:t> about</a:t>
+            </a:r>
+          </a:p>
+        </p:txBody>
+      </p:sp>
+      <p:sp>
+        <p:nvSpPr>
+          <p:cNvPr id="29" name="Rectangle : coins arrondis 28">
+            <a:extLst>
+              <a:ext uri="{FF2B5EF4-FFF2-40B4-BE49-F238E27FC236}">
+                <a16:creationId xmlns:a16="http://schemas.microsoft.com/office/drawing/2014/main" id="{98D8EFFD-2765-4251-8E98-B9EF89502A2B}"/>
               </a:ext>
             </a:extLst>
           </p:cNvPr>
@@ -3632,19 +3640,17 @@
         </p:nvSpPr>
         <p:spPr>
           <a:xfrm>
-            <a:off x="11608763" y="7653823"/>
-            <a:ext cx="1215696" cy="697636"/>
+            <a:off x="7530557" y="4269163"/>
+            <a:ext cx="1052047" cy="422255"/>
           </a:xfrm>
           <a:prstGeom prst="roundRect">
             <a:avLst/>
           </a:prstGeom>
           <a:solidFill>
-            <a:srgbClr val="AF7F9D"/>
+            <a:srgbClr val="B8AEEC"/>
           </a:solidFill>
-          <a:ln w="28575">
-            <a:solidFill>
-              <a:srgbClr val="955D80"/>
-            </a:solidFill>
+          <a:ln w="12700">
+            <a:noFill/>
           </a:ln>
         </p:spPr>
         <p:style>
@@ -3669,143 +3675,21 @@
             <a:r>
               <a:rPr lang="fr-FR" sz="900" dirty="0">
                 <a:solidFill>
-                  <a:schemeClr val="bg1"/>
+                  <a:schemeClr val="tx1"/>
                 </a:solidFill>
                 <a:latin typeface="Gill Sans Nova" panose="020B0602020104020203" pitchFamily="34" charset="0"/>
               </a:rPr>
-              <a:t>E89 </a:t>
-            </a:r>
-            <a:r>
-              <a:rPr lang="fr-FR" sz="900" dirty="0" err="1">
-                <a:solidFill>
-                  <a:schemeClr val="bg1"/>
-                </a:solidFill>
-                <a:latin typeface="Gill Sans Nova" panose="020B0602020104020203" pitchFamily="34" charset="0"/>
-              </a:rPr>
-              <a:t>Propositional</a:t>
-            </a:r>
-            <a:r>
-              <a:rPr lang="fr-FR" sz="900" dirty="0">
-                <a:solidFill>
-                  <a:schemeClr val="bg1"/>
-                </a:solidFill>
-                <a:latin typeface="Gill Sans Nova" panose="020B0602020104020203" pitchFamily="34" charset="0"/>
-              </a:rPr>
-              <a:t> Object</a:t>
-            </a:r>
-          </a:p>
-          <a:p>
-            <a:pPr algn="ctr"/>
-            <a:r>
-              <a:rPr lang="fr-FR" sz="900" i="1" dirty="0">
-                <a:solidFill>
-                  <a:schemeClr val="bg1"/>
-                </a:solidFill>
-                <a:latin typeface="Gill Sans Nova" panose="020B0602020104020203" pitchFamily="34" charset="0"/>
-              </a:rPr>
-              <a:t>(Thème)</a:t>
-            </a:r>
-          </a:p>
-        </p:txBody>
-      </p:sp>
-      <p:cxnSp>
-        <p:nvCxnSpPr>
-          <p:cNvPr id="23" name="Connecteur droit avec flèche 22">
+              <a:t>F1 Work</a:t>
+            </a:r>
+          </a:p>
+        </p:txBody>
+      </p:sp>
+      <p:sp>
+        <p:nvSpPr>
+          <p:cNvPr id="30" name="Rectangle : coins arrondis 29">
             <a:extLst>
               <a:ext uri="{FF2B5EF4-FFF2-40B4-BE49-F238E27FC236}">
-                <a16:creationId xmlns:a16="http://schemas.microsoft.com/office/drawing/2014/main" id="{0B9AC082-41F5-434E-B8F0-C5C9265523CF}"/>
-              </a:ext>
-            </a:extLst>
-          </p:cNvPr>
-          <p:cNvCxnSpPr>
-            <a:stCxn id="5" idx="3"/>
-            <a:endCxn id="21" idx="1"/>
-          </p:cNvCxnSpPr>
-          <p:nvPr/>
-        </p:nvCxnSpPr>
-        <p:spPr>
-          <a:xfrm>
-            <a:off x="9946585" y="7994017"/>
-            <a:ext cx="1662178" cy="8624"/>
-          </a:xfrm>
-          <a:prstGeom prst="straightConnector1">
-            <a:avLst/>
-          </a:prstGeom>
-          <a:ln>
-            <a:tailEnd type="triangle"/>
-          </a:ln>
-        </p:spPr>
-        <p:style>
-          <a:lnRef idx="1">
-            <a:schemeClr val="dk1"/>
-          </a:lnRef>
-          <a:fillRef idx="0">
-            <a:schemeClr val="dk1"/>
-          </a:fillRef>
-          <a:effectRef idx="0">
-            <a:schemeClr val="dk1"/>
-          </a:effectRef>
-          <a:fontRef idx="minor">
-            <a:schemeClr val="tx1"/>
-          </a:fontRef>
-        </p:style>
-      </p:cxnSp>
-      <p:sp>
-        <p:nvSpPr>
-          <p:cNvPr id="24" name="ZoneTexte 23">
-            <a:extLst>
-              <a:ext uri="{FF2B5EF4-FFF2-40B4-BE49-F238E27FC236}">
-                <a16:creationId xmlns:a16="http://schemas.microsoft.com/office/drawing/2014/main" id="{52F42EAE-72DD-4A16-99AA-220B9B961E8E}"/>
-              </a:ext>
-            </a:extLst>
-          </p:cNvPr>
-          <p:cNvSpPr txBox="1"/>
-          <p:nvPr/>
-        </p:nvSpPr>
-        <p:spPr>
-          <a:xfrm>
-            <a:off x="10054723" y="7763185"/>
-            <a:ext cx="1484002" cy="230832"/>
-          </a:xfrm>
-          <a:prstGeom prst="rect">
-            <a:avLst/>
-          </a:prstGeom>
-          <a:noFill/>
-        </p:spPr>
-        <p:txBody>
-          <a:bodyPr wrap="square" rtlCol="0">
-            <a:spAutoFit/>
-          </a:bodyPr>
-          <a:lstStyle/>
-          <a:p>
-            <a:pPr algn="ctr"/>
-            <a:r>
-              <a:rPr lang="fr-FR" sz="900" i="1" dirty="0">
-                <a:latin typeface="Gill Sans Nova" panose="020B0602020104020203" pitchFamily="34" charset="0"/>
-              </a:rPr>
-              <a:t>P129 </a:t>
-            </a:r>
-            <a:r>
-              <a:rPr lang="fr-FR" sz="900" i="1" dirty="0" err="1">
-                <a:latin typeface="Gill Sans Nova" panose="020B0602020104020203" pitchFamily="34" charset="0"/>
-              </a:rPr>
-              <a:t>is</a:t>
-            </a:r>
-            <a:r>
-              <a:rPr lang="fr-FR" sz="900" i="1" dirty="0">
-                <a:latin typeface="Gill Sans Nova" panose="020B0602020104020203" pitchFamily="34" charset="0"/>
-              </a:rPr>
-              <a:t> about</a:t>
-            </a:r>
-          </a:p>
-        </p:txBody>
-      </p:sp>
-      <p:sp>
-        <p:nvSpPr>
-          <p:cNvPr id="29" name="Rectangle : coins arrondis 28">
-            <a:extLst>
-              <a:ext uri="{FF2B5EF4-FFF2-40B4-BE49-F238E27FC236}">
-                <a16:creationId xmlns:a16="http://schemas.microsoft.com/office/drawing/2014/main" id="{98D8EFFD-2765-4251-8E98-B9EF89502A2B}"/>
+                <a16:creationId xmlns:a16="http://schemas.microsoft.com/office/drawing/2014/main" id="{732F9379-E685-4908-8E17-0297375B74F6}"/>
               </a:ext>
             </a:extLst>
           </p:cNvPr>
@@ -3814,7 +3698,7 @@
         </p:nvSpPr>
         <p:spPr>
           <a:xfrm>
-            <a:off x="7530557" y="4269163"/>
+            <a:off x="4732909" y="6445454"/>
             <a:ext cx="1052047" cy="422255"/>
           </a:xfrm>
           <a:prstGeom prst="roundRect">
@@ -3860,64 +3744,6 @@
       </p:sp>
       <p:sp>
         <p:nvSpPr>
-          <p:cNvPr id="30" name="Rectangle : coins arrondis 29">
-            <a:extLst>
-              <a:ext uri="{FF2B5EF4-FFF2-40B4-BE49-F238E27FC236}">
-                <a16:creationId xmlns:a16="http://schemas.microsoft.com/office/drawing/2014/main" id="{732F9379-E685-4908-8E17-0297375B74F6}"/>
-              </a:ext>
-            </a:extLst>
-          </p:cNvPr>
-          <p:cNvSpPr/>
-          <p:nvPr/>
-        </p:nvSpPr>
-        <p:spPr>
-          <a:xfrm>
-            <a:off x="6062377" y="6186057"/>
-            <a:ext cx="1052047" cy="422255"/>
-          </a:xfrm>
-          <a:prstGeom prst="roundRect">
-            <a:avLst/>
-          </a:prstGeom>
-          <a:solidFill>
-            <a:srgbClr val="B8AEEC"/>
-          </a:solidFill>
-          <a:ln w="12700">
-            <a:noFill/>
-          </a:ln>
-        </p:spPr>
-        <p:style>
-          <a:lnRef idx="2">
-            <a:schemeClr val="accent6"/>
-          </a:lnRef>
-          <a:fillRef idx="1">
-            <a:schemeClr val="lt1"/>
-          </a:fillRef>
-          <a:effectRef idx="0">
-            <a:schemeClr val="accent6"/>
-          </a:effectRef>
-          <a:fontRef idx="minor">
-            <a:schemeClr val="dk1"/>
-          </a:fontRef>
-        </p:style>
-        <p:txBody>
-          <a:bodyPr rtlCol="0" anchor="ctr"/>
-          <a:lstStyle/>
-          <a:p>
-            <a:pPr algn="ctr"/>
-            <a:r>
-              <a:rPr lang="fr-FR" sz="900" dirty="0">
-                <a:solidFill>
-                  <a:schemeClr val="tx1"/>
-                </a:solidFill>
-                <a:latin typeface="Gill Sans Nova" panose="020B0602020104020203" pitchFamily="34" charset="0"/>
-              </a:rPr>
-              <a:t>F1 Work</a:t>
-            </a:r>
-          </a:p>
-        </p:txBody>
-      </p:sp>
-      <p:sp>
-        <p:nvSpPr>
           <p:cNvPr id="31" name="Rectangle : coins arrondis 30">
             <a:extLst>
               <a:ext uri="{FF2B5EF4-FFF2-40B4-BE49-F238E27FC236}">
@@ -3930,7 +3756,7 @@
         </p:nvSpPr>
         <p:spPr>
           <a:xfrm>
-            <a:off x="8889402" y="6186056"/>
+            <a:off x="10572548" y="6027449"/>
             <a:ext cx="1052047" cy="422255"/>
           </a:xfrm>
           <a:prstGeom prst="roundRect">
@@ -4033,50 +3859,8 @@
         </p:nvCxnSpPr>
         <p:spPr>
           <a:xfrm>
-            <a:off x="6588401" y="6608312"/>
+            <a:off x="5258933" y="6867709"/>
             <a:ext cx="5141" cy="1036887"/>
-          </a:xfrm>
-          <a:prstGeom prst="straightConnector1">
-            <a:avLst/>
-          </a:prstGeom>
-          <a:ln>
-            <a:tailEnd type="triangle"/>
-          </a:ln>
-        </p:spPr>
-        <p:style>
-          <a:lnRef idx="1">
-            <a:schemeClr val="dk1"/>
-          </a:lnRef>
-          <a:fillRef idx="0">
-            <a:schemeClr val="dk1"/>
-          </a:fillRef>
-          <a:effectRef idx="0">
-            <a:schemeClr val="dk1"/>
-          </a:effectRef>
-          <a:fontRef idx="minor">
-            <a:schemeClr val="tx1"/>
-          </a:fontRef>
-        </p:style>
-      </p:cxnSp>
-      <p:cxnSp>
-        <p:nvCxnSpPr>
-          <p:cNvPr id="37" name="Connecteur droit avec flèche 36">
-            <a:extLst>
-              <a:ext uri="{FF2B5EF4-FFF2-40B4-BE49-F238E27FC236}">
-                <a16:creationId xmlns:a16="http://schemas.microsoft.com/office/drawing/2014/main" id="{4E29520E-E803-44C6-8F2D-293672296D74}"/>
-              </a:ext>
-            </a:extLst>
-          </p:cNvPr>
-          <p:cNvCxnSpPr>
-            <a:stCxn id="31" idx="2"/>
-            <a:endCxn id="5" idx="0"/>
-          </p:cNvCxnSpPr>
-          <p:nvPr/>
-        </p:nvCxnSpPr>
-        <p:spPr>
-          <a:xfrm>
-            <a:off x="9415426" y="6608311"/>
-            <a:ext cx="5136" cy="1036888"/>
           </a:xfrm>
           <a:prstGeom prst="straightConnector1">
             <a:avLst/>
@@ -4176,7 +3960,7 @@
         </p:nvSpPr>
         <p:spPr>
           <a:xfrm>
-            <a:off x="9129690" y="6886070"/>
+            <a:off x="9987712" y="6632220"/>
             <a:ext cx="1484002" cy="230832"/>
           </a:xfrm>
           <a:prstGeom prst="rect">
@@ -4238,7 +4022,7 @@
         </p:nvSpPr>
         <p:spPr>
           <a:xfrm>
-            <a:off x="5362070" y="6971568"/>
+            <a:off x="4032602" y="7230965"/>
             <a:ext cx="1484002" cy="230832"/>
           </a:xfrm>
           <a:prstGeom prst="rect">
@@ -4282,6 +4066,1481 @@
                 <a:latin typeface="Gill Sans Nova" panose="020B0602020104020203" pitchFamily="34" charset="0"/>
               </a:rPr>
               <a:t> in</a:t>
+            </a:r>
+          </a:p>
+        </p:txBody>
+      </p:sp>
+      <p:sp>
+        <p:nvSpPr>
+          <p:cNvPr id="28" name="Rectangle : coins arrondis 27">
+            <a:extLst>
+              <a:ext uri="{FF2B5EF4-FFF2-40B4-BE49-F238E27FC236}">
+                <a16:creationId xmlns:a16="http://schemas.microsoft.com/office/drawing/2014/main" id="{8D87F2C8-077D-49AA-8619-639C1004C1AC}"/>
+              </a:ext>
+            </a:extLst>
+          </p:cNvPr>
+          <p:cNvSpPr/>
+          <p:nvPr/>
+        </p:nvSpPr>
+        <p:spPr>
+          <a:xfrm>
+            <a:off x="1593273" y="7913220"/>
+            <a:ext cx="1212240" cy="697636"/>
+          </a:xfrm>
+          <a:prstGeom prst="roundRect">
+            <a:avLst/>
+          </a:prstGeom>
+          <a:solidFill>
+            <a:srgbClr val="F9C3E7"/>
+          </a:solidFill>
+          <a:ln w="38100">
+            <a:noFill/>
+          </a:ln>
+        </p:spPr>
+        <p:style>
+          <a:lnRef idx="2">
+            <a:schemeClr val="accent6"/>
+          </a:lnRef>
+          <a:fillRef idx="1">
+            <a:schemeClr val="lt1"/>
+          </a:fillRef>
+          <a:effectRef idx="0">
+            <a:schemeClr val="accent6"/>
+          </a:effectRef>
+          <a:fontRef idx="minor">
+            <a:schemeClr val="dk1"/>
+          </a:fontRef>
+        </p:style>
+        <p:txBody>
+          <a:bodyPr rtlCol="0" anchor="ctr"/>
+          <a:lstStyle/>
+          <a:p>
+            <a:pPr algn="ctr"/>
+            <a:r>
+              <a:rPr lang="fr-FR" sz="900" dirty="0">
+                <a:solidFill>
+                  <a:schemeClr val="tx1"/>
+                </a:solidFill>
+                <a:latin typeface="Gill Sans Nova" panose="020B0602020104020203" pitchFamily="34" charset="0"/>
+              </a:rPr>
+              <a:t>E41 Appellation</a:t>
+            </a:r>
+          </a:p>
+          <a:p>
+            <a:pPr algn="ctr"/>
+            <a:r>
+              <a:rPr lang="fr-FR" sz="900" i="1" dirty="0">
+                <a:solidFill>
+                  <a:schemeClr val="tx1"/>
+                </a:solidFill>
+                <a:latin typeface="Gill Sans Nova" panose="020B0602020104020203" pitchFamily="34" charset="0"/>
+              </a:rPr>
+              <a:t>(« Tant que vivrai »)</a:t>
+            </a:r>
+          </a:p>
+        </p:txBody>
+      </p:sp>
+      <p:cxnSp>
+        <p:nvCxnSpPr>
+          <p:cNvPr id="8" name="Connecteur droit avec flèche 7">
+            <a:extLst>
+              <a:ext uri="{FF2B5EF4-FFF2-40B4-BE49-F238E27FC236}">
+                <a16:creationId xmlns:a16="http://schemas.microsoft.com/office/drawing/2014/main" id="{9725A580-94F2-45E5-A269-67E36419E019}"/>
+              </a:ext>
+            </a:extLst>
+          </p:cNvPr>
+          <p:cNvCxnSpPr>
+            <a:cxnSpLocks/>
+            <a:stCxn id="6" idx="1"/>
+            <a:endCxn id="28" idx="3"/>
+          </p:cNvCxnSpPr>
+          <p:nvPr/>
+        </p:nvCxnSpPr>
+        <p:spPr>
+          <a:xfrm flipH="1">
+            <a:off x="2805513" y="8253414"/>
+            <a:ext cx="1932537" cy="8624"/>
+          </a:xfrm>
+          <a:prstGeom prst="straightConnector1">
+            <a:avLst/>
+          </a:prstGeom>
+          <a:ln>
+            <a:tailEnd type="triangle"/>
+          </a:ln>
+        </p:spPr>
+        <p:style>
+          <a:lnRef idx="1">
+            <a:schemeClr val="dk1"/>
+          </a:lnRef>
+          <a:fillRef idx="0">
+            <a:schemeClr val="dk1"/>
+          </a:fillRef>
+          <a:effectRef idx="0">
+            <a:schemeClr val="dk1"/>
+          </a:effectRef>
+          <a:fontRef idx="minor">
+            <a:schemeClr val="tx1"/>
+          </a:fontRef>
+        </p:style>
+      </p:cxnSp>
+      <p:sp>
+        <p:nvSpPr>
+          <p:cNvPr id="32" name="ZoneTexte 31">
+            <a:extLst>
+              <a:ext uri="{FF2B5EF4-FFF2-40B4-BE49-F238E27FC236}">
+                <a16:creationId xmlns:a16="http://schemas.microsoft.com/office/drawing/2014/main" id="{27F7F63B-8AFA-4C47-A8D2-5AB1EF472296}"/>
+              </a:ext>
+            </a:extLst>
+          </p:cNvPr>
+          <p:cNvSpPr txBox="1"/>
+          <p:nvPr/>
+        </p:nvSpPr>
+        <p:spPr>
+          <a:xfrm>
+            <a:off x="3075872" y="7972865"/>
+            <a:ext cx="1484002" cy="230832"/>
+          </a:xfrm>
+          <a:prstGeom prst="rect">
+            <a:avLst/>
+          </a:prstGeom>
+          <a:noFill/>
+        </p:spPr>
+        <p:txBody>
+          <a:bodyPr wrap="square" rtlCol="0">
+            <a:spAutoFit/>
+          </a:bodyPr>
+          <a:lstStyle/>
+          <a:p>
+            <a:pPr algn="ctr"/>
+            <a:r>
+              <a:rPr lang="fr-FR" sz="900" i="1" dirty="0">
+                <a:latin typeface="Gill Sans Nova" panose="020B0602020104020203" pitchFamily="34" charset="0"/>
+              </a:rPr>
+              <a:t>P1 </a:t>
+            </a:r>
+            <a:r>
+              <a:rPr lang="fr-FR" sz="900" i="1" dirty="0" err="1">
+                <a:latin typeface="Gill Sans Nova" panose="020B0602020104020203" pitchFamily="34" charset="0"/>
+              </a:rPr>
+              <a:t>is</a:t>
+            </a:r>
+            <a:r>
+              <a:rPr lang="fr-FR" sz="900" i="1" dirty="0">
+                <a:latin typeface="Gill Sans Nova" panose="020B0602020104020203" pitchFamily="34" charset="0"/>
+              </a:rPr>
+              <a:t> </a:t>
+            </a:r>
+            <a:r>
+              <a:rPr lang="fr-FR" sz="900" i="1" dirty="0" err="1">
+                <a:latin typeface="Gill Sans Nova" panose="020B0602020104020203" pitchFamily="34" charset="0"/>
+              </a:rPr>
+              <a:t>identified</a:t>
+            </a:r>
+            <a:r>
+              <a:rPr lang="fr-FR" sz="900" i="1" dirty="0">
+                <a:latin typeface="Gill Sans Nova" panose="020B0602020104020203" pitchFamily="34" charset="0"/>
+              </a:rPr>
+              <a:t> by</a:t>
+            </a:r>
+          </a:p>
+        </p:txBody>
+      </p:sp>
+      <p:sp>
+        <p:nvSpPr>
+          <p:cNvPr id="42" name="Rectangle : coins arrondis 41">
+            <a:extLst>
+              <a:ext uri="{FF2B5EF4-FFF2-40B4-BE49-F238E27FC236}">
+                <a16:creationId xmlns:a16="http://schemas.microsoft.com/office/drawing/2014/main" id="{C9DDFA71-BEB0-4431-9875-89F245E8D45C}"/>
+              </a:ext>
+            </a:extLst>
+          </p:cNvPr>
+          <p:cNvSpPr/>
+          <p:nvPr/>
+        </p:nvSpPr>
+        <p:spPr>
+          <a:xfrm>
+            <a:off x="12293367" y="5837119"/>
+            <a:ext cx="1212240" cy="697636"/>
+          </a:xfrm>
+          <a:prstGeom prst="roundRect">
+            <a:avLst/>
+          </a:prstGeom>
+          <a:solidFill>
+            <a:srgbClr val="F9C3E7"/>
+          </a:solidFill>
+          <a:ln w="38100">
+            <a:noFill/>
+          </a:ln>
+        </p:spPr>
+        <p:style>
+          <a:lnRef idx="2">
+            <a:schemeClr val="accent6"/>
+          </a:lnRef>
+          <a:fillRef idx="1">
+            <a:schemeClr val="lt1"/>
+          </a:fillRef>
+          <a:effectRef idx="0">
+            <a:schemeClr val="accent6"/>
+          </a:effectRef>
+          <a:fontRef idx="minor">
+            <a:schemeClr val="dk1"/>
+          </a:fontRef>
+        </p:style>
+        <p:txBody>
+          <a:bodyPr rtlCol="0" anchor="ctr"/>
+          <a:lstStyle/>
+          <a:p>
+            <a:pPr algn="ctr"/>
+            <a:r>
+              <a:rPr lang="fr-FR" sz="900" dirty="0">
+                <a:solidFill>
+                  <a:schemeClr val="tx1"/>
+                </a:solidFill>
+                <a:latin typeface="Gill Sans Nova" panose="020B0602020104020203" pitchFamily="34" charset="0"/>
+              </a:rPr>
+              <a:t>E41 Appellation</a:t>
+            </a:r>
+          </a:p>
+          <a:p>
+            <a:pPr algn="ctr"/>
+            <a:r>
+              <a:rPr lang="fr-FR" sz="900" i="1" dirty="0">
+                <a:solidFill>
+                  <a:schemeClr val="tx1"/>
+                </a:solidFill>
+                <a:latin typeface="Gill Sans Nova" panose="020B0602020104020203" pitchFamily="34" charset="0"/>
+              </a:rPr>
+              <a:t>(« Tant que </a:t>
+            </a:r>
+            <a:r>
+              <a:rPr lang="fr-FR" sz="900" i="1" dirty="0" err="1">
+                <a:solidFill>
+                  <a:schemeClr val="tx1"/>
+                </a:solidFill>
+                <a:latin typeface="Gill Sans Nova" panose="020B0602020104020203" pitchFamily="34" charset="0"/>
+              </a:rPr>
+              <a:t>vivray</a:t>
+            </a:r>
+            <a:r>
+              <a:rPr lang="fr-FR" sz="900" i="1" dirty="0">
+                <a:solidFill>
+                  <a:schemeClr val="tx1"/>
+                </a:solidFill>
+                <a:latin typeface="Gill Sans Nova" panose="020B0602020104020203" pitchFamily="34" charset="0"/>
+              </a:rPr>
+              <a:t> en </a:t>
+            </a:r>
+            <a:r>
+              <a:rPr lang="fr-FR" sz="900" i="1" dirty="0" err="1">
+                <a:solidFill>
+                  <a:schemeClr val="tx1"/>
+                </a:solidFill>
+                <a:latin typeface="Gill Sans Nova" panose="020B0602020104020203" pitchFamily="34" charset="0"/>
+              </a:rPr>
+              <a:t>eage</a:t>
+            </a:r>
+            <a:r>
+              <a:rPr lang="fr-FR" sz="900" i="1" dirty="0">
+                <a:solidFill>
+                  <a:schemeClr val="tx1"/>
+                </a:solidFill>
+                <a:latin typeface="Gill Sans Nova" panose="020B0602020104020203" pitchFamily="34" charset="0"/>
+              </a:rPr>
+              <a:t> florissant »)</a:t>
+            </a:r>
+          </a:p>
+        </p:txBody>
+      </p:sp>
+      <p:sp>
+        <p:nvSpPr>
+          <p:cNvPr id="43" name="Rectangle : coins arrondis 42">
+            <a:extLst>
+              <a:ext uri="{FF2B5EF4-FFF2-40B4-BE49-F238E27FC236}">
+                <a16:creationId xmlns:a16="http://schemas.microsoft.com/office/drawing/2014/main" id="{0FF70E2D-B413-47C2-B3B6-5D51CF32D738}"/>
+              </a:ext>
+            </a:extLst>
+          </p:cNvPr>
+          <p:cNvSpPr/>
+          <p:nvPr/>
+        </p:nvSpPr>
+        <p:spPr>
+          <a:xfrm>
+            <a:off x="10572548" y="4209034"/>
+            <a:ext cx="1052047" cy="757574"/>
+          </a:xfrm>
+          <a:prstGeom prst="roundRect">
+            <a:avLst/>
+          </a:prstGeom>
+          <a:solidFill>
+            <a:srgbClr val="BCE1E6"/>
+          </a:solidFill>
+          <a:ln w="12700">
+            <a:noFill/>
+          </a:ln>
+        </p:spPr>
+        <p:style>
+          <a:lnRef idx="2">
+            <a:schemeClr val="accent6"/>
+          </a:lnRef>
+          <a:fillRef idx="1">
+            <a:schemeClr val="lt1"/>
+          </a:fillRef>
+          <a:effectRef idx="0">
+            <a:schemeClr val="accent6"/>
+          </a:effectRef>
+          <a:fontRef idx="minor">
+            <a:schemeClr val="dk1"/>
+          </a:fontRef>
+        </p:style>
+        <p:txBody>
+          <a:bodyPr rtlCol="0" anchor="ctr"/>
+          <a:lstStyle/>
+          <a:p>
+            <a:pPr algn="ctr"/>
+            <a:r>
+              <a:rPr lang="fr-FR" sz="900" dirty="0">
+                <a:solidFill>
+                  <a:schemeClr val="tx1"/>
+                </a:solidFill>
+                <a:latin typeface="Gill Sans Nova" panose="020B0602020104020203" pitchFamily="34" charset="0"/>
+              </a:rPr>
+              <a:t>F27 Work Conception</a:t>
+            </a:r>
+          </a:p>
+        </p:txBody>
+      </p:sp>
+      <p:sp>
+        <p:nvSpPr>
+          <p:cNvPr id="45" name="ZoneTexte 44">
+            <a:extLst>
+              <a:ext uri="{FF2B5EF4-FFF2-40B4-BE49-F238E27FC236}">
+                <a16:creationId xmlns:a16="http://schemas.microsoft.com/office/drawing/2014/main" id="{72C10DD9-B5FA-4092-B231-56D64ACEE75B}"/>
+              </a:ext>
+            </a:extLst>
+          </p:cNvPr>
+          <p:cNvSpPr txBox="1"/>
+          <p:nvPr/>
+        </p:nvSpPr>
+        <p:spPr>
+          <a:xfrm>
+            <a:off x="10954514" y="5331098"/>
+            <a:ext cx="1398361" cy="230832"/>
+          </a:xfrm>
+          <a:prstGeom prst="rect">
+            <a:avLst/>
+          </a:prstGeom>
+          <a:noFill/>
+        </p:spPr>
+        <p:txBody>
+          <a:bodyPr wrap="square" rtlCol="0">
+            <a:spAutoFit/>
+          </a:bodyPr>
+          <a:lstStyle/>
+          <a:p>
+            <a:pPr algn="ctr"/>
+            <a:r>
+              <a:rPr lang="fr-FR" sz="900" i="1" dirty="0">
+                <a:latin typeface="Gill Sans Nova" panose="020B0602020104020203" pitchFamily="34" charset="0"/>
+              </a:rPr>
+              <a:t>R16 </a:t>
+            </a:r>
+            <a:r>
+              <a:rPr lang="fr-FR" sz="900" i="1" dirty="0" err="1">
+                <a:latin typeface="Gill Sans Nova" panose="020B0602020104020203" pitchFamily="34" charset="0"/>
+              </a:rPr>
+              <a:t>was</a:t>
+            </a:r>
+            <a:r>
+              <a:rPr lang="fr-FR" sz="900" i="1" dirty="0">
+                <a:latin typeface="Gill Sans Nova" panose="020B0602020104020203" pitchFamily="34" charset="0"/>
+              </a:rPr>
+              <a:t> </a:t>
+            </a:r>
+            <a:r>
+              <a:rPr lang="fr-FR" sz="900" i="1" dirty="0" err="1">
+                <a:latin typeface="Gill Sans Nova" panose="020B0602020104020203" pitchFamily="34" charset="0"/>
+              </a:rPr>
+              <a:t>initiated</a:t>
+            </a:r>
+            <a:r>
+              <a:rPr lang="fr-FR" sz="900" i="1" dirty="0">
+                <a:latin typeface="Gill Sans Nova" panose="020B0602020104020203" pitchFamily="34" charset="0"/>
+              </a:rPr>
+              <a:t> by</a:t>
+            </a:r>
+          </a:p>
+        </p:txBody>
+      </p:sp>
+      <p:sp>
+        <p:nvSpPr>
+          <p:cNvPr id="46" name="Rectangle : coins arrondis 45">
+            <a:extLst>
+              <a:ext uri="{FF2B5EF4-FFF2-40B4-BE49-F238E27FC236}">
+                <a16:creationId xmlns:a16="http://schemas.microsoft.com/office/drawing/2014/main" id="{73641CA4-241D-4A02-AE6A-E22A9BBB4D0A}"/>
+              </a:ext>
+            </a:extLst>
+          </p:cNvPr>
+          <p:cNvSpPr/>
+          <p:nvPr/>
+        </p:nvSpPr>
+        <p:spPr>
+          <a:xfrm>
+            <a:off x="10586934" y="2875428"/>
+            <a:ext cx="1023273" cy="507599"/>
+          </a:xfrm>
+          <a:prstGeom prst="roundRect">
+            <a:avLst/>
+          </a:prstGeom>
+          <a:solidFill>
+            <a:srgbClr val="FFE699"/>
+          </a:solidFill>
+          <a:ln w="12700">
+            <a:noFill/>
+          </a:ln>
+        </p:spPr>
+        <p:style>
+          <a:lnRef idx="2">
+            <a:schemeClr val="accent6"/>
+          </a:lnRef>
+          <a:fillRef idx="1">
+            <a:schemeClr val="lt1"/>
+          </a:fillRef>
+          <a:effectRef idx="0">
+            <a:schemeClr val="accent6"/>
+          </a:effectRef>
+          <a:fontRef idx="minor">
+            <a:schemeClr val="dk1"/>
+          </a:fontRef>
+        </p:style>
+        <p:txBody>
+          <a:bodyPr rtlCol="0" anchor="ctr"/>
+          <a:lstStyle/>
+          <a:p>
+            <a:pPr algn="ctr"/>
+            <a:r>
+              <a:rPr lang="fr-FR" sz="900" dirty="0">
+                <a:solidFill>
+                  <a:schemeClr val="tx1"/>
+                </a:solidFill>
+                <a:latin typeface="Gill Sans Nova" panose="020B0602020104020203" pitchFamily="34" charset="0"/>
+              </a:rPr>
+              <a:t>E21 Person</a:t>
+            </a:r>
+          </a:p>
+          <a:p>
+            <a:pPr algn="ctr"/>
+            <a:r>
+              <a:rPr lang="fr-FR" sz="900" i="1" dirty="0">
+                <a:solidFill>
+                  <a:schemeClr val="tx1"/>
+                </a:solidFill>
+                <a:latin typeface="Gill Sans Nova" panose="020B0602020104020203" pitchFamily="34" charset="0"/>
+              </a:rPr>
+              <a:t>(Auteur)</a:t>
+            </a:r>
+          </a:p>
+        </p:txBody>
+      </p:sp>
+      <p:cxnSp>
+        <p:nvCxnSpPr>
+          <p:cNvPr id="47" name="Connecteur droit avec flèche 46">
+            <a:extLst>
+              <a:ext uri="{FF2B5EF4-FFF2-40B4-BE49-F238E27FC236}">
+                <a16:creationId xmlns:a16="http://schemas.microsoft.com/office/drawing/2014/main" id="{09D5B738-59A7-40F8-B2FD-BE0A16638CA8}"/>
+              </a:ext>
+            </a:extLst>
+          </p:cNvPr>
+          <p:cNvCxnSpPr>
+            <a:cxnSpLocks/>
+            <a:stCxn id="43" idx="0"/>
+            <a:endCxn id="46" idx="2"/>
+          </p:cNvCxnSpPr>
+          <p:nvPr/>
+        </p:nvCxnSpPr>
+        <p:spPr>
+          <a:xfrm flipH="1" flipV="1">
+            <a:off x="11098571" y="3383027"/>
+            <a:ext cx="1" cy="826007"/>
+          </a:xfrm>
+          <a:prstGeom prst="straightConnector1">
+            <a:avLst/>
+          </a:prstGeom>
+          <a:ln>
+            <a:tailEnd type="triangle"/>
+          </a:ln>
+        </p:spPr>
+        <p:style>
+          <a:lnRef idx="1">
+            <a:schemeClr val="dk1"/>
+          </a:lnRef>
+          <a:fillRef idx="0">
+            <a:schemeClr val="dk1"/>
+          </a:fillRef>
+          <a:effectRef idx="0">
+            <a:schemeClr val="dk1"/>
+          </a:effectRef>
+          <a:fontRef idx="minor">
+            <a:schemeClr val="tx1"/>
+          </a:fontRef>
+        </p:style>
+      </p:cxnSp>
+      <p:sp>
+        <p:nvSpPr>
+          <p:cNvPr id="48" name="ZoneTexte 47">
+            <a:extLst>
+              <a:ext uri="{FF2B5EF4-FFF2-40B4-BE49-F238E27FC236}">
+                <a16:creationId xmlns:a16="http://schemas.microsoft.com/office/drawing/2014/main" id="{39CD79DF-0377-4533-AB16-2A17FCC635E3}"/>
+              </a:ext>
+            </a:extLst>
+          </p:cNvPr>
+          <p:cNvSpPr txBox="1"/>
+          <p:nvPr/>
+        </p:nvSpPr>
+        <p:spPr>
+          <a:xfrm>
+            <a:off x="10954514" y="3657148"/>
+            <a:ext cx="1398361" cy="230832"/>
+          </a:xfrm>
+          <a:prstGeom prst="rect">
+            <a:avLst/>
+          </a:prstGeom>
+          <a:noFill/>
+        </p:spPr>
+        <p:txBody>
+          <a:bodyPr wrap="square" rtlCol="0">
+            <a:spAutoFit/>
+          </a:bodyPr>
+          <a:lstStyle/>
+          <a:p>
+            <a:pPr algn="ctr"/>
+            <a:r>
+              <a:rPr lang="fr-FR" sz="900" i="1" dirty="0">
+                <a:latin typeface="Gill Sans Nova" panose="020B0602020104020203" pitchFamily="34" charset="0"/>
+              </a:rPr>
+              <a:t>P14 </a:t>
+            </a:r>
+            <a:r>
+              <a:rPr lang="fr-FR" sz="900" i="1" dirty="0" err="1">
+                <a:latin typeface="Gill Sans Nova" panose="020B0602020104020203" pitchFamily="34" charset="0"/>
+              </a:rPr>
+              <a:t>carried</a:t>
+            </a:r>
+            <a:r>
+              <a:rPr lang="fr-FR" sz="900" i="1" dirty="0">
+                <a:latin typeface="Gill Sans Nova" panose="020B0602020104020203" pitchFamily="34" charset="0"/>
+              </a:rPr>
+              <a:t> out by</a:t>
+            </a:r>
+          </a:p>
+        </p:txBody>
+      </p:sp>
+      <p:cxnSp>
+        <p:nvCxnSpPr>
+          <p:cNvPr id="50" name="Connecteur droit avec flèche 49">
+            <a:extLst>
+              <a:ext uri="{FF2B5EF4-FFF2-40B4-BE49-F238E27FC236}">
+                <a16:creationId xmlns:a16="http://schemas.microsoft.com/office/drawing/2014/main" id="{76F7C682-266D-4824-9B04-041A4C2D3394}"/>
+              </a:ext>
+            </a:extLst>
+          </p:cNvPr>
+          <p:cNvCxnSpPr>
+            <a:cxnSpLocks/>
+            <a:stCxn id="31" idx="0"/>
+            <a:endCxn id="43" idx="2"/>
+          </p:cNvCxnSpPr>
+          <p:nvPr/>
+        </p:nvCxnSpPr>
+        <p:spPr>
+          <a:xfrm flipV="1">
+            <a:off x="11098572" y="4966608"/>
+            <a:ext cx="0" cy="1060841"/>
+          </a:xfrm>
+          <a:prstGeom prst="straightConnector1">
+            <a:avLst/>
+          </a:prstGeom>
+          <a:ln>
+            <a:tailEnd type="triangle"/>
+          </a:ln>
+        </p:spPr>
+        <p:style>
+          <a:lnRef idx="1">
+            <a:schemeClr val="dk1"/>
+          </a:lnRef>
+          <a:fillRef idx="0">
+            <a:schemeClr val="dk1"/>
+          </a:fillRef>
+          <a:effectRef idx="0">
+            <a:schemeClr val="dk1"/>
+          </a:effectRef>
+          <a:fontRef idx="minor">
+            <a:schemeClr val="tx1"/>
+          </a:fontRef>
+        </p:style>
+      </p:cxnSp>
+      <p:cxnSp>
+        <p:nvCxnSpPr>
+          <p:cNvPr id="59" name="Connecteur : en arc 58">
+            <a:extLst>
+              <a:ext uri="{FF2B5EF4-FFF2-40B4-BE49-F238E27FC236}">
+                <a16:creationId xmlns:a16="http://schemas.microsoft.com/office/drawing/2014/main" id="{190ED822-DB24-4407-AE82-5EC594217E66}"/>
+              </a:ext>
+            </a:extLst>
+          </p:cNvPr>
+          <p:cNvCxnSpPr>
+            <a:cxnSpLocks/>
+            <a:stCxn id="31" idx="2"/>
+            <a:endCxn id="5" idx="0"/>
+          </p:cNvCxnSpPr>
+          <p:nvPr/>
+        </p:nvCxnSpPr>
+        <p:spPr>
+          <a:xfrm rot="16200000" flipH="1">
+            <a:off x="10897401" y="6650874"/>
+            <a:ext cx="1454389" cy="1052047"/>
+          </a:xfrm>
+          <a:prstGeom prst="curvedConnector3">
+            <a:avLst>
+              <a:gd name="adj1" fmla="val 55239"/>
+            </a:avLst>
+          </a:prstGeom>
+          <a:ln>
+            <a:tailEnd type="triangle"/>
+          </a:ln>
+        </p:spPr>
+        <p:style>
+          <a:lnRef idx="1">
+            <a:schemeClr val="dk1"/>
+          </a:lnRef>
+          <a:fillRef idx="0">
+            <a:schemeClr val="dk1"/>
+          </a:fillRef>
+          <a:effectRef idx="0">
+            <a:schemeClr val="dk1"/>
+          </a:effectRef>
+          <a:fontRef idx="minor">
+            <a:schemeClr val="tx1"/>
+          </a:fontRef>
+        </p:style>
+      </p:cxnSp>
+      <p:cxnSp>
+        <p:nvCxnSpPr>
+          <p:cNvPr id="62" name="Connecteur : en arc 61">
+            <a:extLst>
+              <a:ext uri="{FF2B5EF4-FFF2-40B4-BE49-F238E27FC236}">
+                <a16:creationId xmlns:a16="http://schemas.microsoft.com/office/drawing/2014/main" id="{9A2C2E1B-8175-4FD0-A548-987C7050AF60}"/>
+              </a:ext>
+            </a:extLst>
+          </p:cNvPr>
+          <p:cNvCxnSpPr>
+            <a:stCxn id="5" idx="0"/>
+            <a:endCxn id="42" idx="2"/>
+          </p:cNvCxnSpPr>
+          <p:nvPr/>
+        </p:nvCxnSpPr>
+        <p:spPr>
+          <a:xfrm rot="5400000" flipH="1" flipV="1">
+            <a:off x="11840384" y="6844990"/>
+            <a:ext cx="1369338" cy="748868"/>
+          </a:xfrm>
+          <a:prstGeom prst="curvedConnector3">
+            <a:avLst/>
+          </a:prstGeom>
+          <a:ln>
+            <a:tailEnd type="triangle"/>
+          </a:ln>
+        </p:spPr>
+        <p:style>
+          <a:lnRef idx="1">
+            <a:schemeClr val="dk1"/>
+          </a:lnRef>
+          <a:fillRef idx="0">
+            <a:schemeClr val="dk1"/>
+          </a:fillRef>
+          <a:effectRef idx="0">
+            <a:schemeClr val="dk1"/>
+          </a:effectRef>
+          <a:fontRef idx="minor">
+            <a:schemeClr val="tx1"/>
+          </a:fontRef>
+        </p:style>
+      </p:cxnSp>
+      <p:sp>
+        <p:nvSpPr>
+          <p:cNvPr id="69" name="ZoneTexte 68">
+            <a:extLst>
+              <a:ext uri="{FF2B5EF4-FFF2-40B4-BE49-F238E27FC236}">
+                <a16:creationId xmlns:a16="http://schemas.microsoft.com/office/drawing/2014/main" id="{756E2F83-2CCA-47FC-9A15-D2353E6E9B74}"/>
+              </a:ext>
+            </a:extLst>
+          </p:cNvPr>
+          <p:cNvSpPr txBox="1"/>
+          <p:nvPr/>
+        </p:nvSpPr>
+        <p:spPr>
+          <a:xfrm>
+            <a:off x="12601748" y="6632220"/>
+            <a:ext cx="1484002" cy="230832"/>
+          </a:xfrm>
+          <a:prstGeom prst="rect">
+            <a:avLst/>
+          </a:prstGeom>
+          <a:noFill/>
+        </p:spPr>
+        <p:txBody>
+          <a:bodyPr wrap="square" rtlCol="0">
+            <a:spAutoFit/>
+          </a:bodyPr>
+          <a:lstStyle/>
+          <a:p>
+            <a:pPr algn="ctr"/>
+            <a:r>
+              <a:rPr lang="fr-FR" sz="900" i="1" dirty="0">
+                <a:latin typeface="Gill Sans Nova" panose="020B0602020104020203" pitchFamily="34" charset="0"/>
+              </a:rPr>
+              <a:t>P1 </a:t>
+            </a:r>
+            <a:r>
+              <a:rPr lang="fr-FR" sz="900" i="1" dirty="0" err="1">
+                <a:latin typeface="Gill Sans Nova" panose="020B0602020104020203" pitchFamily="34" charset="0"/>
+              </a:rPr>
+              <a:t>is</a:t>
+            </a:r>
+            <a:r>
+              <a:rPr lang="fr-FR" sz="900" i="1" dirty="0">
+                <a:latin typeface="Gill Sans Nova" panose="020B0602020104020203" pitchFamily="34" charset="0"/>
+              </a:rPr>
+              <a:t> </a:t>
+            </a:r>
+            <a:r>
+              <a:rPr lang="fr-FR" sz="900" i="1" dirty="0" err="1">
+                <a:latin typeface="Gill Sans Nova" panose="020B0602020104020203" pitchFamily="34" charset="0"/>
+              </a:rPr>
+              <a:t>identified</a:t>
+            </a:r>
+            <a:r>
+              <a:rPr lang="fr-FR" sz="900" i="1" dirty="0">
+                <a:latin typeface="Gill Sans Nova" panose="020B0602020104020203" pitchFamily="34" charset="0"/>
+              </a:rPr>
+              <a:t> by</a:t>
+            </a:r>
+          </a:p>
+        </p:txBody>
+      </p:sp>
+      <p:sp>
+        <p:nvSpPr>
+          <p:cNvPr id="70" name="Rectangle : coins arrondis 69">
+            <a:extLst>
+              <a:ext uri="{FF2B5EF4-FFF2-40B4-BE49-F238E27FC236}">
+                <a16:creationId xmlns:a16="http://schemas.microsoft.com/office/drawing/2014/main" id="{2341C5C7-0044-46EA-87F7-1C62846BD5ED}"/>
+              </a:ext>
+            </a:extLst>
+          </p:cNvPr>
+          <p:cNvSpPr/>
+          <p:nvPr/>
+        </p:nvSpPr>
+        <p:spPr>
+          <a:xfrm>
+            <a:off x="14698980" y="5837119"/>
+            <a:ext cx="994078" cy="678712"/>
+          </a:xfrm>
+          <a:prstGeom prst="roundRect">
+            <a:avLst/>
+          </a:prstGeom>
+          <a:solidFill>
+            <a:srgbClr val="F6CACA"/>
+          </a:solidFill>
+          <a:ln w="12700">
+            <a:noFill/>
+          </a:ln>
+        </p:spPr>
+        <p:style>
+          <a:lnRef idx="2">
+            <a:schemeClr val="accent6"/>
+          </a:lnRef>
+          <a:fillRef idx="1">
+            <a:schemeClr val="lt1"/>
+          </a:fillRef>
+          <a:effectRef idx="0">
+            <a:schemeClr val="accent6"/>
+          </a:effectRef>
+          <a:fontRef idx="minor">
+            <a:schemeClr val="dk1"/>
+          </a:fontRef>
+        </p:style>
+        <p:txBody>
+          <a:bodyPr rtlCol="0" anchor="ctr"/>
+          <a:lstStyle/>
+          <a:p>
+            <a:pPr algn="ctr"/>
+            <a:r>
+              <a:rPr lang="fr-FR" sz="900" dirty="0">
+                <a:solidFill>
+                  <a:schemeClr val="tx1"/>
+                </a:solidFill>
+                <a:latin typeface="Gill Sans Nova" panose="020B0602020104020203" pitchFamily="34" charset="0"/>
+              </a:rPr>
+              <a:t>E55 Type</a:t>
+            </a:r>
+          </a:p>
+          <a:p>
+            <a:pPr algn="ctr"/>
+            <a:r>
+              <a:rPr lang="fr-FR" sz="900" i="1" dirty="0">
+                <a:solidFill>
+                  <a:schemeClr val="tx1"/>
+                </a:solidFill>
+                <a:latin typeface="Gill Sans Nova" panose="020B0602020104020203" pitchFamily="34" charset="0"/>
+              </a:rPr>
+              <a:t>(« Chanson spirituelle »)</a:t>
+            </a:r>
+          </a:p>
+        </p:txBody>
+      </p:sp>
+      <p:cxnSp>
+        <p:nvCxnSpPr>
+          <p:cNvPr id="72" name="Connecteur droit avec flèche 71">
+            <a:extLst>
+              <a:ext uri="{FF2B5EF4-FFF2-40B4-BE49-F238E27FC236}">
+                <a16:creationId xmlns:a16="http://schemas.microsoft.com/office/drawing/2014/main" id="{5489C02A-1F9D-439F-B5AC-BCCAAAE0524D}"/>
+              </a:ext>
+            </a:extLst>
+          </p:cNvPr>
+          <p:cNvCxnSpPr>
+            <a:cxnSpLocks/>
+          </p:cNvCxnSpPr>
+          <p:nvPr/>
+        </p:nvCxnSpPr>
+        <p:spPr>
+          <a:xfrm flipV="1">
+            <a:off x="12633757" y="6499893"/>
+            <a:ext cx="2065223" cy="1472972"/>
+          </a:xfrm>
+          <a:prstGeom prst="straightConnector1">
+            <a:avLst/>
+          </a:prstGeom>
+          <a:ln>
+            <a:tailEnd type="triangle"/>
+          </a:ln>
+        </p:spPr>
+        <p:style>
+          <a:lnRef idx="1">
+            <a:schemeClr val="dk1"/>
+          </a:lnRef>
+          <a:fillRef idx="0">
+            <a:schemeClr val="dk1"/>
+          </a:fillRef>
+          <a:effectRef idx="0">
+            <a:schemeClr val="dk1"/>
+          </a:effectRef>
+          <a:fontRef idx="minor">
+            <a:schemeClr val="tx1"/>
+          </a:fontRef>
+        </p:style>
+      </p:cxnSp>
+      <p:sp>
+        <p:nvSpPr>
+          <p:cNvPr id="80" name="ZoneTexte 79">
+            <a:extLst>
+              <a:ext uri="{FF2B5EF4-FFF2-40B4-BE49-F238E27FC236}">
+                <a16:creationId xmlns:a16="http://schemas.microsoft.com/office/drawing/2014/main" id="{CEA43F8E-DB2F-4044-A1C8-6271FCD386E4}"/>
+              </a:ext>
+            </a:extLst>
+          </p:cNvPr>
+          <p:cNvSpPr txBox="1"/>
+          <p:nvPr/>
+        </p:nvSpPr>
+        <p:spPr>
+          <a:xfrm>
+            <a:off x="14091127" y="6632220"/>
+            <a:ext cx="1484002" cy="230832"/>
+          </a:xfrm>
+          <a:prstGeom prst="rect">
+            <a:avLst/>
+          </a:prstGeom>
+          <a:noFill/>
+        </p:spPr>
+        <p:txBody>
+          <a:bodyPr wrap="square" rtlCol="0">
+            <a:spAutoFit/>
+          </a:bodyPr>
+          <a:lstStyle/>
+          <a:p>
+            <a:pPr algn="ctr"/>
+            <a:r>
+              <a:rPr lang="fr-FR" sz="900" i="1" dirty="0">
+                <a:latin typeface="Gill Sans Nova" panose="020B0602020104020203" pitchFamily="34" charset="0"/>
+              </a:rPr>
+              <a:t>P2 has type</a:t>
+            </a:r>
+          </a:p>
+        </p:txBody>
+      </p:sp>
+      <p:sp>
+        <p:nvSpPr>
+          <p:cNvPr id="86" name="Rectangle : coins arrondis 85">
+            <a:extLst>
+              <a:ext uri="{FF2B5EF4-FFF2-40B4-BE49-F238E27FC236}">
+                <a16:creationId xmlns:a16="http://schemas.microsoft.com/office/drawing/2014/main" id="{6571F2F7-4C09-49DD-BAD1-91B396DF7682}"/>
+              </a:ext>
+            </a:extLst>
+          </p:cNvPr>
+          <p:cNvSpPr/>
+          <p:nvPr/>
+        </p:nvSpPr>
+        <p:spPr>
+          <a:xfrm>
+            <a:off x="16746740" y="14802158"/>
+            <a:ext cx="1215696" cy="697636"/>
+          </a:xfrm>
+          <a:prstGeom prst="roundRect">
+            <a:avLst/>
+          </a:prstGeom>
+          <a:solidFill>
+            <a:srgbClr val="AF7F9D"/>
+          </a:solidFill>
+          <a:ln w="28575">
+            <a:solidFill>
+              <a:srgbClr val="955D80"/>
+            </a:solidFill>
+          </a:ln>
+        </p:spPr>
+        <p:style>
+          <a:lnRef idx="2">
+            <a:schemeClr val="accent6"/>
+          </a:lnRef>
+          <a:fillRef idx="1">
+            <a:schemeClr val="lt1"/>
+          </a:fillRef>
+          <a:effectRef idx="0">
+            <a:schemeClr val="accent6"/>
+          </a:effectRef>
+          <a:fontRef idx="minor">
+            <a:schemeClr val="dk1"/>
+          </a:fontRef>
+        </p:style>
+        <p:txBody>
+          <a:bodyPr rtlCol="0" anchor="ctr"/>
+          <a:lstStyle/>
+          <a:p>
+            <a:pPr algn="ctr"/>
+            <a:r>
+              <a:rPr lang="fr-FR" sz="900" dirty="0">
+                <a:solidFill>
+                  <a:schemeClr val="bg1"/>
+                </a:solidFill>
+                <a:latin typeface="Gill Sans Nova" panose="020B0602020104020203" pitchFamily="34" charset="0"/>
+              </a:rPr>
+              <a:t>E89 </a:t>
+            </a:r>
+            <a:r>
+              <a:rPr lang="fr-FR" sz="900" dirty="0" err="1">
+                <a:solidFill>
+                  <a:schemeClr val="bg1"/>
+                </a:solidFill>
+                <a:latin typeface="Gill Sans Nova" panose="020B0602020104020203" pitchFamily="34" charset="0"/>
+              </a:rPr>
+              <a:t>Propositional</a:t>
+            </a:r>
+            <a:r>
+              <a:rPr lang="fr-FR" sz="900" dirty="0">
+                <a:solidFill>
+                  <a:schemeClr val="bg1"/>
+                </a:solidFill>
+                <a:latin typeface="Gill Sans Nova" panose="020B0602020104020203" pitchFamily="34" charset="0"/>
+              </a:rPr>
+              <a:t> Object</a:t>
+            </a:r>
+          </a:p>
+          <a:p>
+            <a:pPr algn="ctr"/>
+            <a:r>
+              <a:rPr lang="fr-FR" sz="900" i="1" dirty="0">
+                <a:solidFill>
+                  <a:schemeClr val="bg1"/>
+                </a:solidFill>
+                <a:latin typeface="Gill Sans Nova" panose="020B0602020104020203" pitchFamily="34" charset="0"/>
+              </a:rPr>
+              <a:t>(Thème)</a:t>
+            </a:r>
+          </a:p>
+        </p:txBody>
+      </p:sp>
+      <p:sp>
+        <p:nvSpPr>
+          <p:cNvPr id="88" name="ZoneTexte 87">
+            <a:extLst>
+              <a:ext uri="{FF2B5EF4-FFF2-40B4-BE49-F238E27FC236}">
+                <a16:creationId xmlns:a16="http://schemas.microsoft.com/office/drawing/2014/main" id="{2E13A310-6274-4B4A-AA75-7014913EA80B}"/>
+              </a:ext>
+            </a:extLst>
+          </p:cNvPr>
+          <p:cNvSpPr txBox="1"/>
+          <p:nvPr/>
+        </p:nvSpPr>
+        <p:spPr>
+          <a:xfrm>
+            <a:off x="14395054" y="7330796"/>
+            <a:ext cx="1484002" cy="230832"/>
+          </a:xfrm>
+          <a:prstGeom prst="rect">
+            <a:avLst/>
+          </a:prstGeom>
+          <a:noFill/>
+        </p:spPr>
+        <p:txBody>
+          <a:bodyPr wrap="square" rtlCol="0">
+            <a:spAutoFit/>
+          </a:bodyPr>
+          <a:lstStyle/>
+          <a:p>
+            <a:pPr algn="ctr"/>
+            <a:r>
+              <a:rPr lang="fr-FR" sz="900" i="1" dirty="0" err="1">
+                <a:latin typeface="Gill Sans Nova" panose="020B0602020104020203" pitchFamily="34" charset="0"/>
+              </a:rPr>
+              <a:t>rdfs:label</a:t>
+            </a:r>
+            <a:endParaRPr lang="fr-FR" sz="900" i="1" dirty="0">
+              <a:latin typeface="Gill Sans Nova" panose="020B0602020104020203" pitchFamily="34" charset="0"/>
+            </a:endParaRPr>
+          </a:p>
+        </p:txBody>
+      </p:sp>
+      <p:sp>
+        <p:nvSpPr>
+          <p:cNvPr id="90" name="ZoneTexte 89">
+            <a:extLst>
+              <a:ext uri="{FF2B5EF4-FFF2-40B4-BE49-F238E27FC236}">
+                <a16:creationId xmlns:a16="http://schemas.microsoft.com/office/drawing/2014/main" id="{7FFD7514-3D7F-41C5-BEB9-73285905C256}"/>
+              </a:ext>
+            </a:extLst>
+          </p:cNvPr>
+          <p:cNvSpPr txBox="1"/>
+          <p:nvPr/>
+        </p:nvSpPr>
+        <p:spPr>
+          <a:xfrm>
+            <a:off x="15492077" y="7459973"/>
+            <a:ext cx="994078" cy="230832"/>
+          </a:xfrm>
+          <a:prstGeom prst="rect">
+            <a:avLst/>
+          </a:prstGeom>
+          <a:noFill/>
+        </p:spPr>
+        <p:txBody>
+          <a:bodyPr wrap="square" rtlCol="0">
+            <a:spAutoFit/>
+          </a:bodyPr>
+          <a:lstStyle/>
+          <a:p>
+            <a:pPr algn="ctr"/>
+            <a:r>
+              <a:rPr lang="fr-FR" sz="900" dirty="0">
+                <a:latin typeface="Gill Sans Nova" panose="020B0602020104020203" pitchFamily="34" charset="0"/>
+              </a:rPr>
+              <a:t>« Page [AVII] »</a:t>
+            </a:r>
+          </a:p>
+        </p:txBody>
+      </p:sp>
+      <p:sp>
+        <p:nvSpPr>
+          <p:cNvPr id="91" name="Rectangle : coins arrondis 90">
+            <a:extLst>
+              <a:ext uri="{FF2B5EF4-FFF2-40B4-BE49-F238E27FC236}">
+                <a16:creationId xmlns:a16="http://schemas.microsoft.com/office/drawing/2014/main" id="{2A53B3E5-DF2A-499D-8B5F-D33739F8B0E7}"/>
+              </a:ext>
+            </a:extLst>
+          </p:cNvPr>
+          <p:cNvSpPr/>
+          <p:nvPr/>
+        </p:nvSpPr>
+        <p:spPr>
+          <a:xfrm>
+            <a:off x="10021465" y="9850244"/>
+            <a:ext cx="933049" cy="668273"/>
+          </a:xfrm>
+          <a:prstGeom prst="roundRect">
+            <a:avLst/>
+          </a:prstGeom>
+          <a:solidFill>
+            <a:srgbClr val="D75FBA"/>
+          </a:solidFill>
+          <a:ln w="12700">
+            <a:noFill/>
+          </a:ln>
+        </p:spPr>
+        <p:style>
+          <a:lnRef idx="2">
+            <a:schemeClr val="accent6"/>
+          </a:lnRef>
+          <a:fillRef idx="1">
+            <a:schemeClr val="lt1"/>
+          </a:fillRef>
+          <a:effectRef idx="0">
+            <a:schemeClr val="accent6"/>
+          </a:effectRef>
+          <a:fontRef idx="minor">
+            <a:schemeClr val="dk1"/>
+          </a:fontRef>
+        </p:style>
+        <p:txBody>
+          <a:bodyPr rtlCol="0" anchor="ctr"/>
+          <a:lstStyle/>
+          <a:p>
+            <a:pPr algn="ctr"/>
+            <a:r>
+              <a:rPr lang="fr-FR" sz="900" dirty="0">
+                <a:solidFill>
+                  <a:schemeClr val="bg1"/>
+                </a:solidFill>
+                <a:latin typeface="Gill Sans Nova" panose="020B0602020104020203" pitchFamily="34" charset="0"/>
+              </a:rPr>
+              <a:t>F5 Item</a:t>
+            </a:r>
+          </a:p>
+          <a:p>
+            <a:pPr algn="ctr"/>
+            <a:r>
+              <a:rPr lang="fr-FR" sz="900" i="1" dirty="0">
+                <a:solidFill>
+                  <a:schemeClr val="bg1"/>
+                </a:solidFill>
+                <a:latin typeface="Gill Sans Nova" panose="020B0602020104020203" pitchFamily="34" charset="0"/>
+              </a:rPr>
+              <a:t>(Exemplaire)</a:t>
+            </a:r>
+          </a:p>
+        </p:txBody>
+      </p:sp>
+      <p:cxnSp>
+        <p:nvCxnSpPr>
+          <p:cNvPr id="94" name="Connecteur : en arc 93">
+            <a:extLst>
+              <a:ext uri="{FF2B5EF4-FFF2-40B4-BE49-F238E27FC236}">
+                <a16:creationId xmlns:a16="http://schemas.microsoft.com/office/drawing/2014/main" id="{18A242F5-5E42-4F83-8C3F-43BC170559D9}"/>
+              </a:ext>
+            </a:extLst>
+          </p:cNvPr>
+          <p:cNvCxnSpPr>
+            <a:stCxn id="91" idx="0"/>
+            <a:endCxn id="5" idx="2"/>
+          </p:cNvCxnSpPr>
+          <p:nvPr/>
+        </p:nvCxnSpPr>
+        <p:spPr>
+          <a:xfrm rot="5400000" flipH="1" flipV="1">
+            <a:off x="10695047" y="8394673"/>
+            <a:ext cx="1248515" cy="1662629"/>
+          </a:xfrm>
+          <a:prstGeom prst="curvedConnector3">
+            <a:avLst/>
+          </a:prstGeom>
+          <a:ln>
+            <a:tailEnd type="triangle"/>
+          </a:ln>
+        </p:spPr>
+        <p:style>
+          <a:lnRef idx="1">
+            <a:schemeClr val="dk1"/>
+          </a:lnRef>
+          <a:fillRef idx="0">
+            <a:schemeClr val="dk1"/>
+          </a:fillRef>
+          <a:effectRef idx="0">
+            <a:schemeClr val="dk1"/>
+          </a:effectRef>
+          <a:fontRef idx="minor">
+            <a:schemeClr val="tx1"/>
+          </a:fontRef>
+        </p:style>
+      </p:cxnSp>
+      <p:cxnSp>
+        <p:nvCxnSpPr>
+          <p:cNvPr id="96" name="Connecteur : en arc 95">
+            <a:extLst>
+              <a:ext uri="{FF2B5EF4-FFF2-40B4-BE49-F238E27FC236}">
+                <a16:creationId xmlns:a16="http://schemas.microsoft.com/office/drawing/2014/main" id="{10927DEA-789C-49CC-8861-C18574AF7C93}"/>
+              </a:ext>
+            </a:extLst>
+          </p:cNvPr>
+          <p:cNvCxnSpPr>
+            <a:stCxn id="12" idx="0"/>
+            <a:endCxn id="5" idx="2"/>
+          </p:cNvCxnSpPr>
+          <p:nvPr/>
+        </p:nvCxnSpPr>
+        <p:spPr>
+          <a:xfrm rot="16200000" flipV="1">
+            <a:off x="12406527" y="8345821"/>
+            <a:ext cx="1248516" cy="1760332"/>
+          </a:xfrm>
+          <a:prstGeom prst="curvedConnector3">
+            <a:avLst/>
+          </a:prstGeom>
+          <a:ln>
+            <a:tailEnd type="triangle"/>
+          </a:ln>
+        </p:spPr>
+        <p:style>
+          <a:lnRef idx="1">
+            <a:schemeClr val="dk1"/>
+          </a:lnRef>
+          <a:fillRef idx="0">
+            <a:schemeClr val="dk1"/>
+          </a:fillRef>
+          <a:effectRef idx="0">
+            <a:schemeClr val="dk1"/>
+          </a:effectRef>
+          <a:fontRef idx="minor">
+            <a:schemeClr val="tx1"/>
+          </a:fontRef>
+        </p:style>
+      </p:cxnSp>
+      <p:sp>
+        <p:nvSpPr>
+          <p:cNvPr id="99" name="ZoneTexte 98">
+            <a:extLst>
+              <a:ext uri="{FF2B5EF4-FFF2-40B4-BE49-F238E27FC236}">
+                <a16:creationId xmlns:a16="http://schemas.microsoft.com/office/drawing/2014/main" id="{1CA5D910-A5E3-4C64-B8D1-DBECE924631B}"/>
+              </a:ext>
+            </a:extLst>
+          </p:cNvPr>
+          <p:cNvSpPr txBox="1"/>
+          <p:nvPr/>
+        </p:nvSpPr>
+        <p:spPr>
+          <a:xfrm>
+            <a:off x="11060238" y="8791864"/>
+            <a:ext cx="902262" cy="230832"/>
+          </a:xfrm>
+          <a:prstGeom prst="rect">
+            <a:avLst/>
+          </a:prstGeom>
+          <a:noFill/>
+        </p:spPr>
+        <p:txBody>
+          <a:bodyPr wrap="square" rtlCol="0">
+            <a:spAutoFit/>
+          </a:bodyPr>
+          <a:lstStyle/>
+          <a:p>
+            <a:pPr algn="ctr"/>
+            <a:r>
+              <a:rPr lang="fr-FR" sz="900" i="1" dirty="0">
+                <a:latin typeface="Gill Sans Nova" panose="020B0602020104020203" pitchFamily="34" charset="0"/>
+              </a:rPr>
+              <a:t>P128 carries</a:t>
+            </a:r>
+          </a:p>
+        </p:txBody>
+      </p:sp>
+      <p:cxnSp>
+        <p:nvCxnSpPr>
+          <p:cNvPr id="103" name="Connecteur : en arc 102">
+            <a:extLst>
+              <a:ext uri="{FF2B5EF4-FFF2-40B4-BE49-F238E27FC236}">
+                <a16:creationId xmlns:a16="http://schemas.microsoft.com/office/drawing/2014/main" id="{EBEFF779-D462-4647-B9D8-64C832401BA0}"/>
+              </a:ext>
+            </a:extLst>
+          </p:cNvPr>
+          <p:cNvCxnSpPr>
+            <a:cxnSpLocks/>
+            <a:stCxn id="5" idx="3"/>
+            <a:endCxn id="90" idx="1"/>
+          </p:cNvCxnSpPr>
+          <p:nvPr/>
+        </p:nvCxnSpPr>
+        <p:spPr>
+          <a:xfrm flipV="1">
+            <a:off x="12676642" y="7575389"/>
+            <a:ext cx="2815435" cy="677522"/>
+          </a:xfrm>
+          <a:prstGeom prst="curvedConnector3">
+            <a:avLst/>
+          </a:prstGeom>
+          <a:ln>
+            <a:tailEnd type="triangle"/>
+          </a:ln>
+        </p:spPr>
+        <p:style>
+          <a:lnRef idx="1">
+            <a:schemeClr val="dk1"/>
+          </a:lnRef>
+          <a:fillRef idx="0">
+            <a:schemeClr val="dk1"/>
+          </a:fillRef>
+          <a:effectRef idx="0">
+            <a:schemeClr val="dk1"/>
+          </a:effectRef>
+          <a:fontRef idx="minor">
+            <a:schemeClr val="tx1"/>
+          </a:fontRef>
+        </p:style>
+      </p:cxnSp>
+      <p:cxnSp>
+        <p:nvCxnSpPr>
+          <p:cNvPr id="108" name="Connecteur : en arc 107">
+            <a:extLst>
+              <a:ext uri="{FF2B5EF4-FFF2-40B4-BE49-F238E27FC236}">
+                <a16:creationId xmlns:a16="http://schemas.microsoft.com/office/drawing/2014/main" id="{55AF4389-DEED-4A19-B4F5-35BB7D692DE3}"/>
+              </a:ext>
+            </a:extLst>
+          </p:cNvPr>
+          <p:cNvCxnSpPr>
+            <a:stCxn id="5" idx="3"/>
+          </p:cNvCxnSpPr>
+          <p:nvPr/>
+        </p:nvCxnSpPr>
+        <p:spPr>
+          <a:xfrm>
+            <a:off x="12676642" y="8252911"/>
+            <a:ext cx="2815435" cy="348817"/>
+          </a:xfrm>
+          <a:prstGeom prst="curvedConnector3">
+            <a:avLst/>
+          </a:prstGeom>
+          <a:ln>
+            <a:tailEnd type="triangle"/>
+          </a:ln>
+        </p:spPr>
+        <p:style>
+          <a:lnRef idx="1">
+            <a:schemeClr val="dk1"/>
+          </a:lnRef>
+          <a:fillRef idx="0">
+            <a:schemeClr val="dk1"/>
+          </a:fillRef>
+          <a:effectRef idx="0">
+            <a:schemeClr val="dk1"/>
+          </a:effectRef>
+          <a:fontRef idx="minor">
+            <a:schemeClr val="tx1"/>
+          </a:fontRef>
+        </p:style>
+      </p:cxnSp>
+      <p:sp>
+        <p:nvSpPr>
+          <p:cNvPr id="109" name="Rectangle : coins arrondis 108">
+            <a:extLst>
+              <a:ext uri="{FF2B5EF4-FFF2-40B4-BE49-F238E27FC236}">
+                <a16:creationId xmlns:a16="http://schemas.microsoft.com/office/drawing/2014/main" id="{31DC8A48-DB36-4C0D-AF75-917F1816AAED}"/>
+              </a:ext>
+            </a:extLst>
+          </p:cNvPr>
+          <p:cNvSpPr/>
+          <p:nvPr/>
+        </p:nvSpPr>
+        <p:spPr>
+          <a:xfrm>
+            <a:off x="15541747" y="8281780"/>
+            <a:ext cx="1052047" cy="706334"/>
+          </a:xfrm>
+          <a:prstGeom prst="roundRect">
+            <a:avLst/>
+          </a:prstGeom>
+          <a:solidFill>
+            <a:srgbClr val="BCCCEA"/>
+          </a:solidFill>
+          <a:ln w="28575">
+            <a:solidFill>
+              <a:srgbClr val="82A1D8"/>
+            </a:solidFill>
+          </a:ln>
+        </p:spPr>
+        <p:style>
+          <a:lnRef idx="2">
+            <a:schemeClr val="accent6"/>
+          </a:lnRef>
+          <a:fillRef idx="1">
+            <a:schemeClr val="lt1"/>
+          </a:fillRef>
+          <a:effectRef idx="0">
+            <a:schemeClr val="accent6"/>
+          </a:effectRef>
+          <a:fontRef idx="minor">
+            <a:schemeClr val="dk1"/>
+          </a:fontRef>
+        </p:style>
+        <p:txBody>
+          <a:bodyPr rtlCol="0" anchor="ctr"/>
+          <a:lstStyle/>
+          <a:p>
+            <a:pPr algn="ctr"/>
+            <a:r>
+              <a:rPr lang="fr-FR" sz="900" dirty="0">
+                <a:solidFill>
+                  <a:schemeClr val="tx1"/>
+                </a:solidFill>
+                <a:latin typeface="Gill Sans Nova" panose="020B0602020104020203" pitchFamily="34" charset="0"/>
+              </a:rPr>
+              <a:t>E35 </a:t>
+            </a:r>
+            <a:r>
+              <a:rPr lang="fr-FR" sz="900" dirty="0" err="1">
+                <a:solidFill>
+                  <a:schemeClr val="tx1"/>
+                </a:solidFill>
+                <a:latin typeface="Gill Sans Nova" panose="020B0602020104020203" pitchFamily="34" charset="0"/>
+              </a:rPr>
+              <a:t>Title</a:t>
+            </a:r>
+            <a:endParaRPr lang="fr-FR" sz="900" dirty="0">
+              <a:solidFill>
+                <a:schemeClr val="tx1"/>
+              </a:solidFill>
+              <a:latin typeface="Gill Sans Nova" panose="020B0602020104020203" pitchFamily="34" charset="0"/>
+            </a:endParaRPr>
+          </a:p>
+          <a:p>
+            <a:pPr algn="ctr"/>
+            <a:r>
+              <a:rPr lang="fr-FR" sz="900" i="1" dirty="0">
+                <a:solidFill>
+                  <a:schemeClr val="tx1"/>
+                </a:solidFill>
+                <a:latin typeface="Gill Sans Nova" panose="020B0602020104020203" pitchFamily="34" charset="0"/>
+              </a:rPr>
+              <a:t>(Incipit)</a:t>
+            </a:r>
+          </a:p>
+        </p:txBody>
+      </p:sp>
+      <p:sp>
+        <p:nvSpPr>
+          <p:cNvPr id="110" name="ZoneTexte 109">
+            <a:extLst>
+              <a:ext uri="{FF2B5EF4-FFF2-40B4-BE49-F238E27FC236}">
+                <a16:creationId xmlns:a16="http://schemas.microsoft.com/office/drawing/2014/main" id="{DD57F8F9-4A85-4DFA-AEAB-766E2C71021A}"/>
+              </a:ext>
+            </a:extLst>
+          </p:cNvPr>
+          <p:cNvSpPr txBox="1"/>
+          <p:nvPr/>
+        </p:nvSpPr>
+        <p:spPr>
+          <a:xfrm>
+            <a:off x="14209056" y="8601728"/>
+            <a:ext cx="1484002" cy="230832"/>
+          </a:xfrm>
+          <a:prstGeom prst="rect">
+            <a:avLst/>
+          </a:prstGeom>
+          <a:noFill/>
+        </p:spPr>
+        <p:txBody>
+          <a:bodyPr wrap="square" rtlCol="0">
+            <a:spAutoFit/>
+          </a:bodyPr>
+          <a:lstStyle/>
+          <a:p>
+            <a:pPr algn="ctr"/>
+            <a:r>
+              <a:rPr lang="fr-FR" sz="900" i="1" dirty="0">
+                <a:latin typeface="Gill Sans Nova" panose="020B0602020104020203" pitchFamily="34" charset="0"/>
+              </a:rPr>
+              <a:t>R15 has fragment</a:t>
             </a:r>
           </a:p>
         </p:txBody>

--- a/modélisation/timbres/Modelisation_timbres.pptx
+++ b/modélisation/timbres/Modelisation_timbres.pptx
@@ -243,7 +243,7 @@
           <a:p>
             <a:fld id="{0D5A7E0D-A8E6-497A-AB1A-E5EB0041CEF8}" type="datetimeFigureOut">
               <a:rPr lang="fr-FR" smtClean="0"/>
-              <a:t>08/01/2021</a:t>
+              <a:t>18/01/2021</a:t>
             </a:fld>
             <a:endParaRPr lang="fr-FR"/>
           </a:p>
@@ -413,7 +413,7 @@
           <a:p>
             <a:fld id="{0D5A7E0D-A8E6-497A-AB1A-E5EB0041CEF8}" type="datetimeFigureOut">
               <a:rPr lang="fr-FR" smtClean="0"/>
-              <a:t>08/01/2021</a:t>
+              <a:t>18/01/2021</a:t>
             </a:fld>
             <a:endParaRPr lang="fr-FR"/>
           </a:p>
@@ -593,7 +593,7 @@
           <a:p>
             <a:fld id="{0D5A7E0D-A8E6-497A-AB1A-E5EB0041CEF8}" type="datetimeFigureOut">
               <a:rPr lang="fr-FR" smtClean="0"/>
-              <a:t>08/01/2021</a:t>
+              <a:t>18/01/2021</a:t>
             </a:fld>
             <a:endParaRPr lang="fr-FR"/>
           </a:p>
@@ -763,7 +763,7 @@
           <a:p>
             <a:fld id="{0D5A7E0D-A8E6-497A-AB1A-E5EB0041CEF8}" type="datetimeFigureOut">
               <a:rPr lang="fr-FR" smtClean="0"/>
-              <a:t>08/01/2021</a:t>
+              <a:t>18/01/2021</a:t>
             </a:fld>
             <a:endParaRPr lang="fr-FR"/>
           </a:p>
@@ -1007,7 +1007,7 @@
           <a:p>
             <a:fld id="{0D5A7E0D-A8E6-497A-AB1A-E5EB0041CEF8}" type="datetimeFigureOut">
               <a:rPr lang="fr-FR" smtClean="0"/>
-              <a:t>08/01/2021</a:t>
+              <a:t>18/01/2021</a:t>
             </a:fld>
             <a:endParaRPr lang="fr-FR"/>
           </a:p>
@@ -1239,7 +1239,7 @@
           <a:p>
             <a:fld id="{0D5A7E0D-A8E6-497A-AB1A-E5EB0041CEF8}" type="datetimeFigureOut">
               <a:rPr lang="fr-FR" smtClean="0"/>
-              <a:t>08/01/2021</a:t>
+              <a:t>18/01/2021</a:t>
             </a:fld>
             <a:endParaRPr lang="fr-FR"/>
           </a:p>
@@ -1606,7 +1606,7 @@
           <a:p>
             <a:fld id="{0D5A7E0D-A8E6-497A-AB1A-E5EB0041CEF8}" type="datetimeFigureOut">
               <a:rPr lang="fr-FR" smtClean="0"/>
-              <a:t>08/01/2021</a:t>
+              <a:t>18/01/2021</a:t>
             </a:fld>
             <a:endParaRPr lang="fr-FR"/>
           </a:p>
@@ -1724,7 +1724,7 @@
           <a:p>
             <a:fld id="{0D5A7E0D-A8E6-497A-AB1A-E5EB0041CEF8}" type="datetimeFigureOut">
               <a:rPr lang="fr-FR" smtClean="0"/>
-              <a:t>08/01/2021</a:t>
+              <a:t>18/01/2021</a:t>
             </a:fld>
             <a:endParaRPr lang="fr-FR"/>
           </a:p>
@@ -1819,7 +1819,7 @@
           <a:p>
             <a:fld id="{0D5A7E0D-A8E6-497A-AB1A-E5EB0041CEF8}" type="datetimeFigureOut">
               <a:rPr lang="fr-FR" smtClean="0"/>
-              <a:t>08/01/2021</a:t>
+              <a:t>18/01/2021</a:t>
             </a:fld>
             <a:endParaRPr lang="fr-FR"/>
           </a:p>
@@ -2096,7 +2096,7 @@
           <a:p>
             <a:fld id="{0D5A7E0D-A8E6-497A-AB1A-E5EB0041CEF8}" type="datetimeFigureOut">
               <a:rPr lang="fr-FR" smtClean="0"/>
-              <a:t>08/01/2021</a:t>
+              <a:t>18/01/2021</a:t>
             </a:fld>
             <a:endParaRPr lang="fr-FR"/>
           </a:p>
@@ -2353,7 +2353,7 @@
           <a:p>
             <a:fld id="{0D5A7E0D-A8E6-497A-AB1A-E5EB0041CEF8}" type="datetimeFigureOut">
               <a:rPr lang="fr-FR" smtClean="0"/>
-              <a:t>08/01/2021</a:t>
+              <a:t>18/01/2021</a:t>
             </a:fld>
             <a:endParaRPr lang="fr-FR"/>
           </a:p>
@@ -2566,7 +2566,7 @@
           <a:p>
             <a:fld id="{0D5A7E0D-A8E6-497A-AB1A-E5EB0041CEF8}" type="datetimeFigureOut">
               <a:rPr lang="fr-FR" smtClean="0"/>
-              <a:t>08/01/2021</a:t>
+              <a:t>18/01/2021</a:t>
             </a:fld>
             <a:endParaRPr lang="fr-FR"/>
           </a:p>
@@ -3640,7 +3640,7 @@
         </p:nvSpPr>
         <p:spPr>
           <a:xfrm>
-            <a:off x="7530557" y="4269163"/>
+            <a:off x="7530557" y="3446020"/>
             <a:ext cx="1052047" cy="422255"/>
           </a:xfrm>
           <a:prstGeom prst="roundRect">
@@ -3756,7 +3756,7 @@
         </p:nvSpPr>
         <p:spPr>
           <a:xfrm>
-            <a:off x="10572548" y="6027449"/>
+            <a:off x="10546571" y="6385890"/>
             <a:ext cx="1052047" cy="422255"/>
           </a:xfrm>
           <a:prstGeom prst="roundRect">
@@ -3817,8 +3817,8 @@
         </p:nvCxnSpPr>
         <p:spPr>
           <a:xfrm>
-            <a:off x="8056581" y="4691418"/>
-            <a:ext cx="0" cy="1056401"/>
+            <a:off x="8056581" y="3868275"/>
+            <a:ext cx="0" cy="1879544"/>
           </a:xfrm>
           <a:prstGeom prst="straightConnector1">
             <a:avLst/>
@@ -3898,13 +3898,15 @@
         </p:nvSpPr>
         <p:spPr>
           <a:xfrm>
-            <a:off x="7733558" y="4966608"/>
-            <a:ext cx="1484002" cy="230832"/>
+            <a:off x="7641024" y="4555690"/>
+            <a:ext cx="816539" cy="369332"/>
           </a:xfrm>
           <a:prstGeom prst="rect">
             <a:avLst/>
           </a:prstGeom>
-          <a:noFill/>
+          <a:solidFill>
+            <a:schemeClr val="bg1"/>
+          </a:solidFill>
         </p:spPr>
         <p:txBody>
           <a:bodyPr wrap="square" rtlCol="0">
@@ -3960,7 +3962,7 @@
         </p:nvSpPr>
         <p:spPr>
           <a:xfrm>
-            <a:off x="9987712" y="6632220"/>
+            <a:off x="9961965" y="6936454"/>
             <a:ext cx="1484002" cy="230832"/>
           </a:xfrm>
           <a:prstGeom prst="rect">
@@ -4247,10 +4249,10 @@
       </p:sp>
       <p:sp>
         <p:nvSpPr>
-          <p:cNvPr id="42" name="Rectangle : coins arrondis 41">
+          <p:cNvPr id="43" name="Rectangle : coins arrondis 42">
             <a:extLst>
               <a:ext uri="{FF2B5EF4-FFF2-40B4-BE49-F238E27FC236}">
-                <a16:creationId xmlns:a16="http://schemas.microsoft.com/office/drawing/2014/main" id="{C9DDFA71-BEB0-4431-9875-89F245E8D45C}"/>
+                <a16:creationId xmlns:a16="http://schemas.microsoft.com/office/drawing/2014/main" id="{0FF70E2D-B413-47C2-B3B6-5D51CF32D738}"/>
               </a:ext>
             </a:extLst>
           </p:cNvPr>
@@ -4259,16 +4261,16 @@
         </p:nvSpPr>
         <p:spPr>
           <a:xfrm>
-            <a:off x="12293367" y="5837119"/>
-            <a:ext cx="1212240" cy="697636"/>
+            <a:off x="11951211" y="3975026"/>
+            <a:ext cx="1052047" cy="757574"/>
           </a:xfrm>
           <a:prstGeom prst="roundRect">
             <a:avLst/>
           </a:prstGeom>
           <a:solidFill>
-            <a:srgbClr val="F9C3E7"/>
+            <a:srgbClr val="BCE1E6"/>
           </a:solidFill>
-          <a:ln w="38100">
+          <a:ln w="12700">
             <a:noFill/>
           </a:ln>
         </p:spPr>
@@ -4298,112 +4300,6 @@
                 </a:solidFill>
                 <a:latin typeface="Gill Sans Nova" panose="020B0602020104020203" pitchFamily="34" charset="0"/>
               </a:rPr>
-              <a:t>E41 Appellation</a:t>
-            </a:r>
-          </a:p>
-          <a:p>
-            <a:pPr algn="ctr"/>
-            <a:r>
-              <a:rPr lang="fr-FR" sz="900" i="1" dirty="0">
-                <a:solidFill>
-                  <a:schemeClr val="tx1"/>
-                </a:solidFill>
-                <a:latin typeface="Gill Sans Nova" panose="020B0602020104020203" pitchFamily="34" charset="0"/>
-              </a:rPr>
-              <a:t>(« Tant que </a:t>
-            </a:r>
-            <a:r>
-              <a:rPr lang="fr-FR" sz="900" i="1" dirty="0" err="1">
-                <a:solidFill>
-                  <a:schemeClr val="tx1"/>
-                </a:solidFill>
-                <a:latin typeface="Gill Sans Nova" panose="020B0602020104020203" pitchFamily="34" charset="0"/>
-              </a:rPr>
-              <a:t>vivray</a:t>
-            </a:r>
-            <a:r>
-              <a:rPr lang="fr-FR" sz="900" i="1" dirty="0">
-                <a:solidFill>
-                  <a:schemeClr val="tx1"/>
-                </a:solidFill>
-                <a:latin typeface="Gill Sans Nova" panose="020B0602020104020203" pitchFamily="34" charset="0"/>
-              </a:rPr>
-              <a:t> en </a:t>
-            </a:r>
-            <a:r>
-              <a:rPr lang="fr-FR" sz="900" i="1" dirty="0" err="1">
-                <a:solidFill>
-                  <a:schemeClr val="tx1"/>
-                </a:solidFill>
-                <a:latin typeface="Gill Sans Nova" panose="020B0602020104020203" pitchFamily="34" charset="0"/>
-              </a:rPr>
-              <a:t>eage</a:t>
-            </a:r>
-            <a:r>
-              <a:rPr lang="fr-FR" sz="900" i="1" dirty="0">
-                <a:solidFill>
-                  <a:schemeClr val="tx1"/>
-                </a:solidFill>
-                <a:latin typeface="Gill Sans Nova" panose="020B0602020104020203" pitchFamily="34" charset="0"/>
-              </a:rPr>
-              <a:t> florissant »)</a:t>
-            </a:r>
-          </a:p>
-        </p:txBody>
-      </p:sp>
-      <p:sp>
-        <p:nvSpPr>
-          <p:cNvPr id="43" name="Rectangle : coins arrondis 42">
-            <a:extLst>
-              <a:ext uri="{FF2B5EF4-FFF2-40B4-BE49-F238E27FC236}">
-                <a16:creationId xmlns:a16="http://schemas.microsoft.com/office/drawing/2014/main" id="{0FF70E2D-B413-47C2-B3B6-5D51CF32D738}"/>
-              </a:ext>
-            </a:extLst>
-          </p:cNvPr>
-          <p:cNvSpPr/>
-          <p:nvPr/>
-        </p:nvSpPr>
-        <p:spPr>
-          <a:xfrm>
-            <a:off x="10572548" y="4209034"/>
-            <a:ext cx="1052047" cy="757574"/>
-          </a:xfrm>
-          <a:prstGeom prst="roundRect">
-            <a:avLst/>
-          </a:prstGeom>
-          <a:solidFill>
-            <a:srgbClr val="BCE1E6"/>
-          </a:solidFill>
-          <a:ln w="12700">
-            <a:noFill/>
-          </a:ln>
-        </p:spPr>
-        <p:style>
-          <a:lnRef idx="2">
-            <a:schemeClr val="accent6"/>
-          </a:lnRef>
-          <a:fillRef idx="1">
-            <a:schemeClr val="lt1"/>
-          </a:fillRef>
-          <a:effectRef idx="0">
-            <a:schemeClr val="accent6"/>
-          </a:effectRef>
-          <a:fontRef idx="minor">
-            <a:schemeClr val="dk1"/>
-          </a:fontRef>
-        </p:style>
-        <p:txBody>
-          <a:bodyPr rtlCol="0" anchor="ctr"/>
-          <a:lstStyle/>
-          <a:p>
-            <a:pPr algn="ctr"/>
-            <a:r>
-              <a:rPr lang="fr-FR" sz="900" dirty="0">
-                <a:solidFill>
-                  <a:schemeClr val="tx1"/>
-                </a:solidFill>
-                <a:latin typeface="Gill Sans Nova" panose="020B0602020104020203" pitchFamily="34" charset="0"/>
-              </a:rPr>
               <a:t>F27 Work Conception</a:t>
             </a:r>
           </a:p>
@@ -4423,8 +4319,8 @@
         </p:nvSpPr>
         <p:spPr>
           <a:xfrm>
-            <a:off x="10954514" y="5331098"/>
-            <a:ext cx="1398361" cy="230832"/>
+            <a:off x="11562715" y="4869876"/>
+            <a:ext cx="935174" cy="379480"/>
           </a:xfrm>
           <a:prstGeom prst="rect">
             <a:avLst/>
@@ -4485,7 +4381,7 @@
         </p:nvSpPr>
         <p:spPr>
           <a:xfrm>
-            <a:off x="10586934" y="2875428"/>
+            <a:off x="11965597" y="2641420"/>
             <a:ext cx="1023273" cy="507599"/>
           </a:xfrm>
           <a:prstGeom prst="roundRect">
@@ -4559,7 +4455,7 @@
         </p:nvCxnSpPr>
         <p:spPr>
           <a:xfrm flipH="1" flipV="1">
-            <a:off x="11098571" y="3383027"/>
+            <a:off x="12477234" y="3149019"/>
             <a:ext cx="1" cy="826007"/>
           </a:xfrm>
           <a:prstGeom prst="straightConnector1">
@@ -4598,7 +4494,7 @@
         </p:nvSpPr>
         <p:spPr>
           <a:xfrm>
-            <a:off x="10954514" y="3657148"/>
+            <a:off x="12259894" y="3420045"/>
             <a:ext cx="1398361" cy="230832"/>
           </a:xfrm>
           <a:prstGeom prst="rect">
@@ -4634,49 +4530,6 @@
           </a:p>
         </p:txBody>
       </p:sp>
-      <p:cxnSp>
-        <p:nvCxnSpPr>
-          <p:cNvPr id="50" name="Connecteur droit avec flèche 49">
-            <a:extLst>
-              <a:ext uri="{FF2B5EF4-FFF2-40B4-BE49-F238E27FC236}">
-                <a16:creationId xmlns:a16="http://schemas.microsoft.com/office/drawing/2014/main" id="{76F7C682-266D-4824-9B04-041A4C2D3394}"/>
-              </a:ext>
-            </a:extLst>
-          </p:cNvPr>
-          <p:cNvCxnSpPr>
-            <a:cxnSpLocks/>
-            <a:stCxn id="31" idx="0"/>
-            <a:endCxn id="43" idx="2"/>
-          </p:cNvCxnSpPr>
-          <p:nvPr/>
-        </p:nvCxnSpPr>
-        <p:spPr>
-          <a:xfrm flipV="1">
-            <a:off x="11098572" y="4966608"/>
-            <a:ext cx="0" cy="1060841"/>
-          </a:xfrm>
-          <a:prstGeom prst="straightConnector1">
-            <a:avLst/>
-          </a:prstGeom>
-          <a:ln>
-            <a:tailEnd type="triangle"/>
-          </a:ln>
-        </p:spPr>
-        <p:style>
-          <a:lnRef idx="1">
-            <a:schemeClr val="dk1"/>
-          </a:lnRef>
-          <a:fillRef idx="0">
-            <a:schemeClr val="dk1"/>
-          </a:fillRef>
-          <a:effectRef idx="0">
-            <a:schemeClr val="dk1"/>
-          </a:effectRef>
-          <a:fontRef idx="minor">
-            <a:schemeClr val="tx1"/>
-          </a:fontRef>
-        </p:style>
-      </p:cxnSp>
       <p:cxnSp>
         <p:nvCxnSpPr>
           <p:cNvPr id="59" name="Connecteur : en arc 58">
@@ -4695,12 +4548,12 @@
         </p:nvCxnSpPr>
         <p:spPr>
           <a:xfrm rot="16200000" flipH="1">
-            <a:off x="10897401" y="6650874"/>
-            <a:ext cx="1454389" cy="1052047"/>
+            <a:off x="11063633" y="6817107"/>
+            <a:ext cx="1095948" cy="1078024"/>
           </a:xfrm>
           <a:prstGeom prst="curvedConnector3">
             <a:avLst>
-              <a:gd name="adj1" fmla="val 55239"/>
+              <a:gd name="adj1" fmla="val 50000"/>
             </a:avLst>
           </a:prstGeom>
           <a:ln>
@@ -4732,15 +4585,16 @@
             </a:extLst>
           </p:cNvPr>
           <p:cNvCxnSpPr>
+            <a:cxnSpLocks/>
             <a:stCxn id="5" idx="0"/>
-            <a:endCxn id="42" idx="2"/>
+            <a:endCxn id="109" idx="2"/>
           </p:cNvCxnSpPr>
           <p:nvPr/>
         </p:nvCxnSpPr>
         <p:spPr>
           <a:xfrm rot="5400000" flipH="1" flipV="1">
-            <a:off x="11840384" y="6844990"/>
-            <a:ext cx="1369338" cy="748868"/>
+            <a:off x="12052138" y="5970584"/>
+            <a:ext cx="2031991" cy="1835028"/>
           </a:xfrm>
           <a:prstGeom prst="curvedConnector3">
             <a:avLst/>
@@ -4778,8 +4632,8 @@
         </p:nvSpPr>
         <p:spPr>
           <a:xfrm>
-            <a:off x="12601748" y="6632220"/>
-            <a:ext cx="1484002" cy="230832"/>
+            <a:off x="13097049" y="6320296"/>
+            <a:ext cx="710871" cy="369332"/>
           </a:xfrm>
           <a:prstGeom prst="rect">
             <a:avLst/>
@@ -4797,32 +4651,17 @@
               <a:rPr lang="fr-FR" sz="900" i="1" dirty="0">
                 <a:latin typeface="Gill Sans Nova" panose="020B0602020104020203" pitchFamily="34" charset="0"/>
               </a:rPr>
-              <a:t>P1 </a:t>
+              <a:t>P102 has </a:t>
             </a:r>
             <a:r>
               <a:rPr lang="fr-FR" sz="900" i="1" dirty="0" err="1">
                 <a:latin typeface="Gill Sans Nova" panose="020B0602020104020203" pitchFamily="34" charset="0"/>
               </a:rPr>
-              <a:t>is</a:t>
-            </a:r>
-            <a:r>
-              <a:rPr lang="fr-FR" sz="900" i="1" dirty="0">
-                <a:latin typeface="Gill Sans Nova" panose="020B0602020104020203" pitchFamily="34" charset="0"/>
-              </a:rPr>
-              <a:t> </a:t>
-            </a:r>
-            <a:r>
-              <a:rPr lang="fr-FR" sz="900" i="1" dirty="0" err="1">
-                <a:latin typeface="Gill Sans Nova" panose="020B0602020104020203" pitchFamily="34" charset="0"/>
-              </a:rPr>
-              <a:t>identified</a:t>
-            </a:r>
-            <a:r>
-              <a:rPr lang="fr-FR" sz="900" i="1" dirty="0">
-                <a:latin typeface="Gill Sans Nova" panose="020B0602020104020203" pitchFamily="34" charset="0"/>
-              </a:rPr>
-              <a:t> by</a:t>
-            </a:r>
+              <a:t>title</a:t>
+            </a:r>
+            <a:endParaRPr lang="fr-FR" sz="900" i="1" dirty="0">
+              <a:latin typeface="Gill Sans Nova" panose="020B0602020104020203" pitchFamily="34" charset="0"/>
+            </a:endParaRPr>
           </a:p>
         </p:txBody>
       </p:sp>
@@ -5389,14 +5228,16 @@
             </a:extLst>
           </p:cNvPr>
           <p:cNvCxnSpPr>
+            <a:cxnSpLocks/>
             <a:stCxn id="5" idx="3"/>
+            <a:endCxn id="54" idx="1"/>
           </p:cNvCxnSpPr>
           <p:nvPr/>
         </p:nvCxnSpPr>
         <p:spPr>
           <a:xfrm>
             <a:off x="12676642" y="8252911"/>
-            <a:ext cx="2815435" cy="348817"/>
+            <a:ext cx="2829658" cy="348818"/>
           </a:xfrm>
           <a:prstGeom prst="curvedConnector3">
             <a:avLst/>
@@ -5434,18 +5275,18 @@
         </p:nvSpPr>
         <p:spPr>
           <a:xfrm>
-            <a:off x="15541747" y="8281780"/>
+            <a:off x="13459623" y="5165768"/>
             <a:ext cx="1052047" cy="706334"/>
           </a:xfrm>
           <a:prstGeom prst="roundRect">
             <a:avLst/>
           </a:prstGeom>
           <a:solidFill>
-            <a:srgbClr val="BCCCEA"/>
+            <a:srgbClr val="C5D3ED"/>
           </a:solidFill>
           <a:ln w="28575">
             <a:solidFill>
-              <a:srgbClr val="82A1D8"/>
+              <a:srgbClr val="99B2DF"/>
             </a:solidFill>
           </a:ln>
         </p:spPr>
@@ -5502,7 +5343,43 @@
                 </a:solidFill>
                 <a:latin typeface="Gill Sans Nova" panose="020B0602020104020203" pitchFamily="34" charset="0"/>
               </a:rPr>
-              <a:t>(Incipit)</a:t>
+              <a:t>(« Tant que </a:t>
+            </a:r>
+            <a:r>
+              <a:rPr lang="fr-FR" sz="900" i="1" dirty="0" err="1">
+                <a:solidFill>
+                  <a:schemeClr val="tx1"/>
+                </a:solidFill>
+                <a:latin typeface="Gill Sans Nova" panose="020B0602020104020203" pitchFamily="34" charset="0"/>
+              </a:rPr>
+              <a:t>vivray</a:t>
+            </a:r>
+            <a:r>
+              <a:rPr lang="fr-FR" sz="900" i="1" dirty="0">
+                <a:solidFill>
+                  <a:schemeClr val="tx1"/>
+                </a:solidFill>
+                <a:latin typeface="Gill Sans Nova" panose="020B0602020104020203" pitchFamily="34" charset="0"/>
+              </a:rPr>
+              <a:t> en </a:t>
+            </a:r>
+            <a:r>
+              <a:rPr lang="fr-FR" sz="900" i="1" dirty="0" err="1">
+                <a:solidFill>
+                  <a:schemeClr val="tx1"/>
+                </a:solidFill>
+                <a:latin typeface="Gill Sans Nova" panose="020B0602020104020203" pitchFamily="34" charset="0"/>
+              </a:rPr>
+              <a:t>eage</a:t>
+            </a:r>
+            <a:r>
+              <a:rPr lang="fr-FR" sz="900" i="1" dirty="0">
+                <a:solidFill>
+                  <a:schemeClr val="tx1"/>
+                </a:solidFill>
+                <a:latin typeface="Gill Sans Nova" panose="020B0602020104020203" pitchFamily="34" charset="0"/>
+              </a:rPr>
+              <a:t> florissant »)</a:t>
             </a:r>
           </a:p>
         </p:txBody>
@@ -5541,6 +5418,782 @@
                 <a:latin typeface="Gill Sans Nova" panose="020B0602020104020203" pitchFamily="34" charset="0"/>
               </a:rPr>
               <a:t>R15 has fragment</a:t>
+            </a:r>
+          </a:p>
+        </p:txBody>
+      </p:sp>
+      <p:sp>
+        <p:nvSpPr>
+          <p:cNvPr id="54" name="Rectangle : coins arrondis 53">
+            <a:extLst>
+              <a:ext uri="{FF2B5EF4-FFF2-40B4-BE49-F238E27FC236}">
+                <a16:creationId xmlns:a16="http://schemas.microsoft.com/office/drawing/2014/main" id="{4063600F-E445-472B-93CB-10D4AB9D038E}"/>
+              </a:ext>
+            </a:extLst>
+          </p:cNvPr>
+          <p:cNvSpPr/>
+          <p:nvPr/>
+        </p:nvSpPr>
+        <p:spPr>
+          <a:xfrm>
+            <a:off x="15506300" y="8248562"/>
+            <a:ext cx="1052047" cy="706334"/>
+          </a:xfrm>
+          <a:prstGeom prst="roundRect">
+            <a:avLst/>
+          </a:prstGeom>
+          <a:solidFill>
+            <a:srgbClr val="E2E9F6"/>
+          </a:solidFill>
+          <a:ln w="12700">
+            <a:noFill/>
+          </a:ln>
+        </p:spPr>
+        <p:style>
+          <a:lnRef idx="2">
+            <a:schemeClr val="accent6"/>
+          </a:lnRef>
+          <a:fillRef idx="1">
+            <a:schemeClr val="lt1"/>
+          </a:fillRef>
+          <a:effectRef idx="0">
+            <a:schemeClr val="accent6"/>
+          </a:effectRef>
+          <a:fontRef idx="minor">
+            <a:schemeClr val="dk1"/>
+          </a:fontRef>
+        </p:style>
+        <p:txBody>
+          <a:bodyPr rtlCol="0" anchor="ctr"/>
+          <a:lstStyle/>
+          <a:p>
+            <a:pPr algn="ctr"/>
+            <a:r>
+              <a:rPr lang="fr-FR" sz="900" dirty="0">
+                <a:solidFill>
+                  <a:schemeClr val="tx1"/>
+                </a:solidFill>
+                <a:latin typeface="Gill Sans Nova" panose="020B0602020104020203" pitchFamily="34" charset="0"/>
+              </a:rPr>
+              <a:t>E33 </a:t>
+            </a:r>
+            <a:r>
+              <a:rPr lang="fr-FR" sz="900" dirty="0" err="1">
+                <a:solidFill>
+                  <a:schemeClr val="tx1"/>
+                </a:solidFill>
+                <a:latin typeface="Gill Sans Nova" panose="020B0602020104020203" pitchFamily="34" charset="0"/>
+              </a:rPr>
+              <a:t>Linguistic</a:t>
+            </a:r>
+            <a:r>
+              <a:rPr lang="fr-FR" sz="900" dirty="0">
+                <a:solidFill>
+                  <a:schemeClr val="tx1"/>
+                </a:solidFill>
+                <a:latin typeface="Gill Sans Nova" panose="020B0602020104020203" pitchFamily="34" charset="0"/>
+              </a:rPr>
+              <a:t> Object</a:t>
+            </a:r>
+          </a:p>
+          <a:p>
+            <a:pPr algn="ctr"/>
+            <a:r>
+              <a:rPr lang="fr-FR" sz="900" i="1" dirty="0">
+                <a:solidFill>
+                  <a:schemeClr val="tx1"/>
+                </a:solidFill>
+                <a:latin typeface="Gill Sans Nova" panose="020B0602020104020203" pitchFamily="34" charset="0"/>
+              </a:rPr>
+              <a:t>(Incipit)</a:t>
+            </a:r>
+          </a:p>
+        </p:txBody>
+      </p:sp>
+      <p:sp>
+        <p:nvSpPr>
+          <p:cNvPr id="56" name="Rectangle : coins arrondis 55">
+            <a:extLst>
+              <a:ext uri="{FF2B5EF4-FFF2-40B4-BE49-F238E27FC236}">
+                <a16:creationId xmlns:a16="http://schemas.microsoft.com/office/drawing/2014/main" id="{C75AA2B1-BF99-4BA6-9C94-80FB1CD6E70C}"/>
+              </a:ext>
+            </a:extLst>
+          </p:cNvPr>
+          <p:cNvSpPr/>
+          <p:nvPr/>
+        </p:nvSpPr>
+        <p:spPr>
+          <a:xfrm>
+            <a:off x="9961965" y="11449870"/>
+            <a:ext cx="1052047" cy="665980"/>
+          </a:xfrm>
+          <a:prstGeom prst="roundRect">
+            <a:avLst/>
+          </a:prstGeom>
+          <a:solidFill>
+            <a:srgbClr val="8BCFCD"/>
+          </a:solidFill>
+          <a:ln w="12700">
+            <a:noFill/>
+          </a:ln>
+        </p:spPr>
+        <p:style>
+          <a:lnRef idx="2">
+            <a:schemeClr val="accent6"/>
+          </a:lnRef>
+          <a:fillRef idx="1">
+            <a:schemeClr val="lt1"/>
+          </a:fillRef>
+          <a:effectRef idx="0">
+            <a:schemeClr val="accent6"/>
+          </a:effectRef>
+          <a:fontRef idx="minor">
+            <a:schemeClr val="dk1"/>
+          </a:fontRef>
+        </p:style>
+        <p:txBody>
+          <a:bodyPr rtlCol="0" anchor="ctr"/>
+          <a:lstStyle/>
+          <a:p>
+            <a:pPr algn="ctr"/>
+            <a:r>
+              <a:rPr lang="fr-FR" sz="900" dirty="0">
+                <a:solidFill>
+                  <a:schemeClr val="bg1"/>
+                </a:solidFill>
+                <a:latin typeface="Gill Sans Nova" panose="020B0602020104020203" pitchFamily="34" charset="0"/>
+              </a:rPr>
+              <a:t>F32 Carrier Production Event</a:t>
+            </a:r>
+          </a:p>
+        </p:txBody>
+      </p:sp>
+      <p:cxnSp>
+        <p:nvCxnSpPr>
+          <p:cNvPr id="16" name="Connecteur droit avec flèche 15">
+            <a:extLst>
+              <a:ext uri="{FF2B5EF4-FFF2-40B4-BE49-F238E27FC236}">
+                <a16:creationId xmlns:a16="http://schemas.microsoft.com/office/drawing/2014/main" id="{25E2B85C-D000-44EF-92B1-E5F29CCE8942}"/>
+              </a:ext>
+            </a:extLst>
+          </p:cNvPr>
+          <p:cNvCxnSpPr>
+            <a:stCxn id="56" idx="0"/>
+            <a:endCxn id="91" idx="2"/>
+          </p:cNvCxnSpPr>
+          <p:nvPr/>
+        </p:nvCxnSpPr>
+        <p:spPr>
+          <a:xfrm flipV="1">
+            <a:off x="10487989" y="10518517"/>
+            <a:ext cx="1" cy="931353"/>
+          </a:xfrm>
+          <a:prstGeom prst="straightConnector1">
+            <a:avLst/>
+          </a:prstGeom>
+          <a:ln>
+            <a:tailEnd type="triangle"/>
+          </a:ln>
+        </p:spPr>
+        <p:style>
+          <a:lnRef idx="1">
+            <a:schemeClr val="dk1"/>
+          </a:lnRef>
+          <a:fillRef idx="0">
+            <a:schemeClr val="dk1"/>
+          </a:fillRef>
+          <a:effectRef idx="0">
+            <a:schemeClr val="dk1"/>
+          </a:effectRef>
+          <a:fontRef idx="minor">
+            <a:schemeClr val="tx1"/>
+          </a:fontRef>
+        </p:style>
+      </p:cxnSp>
+      <p:sp>
+        <p:nvSpPr>
+          <p:cNvPr id="60" name="ZoneTexte 59">
+            <a:extLst>
+              <a:ext uri="{FF2B5EF4-FFF2-40B4-BE49-F238E27FC236}">
+                <a16:creationId xmlns:a16="http://schemas.microsoft.com/office/drawing/2014/main" id="{55C4D6FE-696E-48F1-A339-6875118C8C75}"/>
+              </a:ext>
+            </a:extLst>
+          </p:cNvPr>
+          <p:cNvSpPr txBox="1"/>
+          <p:nvPr/>
+        </p:nvSpPr>
+        <p:spPr>
+          <a:xfrm>
+            <a:off x="10426113" y="10850091"/>
+            <a:ext cx="902262" cy="230832"/>
+          </a:xfrm>
+          <a:prstGeom prst="rect">
+            <a:avLst/>
+          </a:prstGeom>
+          <a:noFill/>
+        </p:spPr>
+        <p:txBody>
+          <a:bodyPr wrap="square" rtlCol="0">
+            <a:spAutoFit/>
+          </a:bodyPr>
+          <a:lstStyle/>
+          <a:p>
+            <a:pPr algn="ctr"/>
+            <a:r>
+              <a:rPr lang="fr-FR" sz="900" i="1" dirty="0">
+                <a:latin typeface="Gill Sans Nova" panose="020B0602020104020203" pitchFamily="34" charset="0"/>
+              </a:rPr>
+              <a:t>R28 </a:t>
+            </a:r>
+            <a:r>
+              <a:rPr lang="fr-FR" sz="900" i="1" dirty="0" err="1">
+                <a:latin typeface="Gill Sans Nova" panose="020B0602020104020203" pitchFamily="34" charset="0"/>
+              </a:rPr>
+              <a:t>produced</a:t>
+            </a:r>
+            <a:endParaRPr lang="fr-FR" sz="900" i="1" dirty="0">
+              <a:latin typeface="Gill Sans Nova" panose="020B0602020104020203" pitchFamily="34" charset="0"/>
+            </a:endParaRPr>
+          </a:p>
+        </p:txBody>
+      </p:sp>
+      <p:sp>
+        <p:nvSpPr>
+          <p:cNvPr id="61" name="Rectangle : coins arrondis 60">
+            <a:extLst>
+              <a:ext uri="{FF2B5EF4-FFF2-40B4-BE49-F238E27FC236}">
+                <a16:creationId xmlns:a16="http://schemas.microsoft.com/office/drawing/2014/main" id="{2989E64F-4442-4CCA-A380-93FA5FEB14FA}"/>
+              </a:ext>
+            </a:extLst>
+          </p:cNvPr>
+          <p:cNvSpPr/>
+          <p:nvPr/>
+        </p:nvSpPr>
+        <p:spPr>
+          <a:xfrm>
+            <a:off x="12432212" y="11553532"/>
+            <a:ext cx="976814" cy="458655"/>
+          </a:xfrm>
+          <a:prstGeom prst="roundRect">
+            <a:avLst/>
+          </a:prstGeom>
+          <a:solidFill>
+            <a:schemeClr val="accent6">
+              <a:lumMod val="40000"/>
+              <a:lumOff val="60000"/>
+            </a:schemeClr>
+          </a:solidFill>
+          <a:ln w="12700">
+            <a:noFill/>
+          </a:ln>
+        </p:spPr>
+        <p:style>
+          <a:lnRef idx="2">
+            <a:schemeClr val="accent6"/>
+          </a:lnRef>
+          <a:fillRef idx="1">
+            <a:schemeClr val="lt1"/>
+          </a:fillRef>
+          <a:effectRef idx="0">
+            <a:schemeClr val="accent6"/>
+          </a:effectRef>
+          <a:fontRef idx="minor">
+            <a:schemeClr val="dk1"/>
+          </a:fontRef>
+        </p:style>
+        <p:txBody>
+          <a:bodyPr rtlCol="0" anchor="ctr"/>
+          <a:lstStyle/>
+          <a:p>
+            <a:pPr algn="ctr"/>
+            <a:r>
+              <a:rPr lang="fr-FR" sz="900" dirty="0">
+                <a:solidFill>
+                  <a:schemeClr val="tx1"/>
+                </a:solidFill>
+                <a:latin typeface="Gill Sans Nova" panose="020B0602020104020203" pitchFamily="34" charset="0"/>
+              </a:rPr>
+              <a:t>E52 Time-Span</a:t>
+            </a:r>
+          </a:p>
+        </p:txBody>
+      </p:sp>
+      <p:cxnSp>
+        <p:nvCxnSpPr>
+          <p:cNvPr id="21" name="Connecteur droit avec flèche 20">
+            <a:extLst>
+              <a:ext uri="{FF2B5EF4-FFF2-40B4-BE49-F238E27FC236}">
+                <a16:creationId xmlns:a16="http://schemas.microsoft.com/office/drawing/2014/main" id="{619FE696-7BE7-4795-94A2-F803F08FB4F3}"/>
+              </a:ext>
+            </a:extLst>
+          </p:cNvPr>
+          <p:cNvCxnSpPr>
+            <a:stCxn id="56" idx="3"/>
+            <a:endCxn id="61" idx="1"/>
+          </p:cNvCxnSpPr>
+          <p:nvPr/>
+        </p:nvCxnSpPr>
+        <p:spPr>
+          <a:xfrm>
+            <a:off x="11014012" y="11782860"/>
+            <a:ext cx="1418200" cy="0"/>
+          </a:xfrm>
+          <a:prstGeom prst="straightConnector1">
+            <a:avLst/>
+          </a:prstGeom>
+          <a:ln>
+            <a:tailEnd type="triangle"/>
+          </a:ln>
+        </p:spPr>
+        <p:style>
+          <a:lnRef idx="1">
+            <a:schemeClr val="dk1"/>
+          </a:lnRef>
+          <a:fillRef idx="0">
+            <a:schemeClr val="dk1"/>
+          </a:fillRef>
+          <a:effectRef idx="0">
+            <a:schemeClr val="dk1"/>
+          </a:effectRef>
+          <a:fontRef idx="minor">
+            <a:schemeClr val="tx1"/>
+          </a:fontRef>
+        </p:style>
+      </p:cxnSp>
+      <p:sp>
+        <p:nvSpPr>
+          <p:cNvPr id="63" name="ZoneTexte 62">
+            <a:extLst>
+              <a:ext uri="{FF2B5EF4-FFF2-40B4-BE49-F238E27FC236}">
+                <a16:creationId xmlns:a16="http://schemas.microsoft.com/office/drawing/2014/main" id="{1CF77DDB-60FD-4A18-8683-AF26B27F7937}"/>
+              </a:ext>
+            </a:extLst>
+          </p:cNvPr>
+          <p:cNvSpPr txBox="1"/>
+          <p:nvPr/>
+        </p:nvSpPr>
+        <p:spPr>
+          <a:xfrm>
+            <a:off x="11133387" y="11553532"/>
+            <a:ext cx="1190412" cy="230832"/>
+          </a:xfrm>
+          <a:prstGeom prst="rect">
+            <a:avLst/>
+          </a:prstGeom>
+          <a:noFill/>
+        </p:spPr>
+        <p:txBody>
+          <a:bodyPr wrap="square" rtlCol="0">
+            <a:spAutoFit/>
+          </a:bodyPr>
+          <a:lstStyle/>
+          <a:p>
+            <a:pPr algn="ctr"/>
+            <a:r>
+              <a:rPr lang="fr-FR" sz="900" i="1" dirty="0">
+                <a:latin typeface="Gill Sans Nova" panose="020B0602020104020203" pitchFamily="34" charset="0"/>
+              </a:rPr>
+              <a:t>P4 has time-</a:t>
+            </a:r>
+            <a:r>
+              <a:rPr lang="fr-FR" sz="900" i="1" dirty="0" err="1">
+                <a:latin typeface="Gill Sans Nova" panose="020B0602020104020203" pitchFamily="34" charset="0"/>
+              </a:rPr>
+              <a:t>span</a:t>
+            </a:r>
+            <a:endParaRPr lang="fr-FR" sz="900" i="1" dirty="0">
+              <a:latin typeface="Gill Sans Nova" panose="020B0602020104020203" pitchFamily="34" charset="0"/>
+            </a:endParaRPr>
+          </a:p>
+        </p:txBody>
+      </p:sp>
+      <p:sp>
+        <p:nvSpPr>
+          <p:cNvPr id="66" name="Rectangle : coins arrondis 65">
+            <a:extLst>
+              <a:ext uri="{FF2B5EF4-FFF2-40B4-BE49-F238E27FC236}">
+                <a16:creationId xmlns:a16="http://schemas.microsoft.com/office/drawing/2014/main" id="{062BC9FA-C320-473A-A6C4-CD5468804F11}"/>
+              </a:ext>
+            </a:extLst>
+          </p:cNvPr>
+          <p:cNvSpPr/>
+          <p:nvPr/>
+        </p:nvSpPr>
+        <p:spPr>
+          <a:xfrm>
+            <a:off x="10005057" y="13127451"/>
+            <a:ext cx="976814" cy="588025"/>
+          </a:xfrm>
+          <a:prstGeom prst="roundRect">
+            <a:avLst/>
+          </a:prstGeom>
+          <a:solidFill>
+            <a:srgbClr val="FFC48F"/>
+          </a:solidFill>
+          <a:ln w="12700">
+            <a:noFill/>
+          </a:ln>
+        </p:spPr>
+        <p:style>
+          <a:lnRef idx="2">
+            <a:schemeClr val="accent6"/>
+          </a:lnRef>
+          <a:fillRef idx="1">
+            <a:schemeClr val="lt1"/>
+          </a:fillRef>
+          <a:effectRef idx="0">
+            <a:schemeClr val="accent6"/>
+          </a:effectRef>
+          <a:fontRef idx="minor">
+            <a:schemeClr val="dk1"/>
+          </a:fontRef>
+        </p:style>
+        <p:txBody>
+          <a:bodyPr rtlCol="0" anchor="ctr"/>
+          <a:lstStyle/>
+          <a:p>
+            <a:pPr algn="ctr"/>
+            <a:r>
+              <a:rPr lang="fr-FR" sz="900" dirty="0">
+                <a:solidFill>
+                  <a:schemeClr val="tx1"/>
+                </a:solidFill>
+                <a:latin typeface="Gill Sans Nova" panose="020B0602020104020203" pitchFamily="34" charset="0"/>
+              </a:rPr>
+              <a:t>E39 Actor</a:t>
+            </a:r>
+          </a:p>
+          <a:p>
+            <a:pPr algn="ctr"/>
+            <a:r>
+              <a:rPr lang="fr-FR" sz="900" i="1" dirty="0">
+                <a:solidFill>
+                  <a:schemeClr val="tx1"/>
+                </a:solidFill>
+                <a:latin typeface="Gill Sans Nova" panose="020B0602020104020203" pitchFamily="34" charset="0"/>
+              </a:rPr>
+              <a:t>(éditeur-libraire-imprimeur)</a:t>
+            </a:r>
+          </a:p>
+        </p:txBody>
+      </p:sp>
+      <p:cxnSp>
+        <p:nvCxnSpPr>
+          <p:cNvPr id="25" name="Connecteur droit avec flèche 24">
+            <a:extLst>
+              <a:ext uri="{FF2B5EF4-FFF2-40B4-BE49-F238E27FC236}">
+                <a16:creationId xmlns:a16="http://schemas.microsoft.com/office/drawing/2014/main" id="{C8CF2692-FA1F-488B-9B8A-9CFF3FA6AE85}"/>
+              </a:ext>
+            </a:extLst>
+          </p:cNvPr>
+          <p:cNvCxnSpPr>
+            <a:stCxn id="66" idx="0"/>
+            <a:endCxn id="56" idx="2"/>
+          </p:cNvCxnSpPr>
+          <p:nvPr/>
+        </p:nvCxnSpPr>
+        <p:spPr>
+          <a:xfrm flipH="1" flipV="1">
+            <a:off x="10487989" y="12115850"/>
+            <a:ext cx="5475" cy="1011601"/>
+          </a:xfrm>
+          <a:prstGeom prst="straightConnector1">
+            <a:avLst/>
+          </a:prstGeom>
+          <a:ln>
+            <a:tailEnd type="triangle"/>
+          </a:ln>
+        </p:spPr>
+        <p:style>
+          <a:lnRef idx="1">
+            <a:schemeClr val="dk1"/>
+          </a:lnRef>
+          <a:fillRef idx="0">
+            <a:schemeClr val="dk1"/>
+          </a:fillRef>
+          <a:effectRef idx="0">
+            <a:schemeClr val="dk1"/>
+          </a:effectRef>
+          <a:fontRef idx="minor">
+            <a:schemeClr val="tx1"/>
+          </a:fontRef>
+        </p:style>
+      </p:cxnSp>
+      <p:sp>
+        <p:nvSpPr>
+          <p:cNvPr id="71" name="ZoneTexte 70">
+            <a:extLst>
+              <a:ext uri="{FF2B5EF4-FFF2-40B4-BE49-F238E27FC236}">
+                <a16:creationId xmlns:a16="http://schemas.microsoft.com/office/drawing/2014/main" id="{3435F56B-14ED-4798-99DA-931C82222A29}"/>
+              </a:ext>
+            </a:extLst>
+          </p:cNvPr>
+          <p:cNvSpPr txBox="1"/>
+          <p:nvPr/>
+        </p:nvSpPr>
+        <p:spPr>
+          <a:xfrm>
+            <a:off x="10454535" y="12539426"/>
+            <a:ext cx="1054672" cy="230832"/>
+          </a:xfrm>
+          <a:prstGeom prst="rect">
+            <a:avLst/>
+          </a:prstGeom>
+          <a:noFill/>
+        </p:spPr>
+        <p:txBody>
+          <a:bodyPr wrap="square" rtlCol="0">
+            <a:spAutoFit/>
+          </a:bodyPr>
+          <a:lstStyle/>
+          <a:p>
+            <a:pPr algn="ctr"/>
+            <a:r>
+              <a:rPr lang="fr-FR" sz="900" i="1" dirty="0">
+                <a:latin typeface="Gill Sans Nova" panose="020B0602020104020203" pitchFamily="34" charset="0"/>
+              </a:rPr>
+              <a:t>P14 </a:t>
+            </a:r>
+            <a:r>
+              <a:rPr lang="fr-FR" sz="900" i="1" dirty="0" err="1">
+                <a:latin typeface="Gill Sans Nova" panose="020B0602020104020203" pitchFamily="34" charset="0"/>
+              </a:rPr>
+              <a:t>carried</a:t>
+            </a:r>
+            <a:r>
+              <a:rPr lang="fr-FR" sz="900" i="1" dirty="0">
+                <a:latin typeface="Gill Sans Nova" panose="020B0602020104020203" pitchFamily="34" charset="0"/>
+              </a:rPr>
+              <a:t>-out by</a:t>
+            </a:r>
+          </a:p>
+        </p:txBody>
+      </p:sp>
+      <p:cxnSp>
+        <p:nvCxnSpPr>
+          <p:cNvPr id="27" name="Connecteur : en arc 26">
+            <a:extLst>
+              <a:ext uri="{FF2B5EF4-FFF2-40B4-BE49-F238E27FC236}">
+                <a16:creationId xmlns:a16="http://schemas.microsoft.com/office/drawing/2014/main" id="{AFA05A41-6149-4D10-A03F-D8E520C39321}"/>
+              </a:ext>
+            </a:extLst>
+          </p:cNvPr>
+          <p:cNvCxnSpPr>
+            <a:stCxn id="30" idx="0"/>
+            <a:endCxn id="29" idx="1"/>
+          </p:cNvCxnSpPr>
+          <p:nvPr/>
+        </p:nvCxnSpPr>
+        <p:spPr>
+          <a:xfrm rot="5400000" flipH="1" flipV="1">
+            <a:off x="5000592" y="3915489"/>
+            <a:ext cx="2788306" cy="2271624"/>
+          </a:xfrm>
+          <a:prstGeom prst="curvedConnector2">
+            <a:avLst/>
+          </a:prstGeom>
+          <a:ln>
+            <a:tailEnd type="triangle"/>
+          </a:ln>
+        </p:spPr>
+        <p:style>
+          <a:lnRef idx="1">
+            <a:schemeClr val="dk1"/>
+          </a:lnRef>
+          <a:fillRef idx="0">
+            <a:schemeClr val="dk1"/>
+          </a:fillRef>
+          <a:effectRef idx="0">
+            <a:schemeClr val="dk1"/>
+          </a:effectRef>
+          <a:fontRef idx="minor">
+            <a:schemeClr val="tx1"/>
+          </a:fontRef>
+        </p:style>
+      </p:cxnSp>
+      <p:cxnSp>
+        <p:nvCxnSpPr>
+          <p:cNvPr id="55" name="Connecteur : en arc 54">
+            <a:extLst>
+              <a:ext uri="{FF2B5EF4-FFF2-40B4-BE49-F238E27FC236}">
+                <a16:creationId xmlns:a16="http://schemas.microsoft.com/office/drawing/2014/main" id="{F698438E-CC93-415A-AEC0-33EDD59079C5}"/>
+              </a:ext>
+            </a:extLst>
+          </p:cNvPr>
+          <p:cNvCxnSpPr>
+            <a:cxnSpLocks/>
+            <a:stCxn id="31" idx="0"/>
+            <a:endCxn id="43" idx="2"/>
+          </p:cNvCxnSpPr>
+          <p:nvPr/>
+        </p:nvCxnSpPr>
+        <p:spPr>
+          <a:xfrm rot="5400000" flipH="1" flipV="1">
+            <a:off x="10948270" y="4856925"/>
+            <a:ext cx="1653290" cy="1404640"/>
+          </a:xfrm>
+          <a:prstGeom prst="curvedConnector3">
+            <a:avLst>
+              <a:gd name="adj1" fmla="val 50000"/>
+            </a:avLst>
+          </a:prstGeom>
+          <a:ln>
+            <a:tailEnd type="triangle"/>
+          </a:ln>
+        </p:spPr>
+        <p:style>
+          <a:lnRef idx="1">
+            <a:schemeClr val="dk1"/>
+          </a:lnRef>
+          <a:fillRef idx="0">
+            <a:schemeClr val="dk1"/>
+          </a:fillRef>
+          <a:effectRef idx="0">
+            <a:schemeClr val="dk1"/>
+          </a:effectRef>
+          <a:fontRef idx="minor">
+            <a:schemeClr val="tx1"/>
+          </a:fontRef>
+        </p:style>
+      </p:cxnSp>
+      <p:cxnSp>
+        <p:nvCxnSpPr>
+          <p:cNvPr id="58" name="Connecteur : en arc 57">
+            <a:extLst>
+              <a:ext uri="{FF2B5EF4-FFF2-40B4-BE49-F238E27FC236}">
+                <a16:creationId xmlns:a16="http://schemas.microsoft.com/office/drawing/2014/main" id="{67D778FB-70D7-45B2-A7AD-7F8DEC2EC5F9}"/>
+              </a:ext>
+            </a:extLst>
+          </p:cNvPr>
+          <p:cNvCxnSpPr>
+            <a:stCxn id="31" idx="0"/>
+            <a:endCxn id="29" idx="3"/>
+          </p:cNvCxnSpPr>
+          <p:nvPr/>
+        </p:nvCxnSpPr>
+        <p:spPr>
+          <a:xfrm rot="16200000" flipV="1">
+            <a:off x="8463229" y="3776523"/>
+            <a:ext cx="2728742" cy="2489991"/>
+          </a:xfrm>
+          <a:prstGeom prst="curvedConnector2">
+            <a:avLst/>
+          </a:prstGeom>
+          <a:ln>
+            <a:tailEnd type="triangle"/>
+          </a:ln>
+        </p:spPr>
+        <p:style>
+          <a:lnRef idx="1">
+            <a:schemeClr val="dk1"/>
+          </a:lnRef>
+          <a:fillRef idx="0">
+            <a:schemeClr val="dk1"/>
+          </a:fillRef>
+          <a:effectRef idx="0">
+            <a:schemeClr val="dk1"/>
+          </a:effectRef>
+          <a:fontRef idx="minor">
+            <a:schemeClr val="tx1"/>
+          </a:fontRef>
+        </p:style>
+      </p:cxnSp>
+      <p:sp>
+        <p:nvSpPr>
+          <p:cNvPr id="82" name="ZoneTexte 81">
+            <a:extLst>
+              <a:ext uri="{FF2B5EF4-FFF2-40B4-BE49-F238E27FC236}">
+                <a16:creationId xmlns:a16="http://schemas.microsoft.com/office/drawing/2014/main" id="{E8E0893B-C9AF-4E88-B92A-62599AF96963}"/>
+              </a:ext>
+            </a:extLst>
+          </p:cNvPr>
+          <p:cNvSpPr txBox="1"/>
+          <p:nvPr/>
+        </p:nvSpPr>
+        <p:spPr>
+          <a:xfrm>
+            <a:off x="9700952" y="4636140"/>
+            <a:ext cx="915279" cy="369332"/>
+          </a:xfrm>
+          <a:prstGeom prst="rect">
+            <a:avLst/>
+          </a:prstGeom>
+          <a:noFill/>
+        </p:spPr>
+        <p:txBody>
+          <a:bodyPr wrap="square" rtlCol="0">
+            <a:spAutoFit/>
+          </a:bodyPr>
+          <a:lstStyle/>
+          <a:p>
+            <a:pPr algn="ctr"/>
+            <a:r>
+              <a:rPr lang="fr-FR" sz="900" i="1" dirty="0">
+                <a:latin typeface="Gill Sans Nova" panose="020B0602020104020203" pitchFamily="34" charset="0"/>
+              </a:rPr>
+              <a:t>R68 </a:t>
+            </a:r>
+            <a:r>
+              <a:rPr lang="fr-FR" sz="900" i="1" dirty="0" err="1">
+                <a:latin typeface="Gill Sans Nova" panose="020B0602020104020203" pitchFamily="34" charset="0"/>
+              </a:rPr>
+              <a:t>is</a:t>
+            </a:r>
+            <a:r>
+              <a:rPr lang="fr-FR" sz="900" i="1" dirty="0">
+                <a:latin typeface="Gill Sans Nova" panose="020B0602020104020203" pitchFamily="34" charset="0"/>
+              </a:rPr>
+              <a:t> inspiration for</a:t>
+            </a:r>
+          </a:p>
+        </p:txBody>
+      </p:sp>
+      <p:sp>
+        <p:nvSpPr>
+          <p:cNvPr id="83" name="ZoneTexte 82">
+            <a:extLst>
+              <a:ext uri="{FF2B5EF4-FFF2-40B4-BE49-F238E27FC236}">
+                <a16:creationId xmlns:a16="http://schemas.microsoft.com/office/drawing/2014/main" id="{A62993F2-DAFB-4DA8-90B3-965CFE09C337}"/>
+              </a:ext>
+            </a:extLst>
+          </p:cNvPr>
+          <p:cNvSpPr txBox="1"/>
+          <p:nvPr/>
+        </p:nvSpPr>
+        <p:spPr>
+          <a:xfrm>
+            <a:off x="5657301" y="4642118"/>
+            <a:ext cx="915279" cy="369332"/>
+          </a:xfrm>
+          <a:prstGeom prst="rect">
+            <a:avLst/>
+          </a:prstGeom>
+          <a:noFill/>
+        </p:spPr>
+        <p:txBody>
+          <a:bodyPr wrap="square" rtlCol="0">
+            <a:spAutoFit/>
+          </a:bodyPr>
+          <a:lstStyle/>
+          <a:p>
+            <a:pPr algn="ctr"/>
+            <a:r>
+              <a:rPr lang="fr-FR" sz="900" i="1" dirty="0">
+                <a:latin typeface="Gill Sans Nova" panose="020B0602020104020203" pitchFamily="34" charset="0"/>
+              </a:rPr>
+              <a:t>R68 </a:t>
+            </a:r>
+            <a:r>
+              <a:rPr lang="fr-FR" sz="900" i="1" dirty="0" err="1">
+                <a:latin typeface="Gill Sans Nova" panose="020B0602020104020203" pitchFamily="34" charset="0"/>
+              </a:rPr>
+              <a:t>is</a:t>
+            </a:r>
+            <a:r>
+              <a:rPr lang="fr-FR" sz="900" i="1" dirty="0">
+                <a:latin typeface="Gill Sans Nova" panose="020B0602020104020203" pitchFamily="34" charset="0"/>
+              </a:rPr>
+              <a:t> inspiration for</a:t>
             </a:r>
           </a:p>
         </p:txBody>

--- a/modélisation/timbres/Modelisation_timbres.pptx
+++ b/modélisation/timbres/Modelisation_timbres.pptx
@@ -3125,7 +3125,7 @@
         </p:nvSpPr>
         <p:spPr>
           <a:xfrm>
-            <a:off x="7530557" y="5747819"/>
+            <a:off x="7539829" y="6499893"/>
             <a:ext cx="1052047" cy="697636"/>
           </a:xfrm>
           <a:prstGeom prst="roundRect">
@@ -3181,92 +3181,6 @@
           </a:p>
         </p:txBody>
       </p:sp>
-      <p:cxnSp>
-        <p:nvCxnSpPr>
-          <p:cNvPr id="9" name="Connecteur : en arc 8">
-            <a:extLst>
-              <a:ext uri="{FF2B5EF4-FFF2-40B4-BE49-F238E27FC236}">
-                <a16:creationId xmlns:a16="http://schemas.microsoft.com/office/drawing/2014/main" id="{D88289D4-209C-4D23-8BBE-6DC7265BCB83}"/>
-              </a:ext>
-            </a:extLst>
-          </p:cNvPr>
-          <p:cNvCxnSpPr>
-            <a:cxnSpLocks/>
-            <a:stCxn id="7" idx="2"/>
-            <a:endCxn id="6" idx="3"/>
-          </p:cNvCxnSpPr>
-          <p:nvPr/>
-        </p:nvCxnSpPr>
-        <p:spPr>
-          <a:xfrm rot="5400000">
-            <a:off x="6019360" y="6216192"/>
-            <a:ext cx="1807959" cy="2266484"/>
-          </a:xfrm>
-          <a:prstGeom prst="curvedConnector2">
-            <a:avLst/>
-          </a:prstGeom>
-          <a:ln>
-            <a:tailEnd type="triangle"/>
-          </a:ln>
-        </p:spPr>
-        <p:style>
-          <a:lnRef idx="1">
-            <a:schemeClr val="dk1"/>
-          </a:lnRef>
-          <a:fillRef idx="0">
-            <a:schemeClr val="dk1"/>
-          </a:fillRef>
-          <a:effectRef idx="0">
-            <a:schemeClr val="dk1"/>
-          </a:effectRef>
-          <a:fontRef idx="minor">
-            <a:schemeClr val="tx1"/>
-          </a:fontRef>
-        </p:style>
-      </p:cxnSp>
-      <p:cxnSp>
-        <p:nvCxnSpPr>
-          <p:cNvPr id="11" name="Connecteur : en arc 10">
-            <a:extLst>
-              <a:ext uri="{FF2B5EF4-FFF2-40B4-BE49-F238E27FC236}">
-                <a16:creationId xmlns:a16="http://schemas.microsoft.com/office/drawing/2014/main" id="{AC0E2081-E448-44DF-A9D2-3DD7C72E550B}"/>
-              </a:ext>
-            </a:extLst>
-          </p:cNvPr>
-          <p:cNvCxnSpPr>
-            <a:cxnSpLocks/>
-            <a:stCxn id="7" idx="2"/>
-            <a:endCxn id="5" idx="1"/>
-          </p:cNvCxnSpPr>
-          <p:nvPr/>
-        </p:nvCxnSpPr>
-        <p:spPr>
-          <a:xfrm rot="16200000" flipH="1">
-            <a:off x="8936860" y="5565176"/>
-            <a:ext cx="1807456" cy="3568014"/>
-          </a:xfrm>
-          <a:prstGeom prst="curvedConnector2">
-            <a:avLst/>
-          </a:prstGeom>
-          <a:ln>
-            <a:tailEnd type="triangle"/>
-          </a:ln>
-        </p:spPr>
-        <p:style>
-          <a:lnRef idx="1">
-            <a:schemeClr val="dk1"/>
-          </a:lnRef>
-          <a:fillRef idx="0">
-            <a:schemeClr val="dk1"/>
-          </a:fillRef>
-          <a:effectRef idx="0">
-            <a:schemeClr val="dk1"/>
-          </a:effectRef>
-          <a:fontRef idx="minor">
-            <a:schemeClr val="tx1"/>
-          </a:fontRef>
-        </p:style>
-      </p:cxnSp>
       <p:sp>
         <p:nvSpPr>
           <p:cNvPr id="12" name="Rectangle : coins arrondis 11">
@@ -3455,53 +3369,6 @@
       </p:cxnSp>
       <p:sp>
         <p:nvSpPr>
-          <p:cNvPr id="18" name="ZoneTexte 17">
-            <a:extLst>
-              <a:ext uri="{FF2B5EF4-FFF2-40B4-BE49-F238E27FC236}">
-                <a16:creationId xmlns:a16="http://schemas.microsoft.com/office/drawing/2014/main" id="{0F4A1A37-476A-4B1D-9F94-A1277F20FA2A}"/>
-              </a:ext>
-            </a:extLst>
-          </p:cNvPr>
-          <p:cNvSpPr txBox="1"/>
-          <p:nvPr/>
-        </p:nvSpPr>
-        <p:spPr>
-          <a:xfrm>
-            <a:off x="7450461" y="7461797"/>
-            <a:ext cx="1484002" cy="230832"/>
-          </a:xfrm>
-          <a:prstGeom prst="rect">
-            <a:avLst/>
-          </a:prstGeom>
-          <a:noFill/>
-        </p:spPr>
-        <p:txBody>
-          <a:bodyPr wrap="square" rtlCol="0">
-            <a:spAutoFit/>
-          </a:bodyPr>
-          <a:lstStyle/>
-          <a:p>
-            <a:pPr algn="ctr"/>
-            <a:r>
-              <a:rPr lang="fr-FR" sz="900" i="1" dirty="0">
-                <a:latin typeface="Gill Sans Nova" panose="020B0602020104020203" pitchFamily="34" charset="0"/>
-              </a:rPr>
-              <a:t>P165 </a:t>
-            </a:r>
-            <a:r>
-              <a:rPr lang="fr-FR" sz="900" i="1" dirty="0" err="1">
-                <a:latin typeface="Gill Sans Nova" panose="020B0602020104020203" pitchFamily="34" charset="0"/>
-              </a:rPr>
-              <a:t>incorporates</a:t>
-            </a:r>
-            <a:endParaRPr lang="fr-FR" sz="900" i="1" dirty="0">
-              <a:latin typeface="Gill Sans Nova" panose="020B0602020104020203" pitchFamily="34" charset="0"/>
-            </a:endParaRPr>
-          </a:p>
-        </p:txBody>
-      </p:sp>
-      <p:sp>
-        <p:nvSpPr>
           <p:cNvPr id="19" name="ZoneTexte 18">
             <a:extLst>
               <a:ext uri="{FF2B5EF4-FFF2-40B4-BE49-F238E27FC236}">
@@ -3578,56 +3445,6 @@
       </p:sp>
       <p:sp>
         <p:nvSpPr>
-          <p:cNvPr id="24" name="ZoneTexte 23">
-            <a:extLst>
-              <a:ext uri="{FF2B5EF4-FFF2-40B4-BE49-F238E27FC236}">
-                <a16:creationId xmlns:a16="http://schemas.microsoft.com/office/drawing/2014/main" id="{52F42EAE-72DD-4A16-99AA-220B9B961E8E}"/>
-              </a:ext>
-            </a:extLst>
-          </p:cNvPr>
-          <p:cNvSpPr txBox="1"/>
-          <p:nvPr/>
-        </p:nvSpPr>
-        <p:spPr>
-          <a:xfrm>
-            <a:off x="16478434" y="14442923"/>
-            <a:ext cx="1484002" cy="230832"/>
-          </a:xfrm>
-          <a:prstGeom prst="rect">
-            <a:avLst/>
-          </a:prstGeom>
-          <a:noFill/>
-        </p:spPr>
-        <p:txBody>
-          <a:bodyPr wrap="square" rtlCol="0">
-            <a:spAutoFit/>
-          </a:bodyPr>
-          <a:lstStyle/>
-          <a:p>
-            <a:pPr algn="ctr"/>
-            <a:r>
-              <a:rPr lang="fr-FR" sz="900" i="1" dirty="0">
-                <a:latin typeface="Gill Sans Nova" panose="020B0602020104020203" pitchFamily="34" charset="0"/>
-              </a:rPr>
-              <a:t>P129 </a:t>
-            </a:r>
-            <a:r>
-              <a:rPr lang="fr-FR" sz="900" i="1" dirty="0" err="1">
-                <a:latin typeface="Gill Sans Nova" panose="020B0602020104020203" pitchFamily="34" charset="0"/>
-              </a:rPr>
-              <a:t>is</a:t>
-            </a:r>
-            <a:r>
-              <a:rPr lang="fr-FR" sz="900" i="1" dirty="0">
-                <a:latin typeface="Gill Sans Nova" panose="020B0602020104020203" pitchFamily="34" charset="0"/>
-              </a:rPr>
-              <a:t> about</a:t>
-            </a:r>
-          </a:p>
-        </p:txBody>
-      </p:sp>
-      <p:sp>
-        <p:nvSpPr>
           <p:cNvPr id="29" name="Rectangle : coins arrondis 28">
             <a:extLst>
               <a:ext uri="{FF2B5EF4-FFF2-40B4-BE49-F238E27FC236}">
@@ -3640,7 +3457,7 @@
         </p:nvSpPr>
         <p:spPr>
           <a:xfrm>
-            <a:off x="7530557" y="3446020"/>
+            <a:off x="7539829" y="4426430"/>
             <a:ext cx="1052047" cy="422255"/>
           </a:xfrm>
           <a:prstGeom prst="roundRect">
@@ -3817,8 +3634,8 @@
         </p:nvCxnSpPr>
         <p:spPr>
           <a:xfrm>
-            <a:off x="8056581" y="3868275"/>
-            <a:ext cx="0" cy="1879544"/>
+            <a:off x="8065853" y="4848685"/>
+            <a:ext cx="0" cy="1651208"/>
           </a:xfrm>
           <a:prstGeom prst="straightConnector1">
             <a:avLst/>
@@ -3898,7 +3715,7 @@
         </p:nvSpPr>
         <p:spPr>
           <a:xfrm>
-            <a:off x="7641024" y="4555690"/>
+            <a:off x="7650296" y="5536100"/>
             <a:ext cx="816539" cy="369332"/>
           </a:xfrm>
           <a:prstGeom prst="rect">
@@ -4816,96 +4633,6 @@
       </p:sp>
       <p:sp>
         <p:nvSpPr>
-          <p:cNvPr id="86" name="Rectangle : coins arrondis 85">
-            <a:extLst>
-              <a:ext uri="{FF2B5EF4-FFF2-40B4-BE49-F238E27FC236}">
-                <a16:creationId xmlns:a16="http://schemas.microsoft.com/office/drawing/2014/main" id="{6571F2F7-4C09-49DD-BAD1-91B396DF7682}"/>
-              </a:ext>
-            </a:extLst>
-          </p:cNvPr>
-          <p:cNvSpPr/>
-          <p:nvPr/>
-        </p:nvSpPr>
-        <p:spPr>
-          <a:xfrm>
-            <a:off x="16746740" y="14802158"/>
-            <a:ext cx="1215696" cy="697636"/>
-          </a:xfrm>
-          <a:prstGeom prst="roundRect">
-            <a:avLst/>
-          </a:prstGeom>
-          <a:solidFill>
-            <a:srgbClr val="AF7F9D"/>
-          </a:solidFill>
-          <a:ln w="28575">
-            <a:solidFill>
-              <a:srgbClr val="955D80"/>
-            </a:solidFill>
-          </a:ln>
-        </p:spPr>
-        <p:style>
-          <a:lnRef idx="2">
-            <a:schemeClr val="accent6"/>
-          </a:lnRef>
-          <a:fillRef idx="1">
-            <a:schemeClr val="lt1"/>
-          </a:fillRef>
-          <a:effectRef idx="0">
-            <a:schemeClr val="accent6"/>
-          </a:effectRef>
-          <a:fontRef idx="minor">
-            <a:schemeClr val="dk1"/>
-          </a:fontRef>
-        </p:style>
-        <p:txBody>
-          <a:bodyPr rtlCol="0" anchor="ctr"/>
-          <a:lstStyle/>
-          <a:p>
-            <a:pPr algn="ctr"/>
-            <a:r>
-              <a:rPr lang="fr-FR" sz="900" dirty="0">
-                <a:solidFill>
-                  <a:schemeClr val="bg1"/>
-                </a:solidFill>
-                <a:latin typeface="Gill Sans Nova" panose="020B0602020104020203" pitchFamily="34" charset="0"/>
-              </a:rPr>
-              <a:t>E89 </a:t>
-            </a:r>
-            <a:r>
-              <a:rPr lang="fr-FR" sz="900" dirty="0" err="1">
-                <a:solidFill>
-                  <a:schemeClr val="bg1"/>
-                </a:solidFill>
-                <a:latin typeface="Gill Sans Nova" panose="020B0602020104020203" pitchFamily="34" charset="0"/>
-              </a:rPr>
-              <a:t>Propositional</a:t>
-            </a:r>
-            <a:r>
-              <a:rPr lang="fr-FR" sz="900" dirty="0">
-                <a:solidFill>
-                  <a:schemeClr val="bg1"/>
-                </a:solidFill>
-                <a:latin typeface="Gill Sans Nova" panose="020B0602020104020203" pitchFamily="34" charset="0"/>
-              </a:rPr>
-              <a:t> Object</a:t>
-            </a:r>
-          </a:p>
-          <a:p>
-            <a:pPr algn="ctr"/>
-            <a:r>
-              <a:rPr lang="fr-FR" sz="900" i="1" dirty="0">
-                <a:solidFill>
-                  <a:schemeClr val="bg1"/>
-                </a:solidFill>
-                <a:latin typeface="Gill Sans Nova" panose="020B0602020104020203" pitchFamily="34" charset="0"/>
-              </a:rPr>
-              <a:t>(Thème)</a:t>
-            </a:r>
-          </a:p>
-        </p:txBody>
-      </p:sp>
-      <p:sp>
-        <p:nvSpPr>
           <p:cNvPr id="88" name="ZoneTexte 87">
             <a:extLst>
               <a:ext uri="{FF2B5EF4-FFF2-40B4-BE49-F238E27FC236}">
@@ -5979,6 +5706,7 @@
             </a:extLst>
           </p:cNvPr>
           <p:cNvCxnSpPr>
+            <a:cxnSpLocks/>
             <a:stCxn id="30" idx="0"/>
             <a:endCxn id="29" idx="1"/>
           </p:cNvCxnSpPr>
@@ -5986,8 +5714,8 @@
         </p:nvCxnSpPr>
         <p:spPr>
           <a:xfrm rot="5400000" flipH="1" flipV="1">
-            <a:off x="5000592" y="3915489"/>
-            <a:ext cx="2788306" cy="2271624"/>
+            <a:off x="5495433" y="4401058"/>
+            <a:ext cx="1807896" cy="2280896"/>
           </a:xfrm>
           <a:prstGeom prst="curvedConnector2">
             <a:avLst/>
@@ -6066,6 +5794,7 @@
             </a:extLst>
           </p:cNvPr>
           <p:cNvCxnSpPr>
+            <a:cxnSpLocks/>
             <a:stCxn id="31" idx="0"/>
             <a:endCxn id="29" idx="3"/>
           </p:cNvCxnSpPr>
@@ -6073,8 +5802,8 @@
         </p:nvCxnSpPr>
         <p:spPr>
           <a:xfrm rot="16200000" flipV="1">
-            <a:off x="8463229" y="3776523"/>
-            <a:ext cx="2728742" cy="2489991"/>
+            <a:off x="8958070" y="4271364"/>
+            <a:ext cx="1748332" cy="2480719"/>
           </a:xfrm>
           <a:prstGeom prst="curvedConnector2">
             <a:avLst/>
@@ -6112,7 +5841,7 @@
         </p:nvSpPr>
         <p:spPr>
           <a:xfrm>
-            <a:off x="9700952" y="4636140"/>
+            <a:off x="9736340" y="5225643"/>
             <a:ext cx="915279" cy="369332"/>
           </a:xfrm>
           <a:prstGeom prst="rect">
@@ -6162,7 +5891,7 @@
         </p:nvSpPr>
         <p:spPr>
           <a:xfrm>
-            <a:off x="5657301" y="4642118"/>
+            <a:off x="5684243" y="5247218"/>
             <a:ext cx="915279" cy="369332"/>
           </a:xfrm>
           <a:prstGeom prst="rect">
@@ -6194,6 +5923,275 @@
                 <a:latin typeface="Gill Sans Nova" panose="020B0602020104020203" pitchFamily="34" charset="0"/>
               </a:rPr>
               <a:t> inspiration for</a:t>
+            </a:r>
+          </a:p>
+        </p:txBody>
+      </p:sp>
+      <p:sp>
+        <p:nvSpPr>
+          <p:cNvPr id="64" name="Rectangle : coins arrondis 63">
+            <a:extLst>
+              <a:ext uri="{FF2B5EF4-FFF2-40B4-BE49-F238E27FC236}">
+                <a16:creationId xmlns:a16="http://schemas.microsoft.com/office/drawing/2014/main" id="{9A130985-5460-48CD-9A39-E0527E37734A}"/>
+              </a:ext>
+            </a:extLst>
+          </p:cNvPr>
+          <p:cNvSpPr/>
+          <p:nvPr/>
+        </p:nvSpPr>
+        <p:spPr>
+          <a:xfrm>
+            <a:off x="7539829" y="2361800"/>
+            <a:ext cx="1052047" cy="757574"/>
+          </a:xfrm>
+          <a:prstGeom prst="roundRect">
+            <a:avLst/>
+          </a:prstGeom>
+          <a:solidFill>
+            <a:srgbClr val="669A9E"/>
+          </a:solidFill>
+          <a:ln w="12700">
+            <a:noFill/>
+          </a:ln>
+        </p:spPr>
+        <p:style>
+          <a:lnRef idx="2">
+            <a:schemeClr val="accent6"/>
+          </a:lnRef>
+          <a:fillRef idx="1">
+            <a:schemeClr val="lt1"/>
+          </a:fillRef>
+          <a:effectRef idx="0">
+            <a:schemeClr val="accent6"/>
+          </a:effectRef>
+          <a:fontRef idx="minor">
+            <a:schemeClr val="dk1"/>
+          </a:fontRef>
+        </p:style>
+        <p:txBody>
+          <a:bodyPr rtlCol="0" anchor="ctr"/>
+          <a:lstStyle/>
+          <a:p>
+            <a:pPr algn="ctr"/>
+            <a:r>
+              <a:rPr lang="fr-FR" sz="900" dirty="0">
+                <a:solidFill>
+                  <a:schemeClr val="bg1"/>
+                </a:solidFill>
+                <a:latin typeface="Gill Sans Nova" panose="020B0602020104020203" pitchFamily="34" charset="0"/>
+              </a:rPr>
+              <a:t>F31 Performance</a:t>
+            </a:r>
+          </a:p>
+        </p:txBody>
+      </p:sp>
+      <p:cxnSp>
+        <p:nvCxnSpPr>
+          <p:cNvPr id="10" name="Connecteur droit avec flèche 9">
+            <a:extLst>
+              <a:ext uri="{FF2B5EF4-FFF2-40B4-BE49-F238E27FC236}">
+                <a16:creationId xmlns:a16="http://schemas.microsoft.com/office/drawing/2014/main" id="{79856B9B-EDE9-4A39-B2AE-D92093738CBE}"/>
+              </a:ext>
+            </a:extLst>
+          </p:cNvPr>
+          <p:cNvCxnSpPr>
+            <a:stCxn id="64" idx="2"/>
+            <a:endCxn id="29" idx="0"/>
+          </p:cNvCxnSpPr>
+          <p:nvPr/>
+        </p:nvCxnSpPr>
+        <p:spPr>
+          <a:xfrm>
+            <a:off x="8065853" y="3119374"/>
+            <a:ext cx="0" cy="1307056"/>
+          </a:xfrm>
+          <a:prstGeom prst="straightConnector1">
+            <a:avLst/>
+          </a:prstGeom>
+          <a:ln>
+            <a:tailEnd type="triangle"/>
+          </a:ln>
+        </p:spPr>
+        <p:style>
+          <a:lnRef idx="1">
+            <a:schemeClr val="dk1"/>
+          </a:lnRef>
+          <a:fillRef idx="0">
+            <a:schemeClr val="dk1"/>
+          </a:fillRef>
+          <a:effectRef idx="0">
+            <a:schemeClr val="dk1"/>
+          </a:effectRef>
+          <a:fontRef idx="minor">
+            <a:schemeClr val="tx1"/>
+          </a:fontRef>
+        </p:style>
+      </p:cxnSp>
+      <p:sp>
+        <p:nvSpPr>
+          <p:cNvPr id="67" name="ZoneTexte 66">
+            <a:extLst>
+              <a:ext uri="{FF2B5EF4-FFF2-40B4-BE49-F238E27FC236}">
+                <a16:creationId xmlns:a16="http://schemas.microsoft.com/office/drawing/2014/main" id="{D951C2AC-CBCB-4DEB-9D26-E08A43C35DF6}"/>
+              </a:ext>
+            </a:extLst>
+          </p:cNvPr>
+          <p:cNvSpPr txBox="1"/>
+          <p:nvPr/>
+        </p:nvSpPr>
+        <p:spPr>
+          <a:xfrm>
+            <a:off x="7492249" y="3495038"/>
+            <a:ext cx="1132632" cy="369332"/>
+          </a:xfrm>
+          <a:prstGeom prst="rect">
+            <a:avLst/>
+          </a:prstGeom>
+          <a:solidFill>
+            <a:schemeClr val="bg1"/>
+          </a:solidFill>
+        </p:spPr>
+        <p:txBody>
+          <a:bodyPr wrap="square" rtlCol="0">
+            <a:spAutoFit/>
+          </a:bodyPr>
+          <a:lstStyle/>
+          <a:p>
+            <a:pPr algn="ctr"/>
+            <a:r>
+              <a:rPr lang="fr-FR" sz="900" i="1" dirty="0">
+                <a:latin typeface="Gill Sans Nova" panose="020B0602020104020203" pitchFamily="34" charset="0"/>
+              </a:rPr>
+              <a:t>R66 </a:t>
+            </a:r>
+            <a:r>
+              <a:rPr lang="fr-FR" sz="900" i="1" dirty="0" err="1">
+                <a:latin typeface="Gill Sans Nova" panose="020B0602020104020203" pitchFamily="34" charset="0"/>
+              </a:rPr>
+              <a:t>included</a:t>
+            </a:r>
+            <a:r>
+              <a:rPr lang="fr-FR" sz="900" i="1" dirty="0">
+                <a:latin typeface="Gill Sans Nova" panose="020B0602020104020203" pitchFamily="34" charset="0"/>
+              </a:rPr>
+              <a:t> </a:t>
+            </a:r>
+            <a:r>
+              <a:rPr lang="fr-FR" sz="900" i="1" dirty="0" err="1">
+                <a:latin typeface="Gill Sans Nova" panose="020B0602020104020203" pitchFamily="34" charset="0"/>
+              </a:rPr>
+              <a:t>performed</a:t>
+            </a:r>
+            <a:r>
+              <a:rPr lang="fr-FR" sz="900" i="1" dirty="0">
+                <a:latin typeface="Gill Sans Nova" panose="020B0602020104020203" pitchFamily="34" charset="0"/>
+              </a:rPr>
+              <a:t> version of</a:t>
+            </a:r>
+          </a:p>
+        </p:txBody>
+      </p:sp>
+      <p:cxnSp>
+        <p:nvCxnSpPr>
+          <p:cNvPr id="22" name="Connecteur : en arc 21">
+            <a:extLst>
+              <a:ext uri="{FF2B5EF4-FFF2-40B4-BE49-F238E27FC236}">
+                <a16:creationId xmlns:a16="http://schemas.microsoft.com/office/drawing/2014/main" id="{37BA94CF-9CE1-415A-A28F-C097845CB0A6}"/>
+              </a:ext>
+            </a:extLst>
+          </p:cNvPr>
+          <p:cNvCxnSpPr>
+            <a:cxnSpLocks/>
+            <a:stCxn id="64" idx="1"/>
+            <a:endCxn id="30" idx="0"/>
+          </p:cNvCxnSpPr>
+          <p:nvPr/>
+        </p:nvCxnSpPr>
+        <p:spPr>
+          <a:xfrm rot="10800000" flipV="1">
+            <a:off x="5258933" y="2740586"/>
+            <a:ext cx="2280896" cy="3704867"/>
+          </a:xfrm>
+          <a:prstGeom prst="curvedConnector2">
+            <a:avLst/>
+          </a:prstGeom>
+          <a:ln>
+            <a:tailEnd type="triangle"/>
+          </a:ln>
+        </p:spPr>
+        <p:style>
+          <a:lnRef idx="1">
+            <a:schemeClr val="dk1"/>
+          </a:lnRef>
+          <a:fillRef idx="0">
+            <a:schemeClr val="dk1"/>
+          </a:fillRef>
+          <a:effectRef idx="0">
+            <a:schemeClr val="dk1"/>
+          </a:effectRef>
+          <a:fontRef idx="minor">
+            <a:schemeClr val="tx1"/>
+          </a:fontRef>
+        </p:style>
+      </p:cxnSp>
+      <p:sp>
+        <p:nvSpPr>
+          <p:cNvPr id="73" name="ZoneTexte 72">
+            <a:extLst>
+              <a:ext uri="{FF2B5EF4-FFF2-40B4-BE49-F238E27FC236}">
+                <a16:creationId xmlns:a16="http://schemas.microsoft.com/office/drawing/2014/main" id="{D93F6147-BF47-49A8-97F1-A0F316225AF4}"/>
+              </a:ext>
+            </a:extLst>
+          </p:cNvPr>
+          <p:cNvSpPr txBox="1"/>
+          <p:nvPr/>
+        </p:nvSpPr>
+        <p:spPr>
+          <a:xfrm>
+            <a:off x="6041712" y="3466211"/>
+            <a:ext cx="915279" cy="369332"/>
+          </a:xfrm>
+          <a:prstGeom prst="rect">
+            <a:avLst/>
+          </a:prstGeom>
+          <a:noFill/>
+        </p:spPr>
+        <p:txBody>
+          <a:bodyPr wrap="square" rtlCol="0">
+            <a:spAutoFit/>
+          </a:bodyPr>
+          <a:lstStyle/>
+          <a:p>
+            <a:pPr algn="ctr"/>
+            <a:r>
+              <a:rPr lang="fr-FR" sz="900" i="1" dirty="0">
+                <a:latin typeface="Gill Sans Nova" panose="020B0602020104020203" pitchFamily="34" charset="0"/>
+              </a:rPr>
+              <a:t>P15 </a:t>
+            </a:r>
+            <a:r>
+              <a:rPr lang="fr-FR" sz="900" i="1" dirty="0" err="1">
+                <a:latin typeface="Gill Sans Nova" panose="020B0602020104020203" pitchFamily="34" charset="0"/>
+              </a:rPr>
+              <a:t>was</a:t>
+            </a:r>
+            <a:r>
+              <a:rPr lang="fr-FR" sz="900" i="1" dirty="0">
+                <a:latin typeface="Gill Sans Nova" panose="020B0602020104020203" pitchFamily="34" charset="0"/>
+              </a:rPr>
+              <a:t> </a:t>
+            </a:r>
+            <a:r>
+              <a:rPr lang="fr-FR" sz="900" i="1" dirty="0" err="1">
+                <a:latin typeface="Gill Sans Nova" panose="020B0602020104020203" pitchFamily="34" charset="0"/>
+              </a:rPr>
+              <a:t>influenced</a:t>
+            </a:r>
+            <a:r>
+              <a:rPr lang="fr-FR" sz="900" i="1" dirty="0">
+                <a:latin typeface="Gill Sans Nova" panose="020B0602020104020203" pitchFamily="34" charset="0"/>
+              </a:rPr>
+              <a:t> by</a:t>
             </a:r>
           </a:p>
         </p:txBody>

--- a/modélisation/timbres/Modelisation_timbres.pptx
+++ b/modélisation/timbres/Modelisation_timbres.pptx
@@ -2,12 +2,12 @@
 <file path=ppt/presentation.xml><?xml version="1.0" encoding="utf-8"?>
 <p:presentation xmlns:a="http://schemas.openxmlformats.org/drawingml/2006/main" xmlns:r="http://schemas.openxmlformats.org/officeDocument/2006/relationships" xmlns:p="http://schemas.openxmlformats.org/presentationml/2006/main" saveSubsetFonts="1">
   <p:sldMasterIdLst>
-    <p:sldMasterId id="2147483660" r:id="rId1"/>
+    <p:sldMasterId id="2147483672" r:id="rId1"/>
   </p:sldMasterIdLst>
   <p:sldIdLst>
     <p:sldId id="256" r:id="rId2"/>
   </p:sldIdLst>
-  <p:sldSz cx="18311813" cy="18018125"/>
+  <p:sldSz cx="36312475" cy="18018125"/>
   <p:notesSz cx="6858000" cy="9144000"/>
   <p:defaultTextStyle>
     <a:defPPr>
@@ -141,15 +141,15 @@
         </p:nvSpPr>
         <p:spPr>
           <a:xfrm>
-            <a:off x="1373386" y="2948801"/>
-            <a:ext cx="15565041" cy="6272977"/>
+            <a:off x="4539060" y="2948801"/>
+            <a:ext cx="27234356" cy="6272977"/>
           </a:xfrm>
         </p:spPr>
         <p:txBody>
           <a:bodyPr anchor="b"/>
           <a:lstStyle>
             <a:lvl1pPr algn="ctr">
-              <a:defRPr sz="12016"/>
+              <a:defRPr sz="15764"/>
             </a:lvl1pPr>
           </a:lstStyle>
           <a:p>
@@ -173,8 +173,8 @@
         </p:nvSpPr>
         <p:spPr>
           <a:xfrm>
-            <a:off x="2288977" y="9463688"/>
-            <a:ext cx="13733860" cy="4350208"/>
+            <a:off x="4539060" y="9463688"/>
+            <a:ext cx="27234356" cy="4350208"/>
           </a:xfrm>
         </p:spPr>
         <p:txBody>
@@ -182,39 +182,39 @@
           <a:lstStyle>
             <a:lvl1pPr marL="0" indent="0" algn="ctr">
               <a:buNone/>
-              <a:defRPr sz="4806"/>
+              <a:defRPr sz="6306"/>
             </a:lvl1pPr>
-            <a:lvl2pPr marL="915589" indent="0" algn="ctr">
+            <a:lvl2pPr marL="1201202" indent="0" algn="ctr">
               <a:buNone/>
-              <a:defRPr sz="4005"/>
+              <a:defRPr sz="5255"/>
             </a:lvl2pPr>
-            <a:lvl3pPr marL="1831177" indent="0" algn="ctr">
+            <a:lvl3pPr marL="2402403" indent="0" algn="ctr">
               <a:buNone/>
-              <a:defRPr sz="3605"/>
+              <a:defRPr sz="4729"/>
             </a:lvl3pPr>
-            <a:lvl4pPr marL="2746766" indent="0" algn="ctr">
+            <a:lvl4pPr marL="3603605" indent="0" algn="ctr">
               <a:buNone/>
-              <a:defRPr sz="3204"/>
+              <a:defRPr sz="4204"/>
             </a:lvl4pPr>
-            <a:lvl5pPr marL="3662355" indent="0" algn="ctr">
+            <a:lvl5pPr marL="4804806" indent="0" algn="ctr">
               <a:buNone/>
-              <a:defRPr sz="3204"/>
+              <a:defRPr sz="4204"/>
             </a:lvl5pPr>
-            <a:lvl6pPr marL="4577944" indent="0" algn="ctr">
+            <a:lvl6pPr marL="6006008" indent="0" algn="ctr">
               <a:buNone/>
-              <a:defRPr sz="3204"/>
+              <a:defRPr sz="4204"/>
             </a:lvl6pPr>
-            <a:lvl7pPr marL="5493532" indent="0" algn="ctr">
+            <a:lvl7pPr marL="7207209" indent="0" algn="ctr">
               <a:buNone/>
-              <a:defRPr sz="3204"/>
+              <a:defRPr sz="4204"/>
             </a:lvl7pPr>
-            <a:lvl8pPr marL="6409121" indent="0" algn="ctr">
+            <a:lvl8pPr marL="8408411" indent="0" algn="ctr">
               <a:buNone/>
-              <a:defRPr sz="3204"/>
+              <a:defRPr sz="4204"/>
             </a:lvl8pPr>
-            <a:lvl9pPr marL="7324710" indent="0" algn="ctr">
+            <a:lvl9pPr marL="9609612" indent="0" algn="ctr">
               <a:buNone/>
-              <a:defRPr sz="3204"/>
+              <a:defRPr sz="4204"/>
             </a:lvl9pPr>
           </a:lstStyle>
           <a:p>
@@ -243,7 +243,7 @@
           <a:p>
             <a:fld id="{0D5A7E0D-A8E6-497A-AB1A-E5EB0041CEF8}" type="datetimeFigureOut">
               <a:rPr lang="fr-FR" smtClean="0"/>
-              <a:t>18/01/2021</a:t>
+              <a:t>19/01/2021</a:t>
             </a:fld>
             <a:endParaRPr lang="fr-FR"/>
           </a:p>
@@ -294,7 +294,7 @@
     </p:spTree>
     <p:extLst>
       <p:ext uri="{BB962C8B-B14F-4D97-AF65-F5344CB8AC3E}">
-        <p14:creationId xmlns:p14="http://schemas.microsoft.com/office/powerpoint/2010/main" val="4234946637"/>
+        <p14:creationId xmlns:p14="http://schemas.microsoft.com/office/powerpoint/2010/main" val="2597826637"/>
       </p:ext>
     </p:extLst>
   </p:cSld>
@@ -413,7 +413,7 @@
           <a:p>
             <a:fld id="{0D5A7E0D-A8E6-497A-AB1A-E5EB0041CEF8}" type="datetimeFigureOut">
               <a:rPr lang="fr-FR" smtClean="0"/>
-              <a:t>18/01/2021</a:t>
+              <a:t>19/01/2021</a:t>
             </a:fld>
             <a:endParaRPr lang="fr-FR"/>
           </a:p>
@@ -464,7 +464,7 @@
     </p:spTree>
     <p:extLst>
       <p:ext uri="{BB962C8B-B14F-4D97-AF65-F5344CB8AC3E}">
-        <p14:creationId xmlns:p14="http://schemas.microsoft.com/office/powerpoint/2010/main" val="1831081750"/>
+        <p14:creationId xmlns:p14="http://schemas.microsoft.com/office/powerpoint/2010/main" val="3347702832"/>
       </p:ext>
     </p:extLst>
   </p:cSld>
@@ -503,8 +503,8 @@
         </p:nvSpPr>
         <p:spPr>
           <a:xfrm>
-            <a:off x="13104392" y="959298"/>
-            <a:ext cx="3948485" cy="15269528"/>
+            <a:off x="25986115" y="959298"/>
+            <a:ext cx="7829877" cy="15269528"/>
           </a:xfrm>
         </p:spPr>
         <p:txBody>
@@ -531,8 +531,8 @@
         </p:nvSpPr>
         <p:spPr>
           <a:xfrm>
-            <a:off x="1258938" y="959298"/>
-            <a:ext cx="11616556" cy="15269528"/>
+            <a:off x="2496483" y="959298"/>
+            <a:ext cx="23035726" cy="15269528"/>
           </a:xfrm>
         </p:spPr>
         <p:txBody>
@@ -593,7 +593,7 @@
           <a:p>
             <a:fld id="{0D5A7E0D-A8E6-497A-AB1A-E5EB0041CEF8}" type="datetimeFigureOut">
               <a:rPr lang="fr-FR" smtClean="0"/>
-              <a:t>18/01/2021</a:t>
+              <a:t>19/01/2021</a:t>
             </a:fld>
             <a:endParaRPr lang="fr-FR"/>
           </a:p>
@@ -644,7 +644,7 @@
     </p:spTree>
     <p:extLst>
       <p:ext uri="{BB962C8B-B14F-4D97-AF65-F5344CB8AC3E}">
-        <p14:creationId xmlns:p14="http://schemas.microsoft.com/office/powerpoint/2010/main" val="4246725775"/>
+        <p14:creationId xmlns:p14="http://schemas.microsoft.com/office/powerpoint/2010/main" val="1748991398"/>
       </p:ext>
     </p:extLst>
   </p:cSld>
@@ -763,7 +763,7 @@
           <a:p>
             <a:fld id="{0D5A7E0D-A8E6-497A-AB1A-E5EB0041CEF8}" type="datetimeFigureOut">
               <a:rPr lang="fr-FR" smtClean="0"/>
-              <a:t>18/01/2021</a:t>
+              <a:t>19/01/2021</a:t>
             </a:fld>
             <a:endParaRPr lang="fr-FR"/>
           </a:p>
@@ -814,7 +814,7 @@
     </p:spTree>
     <p:extLst>
       <p:ext uri="{BB962C8B-B14F-4D97-AF65-F5344CB8AC3E}">
-        <p14:creationId xmlns:p14="http://schemas.microsoft.com/office/powerpoint/2010/main" val="439579992"/>
+        <p14:creationId xmlns:p14="http://schemas.microsoft.com/office/powerpoint/2010/main" val="383893398"/>
       </p:ext>
     </p:extLst>
   </p:cSld>
@@ -853,15 +853,15 @@
         </p:nvSpPr>
         <p:spPr>
           <a:xfrm>
-            <a:off x="1249401" y="4492024"/>
-            <a:ext cx="15793939" cy="7495038"/>
+            <a:off x="2477570" y="4492021"/>
+            <a:ext cx="31319510" cy="7495038"/>
           </a:xfrm>
         </p:spPr>
         <p:txBody>
           <a:bodyPr anchor="b"/>
           <a:lstStyle>
             <a:lvl1pPr>
-              <a:defRPr sz="12016"/>
+              <a:defRPr sz="15764"/>
             </a:lvl1pPr>
           </a:lstStyle>
           <a:p>
@@ -885,8 +885,8 @@
         </p:nvSpPr>
         <p:spPr>
           <a:xfrm>
-            <a:off x="1249401" y="12057968"/>
-            <a:ext cx="15793939" cy="3941464"/>
+            <a:off x="2477570" y="12057965"/>
+            <a:ext cx="31319510" cy="3941464"/>
           </a:xfrm>
         </p:spPr>
         <p:txBody>
@@ -894,15 +894,17 @@
           <a:lstStyle>
             <a:lvl1pPr marL="0" indent="0">
               <a:buNone/>
-              <a:defRPr sz="4806">
+              <a:defRPr sz="6306">
                 <a:solidFill>
-                  <a:schemeClr val="tx1"/>
+                  <a:schemeClr val="tx1">
+                    <a:tint val="75000"/>
+                  </a:schemeClr>
                 </a:solidFill>
               </a:defRPr>
             </a:lvl1pPr>
-            <a:lvl2pPr marL="915589" indent="0">
+            <a:lvl2pPr marL="1201202" indent="0">
               <a:buNone/>
-              <a:defRPr sz="4005">
+              <a:defRPr sz="5255">
                 <a:solidFill>
                   <a:schemeClr val="tx1">
                     <a:tint val="75000"/>
@@ -910,9 +912,9 @@
                 </a:solidFill>
               </a:defRPr>
             </a:lvl2pPr>
-            <a:lvl3pPr marL="1831177" indent="0">
+            <a:lvl3pPr marL="2402403" indent="0">
               <a:buNone/>
-              <a:defRPr sz="3605">
+              <a:defRPr sz="4729">
                 <a:solidFill>
                   <a:schemeClr val="tx1">
                     <a:tint val="75000"/>
@@ -920,9 +922,9 @@
                 </a:solidFill>
               </a:defRPr>
             </a:lvl3pPr>
-            <a:lvl4pPr marL="2746766" indent="0">
+            <a:lvl4pPr marL="3603605" indent="0">
               <a:buNone/>
-              <a:defRPr sz="3204">
+              <a:defRPr sz="4204">
                 <a:solidFill>
                   <a:schemeClr val="tx1">
                     <a:tint val="75000"/>
@@ -930,9 +932,9 @@
                 </a:solidFill>
               </a:defRPr>
             </a:lvl4pPr>
-            <a:lvl5pPr marL="3662355" indent="0">
+            <a:lvl5pPr marL="4804806" indent="0">
               <a:buNone/>
-              <a:defRPr sz="3204">
+              <a:defRPr sz="4204">
                 <a:solidFill>
                   <a:schemeClr val="tx1">
                     <a:tint val="75000"/>
@@ -940,9 +942,9 @@
                 </a:solidFill>
               </a:defRPr>
             </a:lvl5pPr>
-            <a:lvl6pPr marL="4577944" indent="0">
+            <a:lvl6pPr marL="6006008" indent="0">
               <a:buNone/>
-              <a:defRPr sz="3204">
+              <a:defRPr sz="4204">
                 <a:solidFill>
                   <a:schemeClr val="tx1">
                     <a:tint val="75000"/>
@@ -950,9 +952,9 @@
                 </a:solidFill>
               </a:defRPr>
             </a:lvl6pPr>
-            <a:lvl7pPr marL="5493532" indent="0">
+            <a:lvl7pPr marL="7207209" indent="0">
               <a:buNone/>
-              <a:defRPr sz="3204">
+              <a:defRPr sz="4204">
                 <a:solidFill>
                   <a:schemeClr val="tx1">
                     <a:tint val="75000"/>
@@ -960,9 +962,9 @@
                 </a:solidFill>
               </a:defRPr>
             </a:lvl7pPr>
-            <a:lvl8pPr marL="6409121" indent="0">
+            <a:lvl8pPr marL="8408411" indent="0">
               <a:buNone/>
-              <a:defRPr sz="3204">
+              <a:defRPr sz="4204">
                 <a:solidFill>
                   <a:schemeClr val="tx1">
                     <a:tint val="75000"/>
@@ -970,9 +972,9 @@
                 </a:solidFill>
               </a:defRPr>
             </a:lvl8pPr>
-            <a:lvl9pPr marL="7324710" indent="0">
+            <a:lvl9pPr marL="9609612" indent="0">
               <a:buNone/>
-              <a:defRPr sz="3204">
+              <a:defRPr sz="4204">
                 <a:solidFill>
                   <a:schemeClr val="tx1">
                     <a:tint val="75000"/>
@@ -1007,7 +1009,7 @@
           <a:p>
             <a:fld id="{0D5A7E0D-A8E6-497A-AB1A-E5EB0041CEF8}" type="datetimeFigureOut">
               <a:rPr lang="fr-FR" smtClean="0"/>
-              <a:t>18/01/2021</a:t>
+              <a:t>19/01/2021</a:t>
             </a:fld>
             <a:endParaRPr lang="fr-FR"/>
           </a:p>
@@ -1058,7 +1060,7 @@
     </p:spTree>
     <p:extLst>
       <p:ext uri="{BB962C8B-B14F-4D97-AF65-F5344CB8AC3E}">
-        <p14:creationId xmlns:p14="http://schemas.microsoft.com/office/powerpoint/2010/main" val="3130653981"/>
+        <p14:creationId xmlns:p14="http://schemas.microsoft.com/office/powerpoint/2010/main" val="1262085225"/>
       </p:ext>
     </p:extLst>
   </p:cSld>
@@ -1120,8 +1122,8 @@
         </p:nvSpPr>
         <p:spPr>
           <a:xfrm>
-            <a:off x="1258937" y="4796492"/>
-            <a:ext cx="7782521" cy="11432335"/>
+            <a:off x="2496483" y="4796492"/>
+            <a:ext cx="15432802" cy="11432335"/>
           </a:xfrm>
         </p:spPr>
         <p:txBody>
@@ -1177,8 +1179,8 @@
         </p:nvSpPr>
         <p:spPr>
           <a:xfrm>
-            <a:off x="9270355" y="4796492"/>
-            <a:ext cx="7782521" cy="11432335"/>
+            <a:off x="18383190" y="4796492"/>
+            <a:ext cx="15432802" cy="11432335"/>
           </a:xfrm>
         </p:spPr>
         <p:txBody>
@@ -1239,7 +1241,7 @@
           <a:p>
             <a:fld id="{0D5A7E0D-A8E6-497A-AB1A-E5EB0041CEF8}" type="datetimeFigureOut">
               <a:rPr lang="fr-FR" smtClean="0"/>
-              <a:t>18/01/2021</a:t>
+              <a:t>19/01/2021</a:t>
             </a:fld>
             <a:endParaRPr lang="fr-FR"/>
           </a:p>
@@ -1290,7 +1292,7 @@
     </p:spTree>
     <p:extLst>
       <p:ext uri="{BB962C8B-B14F-4D97-AF65-F5344CB8AC3E}">
-        <p14:creationId xmlns:p14="http://schemas.microsoft.com/office/powerpoint/2010/main" val="2010756719"/>
+        <p14:creationId xmlns:p14="http://schemas.microsoft.com/office/powerpoint/2010/main" val="3926601858"/>
       </p:ext>
     </p:extLst>
   </p:cSld>
@@ -1329,8 +1331,8 @@
         </p:nvSpPr>
         <p:spPr>
           <a:xfrm>
-            <a:off x="1261322" y="959302"/>
-            <a:ext cx="15793939" cy="3482671"/>
+            <a:off x="2501212" y="959300"/>
+            <a:ext cx="31319510" cy="3482671"/>
           </a:xfrm>
         </p:spPr>
         <p:txBody>
@@ -1357,8 +1359,8 @@
         </p:nvSpPr>
         <p:spPr>
           <a:xfrm>
-            <a:off x="1261324" y="4416945"/>
-            <a:ext cx="7746754" cy="2164676"/>
+            <a:off x="2501214" y="4416945"/>
+            <a:ext cx="15361878" cy="2164676"/>
           </a:xfrm>
         </p:spPr>
         <p:txBody>
@@ -1366,39 +1368,39 @@
           <a:lstStyle>
             <a:lvl1pPr marL="0" indent="0">
               <a:buNone/>
-              <a:defRPr sz="4806" b="1"/>
+              <a:defRPr sz="6306" b="1"/>
             </a:lvl1pPr>
-            <a:lvl2pPr marL="915589" indent="0">
+            <a:lvl2pPr marL="1201202" indent="0">
               <a:buNone/>
-              <a:defRPr sz="4005" b="1"/>
+              <a:defRPr sz="5255" b="1"/>
             </a:lvl2pPr>
-            <a:lvl3pPr marL="1831177" indent="0">
+            <a:lvl3pPr marL="2402403" indent="0">
               <a:buNone/>
-              <a:defRPr sz="3605" b="1"/>
+              <a:defRPr sz="4729" b="1"/>
             </a:lvl3pPr>
-            <a:lvl4pPr marL="2746766" indent="0">
+            <a:lvl4pPr marL="3603605" indent="0">
               <a:buNone/>
-              <a:defRPr sz="3204" b="1"/>
+              <a:defRPr sz="4204" b="1"/>
             </a:lvl4pPr>
-            <a:lvl5pPr marL="3662355" indent="0">
+            <a:lvl5pPr marL="4804806" indent="0">
               <a:buNone/>
-              <a:defRPr sz="3204" b="1"/>
+              <a:defRPr sz="4204" b="1"/>
             </a:lvl5pPr>
-            <a:lvl6pPr marL="4577944" indent="0">
+            <a:lvl6pPr marL="6006008" indent="0">
               <a:buNone/>
-              <a:defRPr sz="3204" b="1"/>
+              <a:defRPr sz="4204" b="1"/>
             </a:lvl6pPr>
-            <a:lvl7pPr marL="5493532" indent="0">
+            <a:lvl7pPr marL="7207209" indent="0">
               <a:buNone/>
-              <a:defRPr sz="3204" b="1"/>
+              <a:defRPr sz="4204" b="1"/>
             </a:lvl7pPr>
-            <a:lvl8pPr marL="6409121" indent="0">
+            <a:lvl8pPr marL="8408411" indent="0">
               <a:buNone/>
-              <a:defRPr sz="3204" b="1"/>
+              <a:defRPr sz="4204" b="1"/>
             </a:lvl8pPr>
-            <a:lvl9pPr marL="7324710" indent="0">
+            <a:lvl9pPr marL="9609612" indent="0">
               <a:buNone/>
-              <a:defRPr sz="3204" b="1"/>
+              <a:defRPr sz="4204" b="1"/>
             </a:lvl9pPr>
           </a:lstStyle>
           <a:p>
@@ -1422,8 +1424,8 @@
         </p:nvSpPr>
         <p:spPr>
           <a:xfrm>
-            <a:off x="1261324" y="6581620"/>
-            <a:ext cx="7746754" cy="9680573"/>
+            <a:off x="2501214" y="6581620"/>
+            <a:ext cx="15361878" cy="9680573"/>
           </a:xfrm>
         </p:spPr>
         <p:txBody>
@@ -1479,8 +1481,8 @@
         </p:nvSpPr>
         <p:spPr>
           <a:xfrm>
-            <a:off x="9270356" y="4416945"/>
-            <a:ext cx="7784906" cy="2164676"/>
+            <a:off x="18383190" y="4416945"/>
+            <a:ext cx="15437532" cy="2164676"/>
           </a:xfrm>
         </p:spPr>
         <p:txBody>
@@ -1488,39 +1490,39 @@
           <a:lstStyle>
             <a:lvl1pPr marL="0" indent="0">
               <a:buNone/>
-              <a:defRPr sz="4806" b="1"/>
+              <a:defRPr sz="6306" b="1"/>
             </a:lvl1pPr>
-            <a:lvl2pPr marL="915589" indent="0">
+            <a:lvl2pPr marL="1201202" indent="0">
               <a:buNone/>
-              <a:defRPr sz="4005" b="1"/>
+              <a:defRPr sz="5255" b="1"/>
             </a:lvl2pPr>
-            <a:lvl3pPr marL="1831177" indent="0">
+            <a:lvl3pPr marL="2402403" indent="0">
               <a:buNone/>
-              <a:defRPr sz="3605" b="1"/>
+              <a:defRPr sz="4729" b="1"/>
             </a:lvl3pPr>
-            <a:lvl4pPr marL="2746766" indent="0">
+            <a:lvl4pPr marL="3603605" indent="0">
               <a:buNone/>
-              <a:defRPr sz="3204" b="1"/>
+              <a:defRPr sz="4204" b="1"/>
             </a:lvl4pPr>
-            <a:lvl5pPr marL="3662355" indent="0">
+            <a:lvl5pPr marL="4804806" indent="0">
               <a:buNone/>
-              <a:defRPr sz="3204" b="1"/>
+              <a:defRPr sz="4204" b="1"/>
             </a:lvl5pPr>
-            <a:lvl6pPr marL="4577944" indent="0">
+            <a:lvl6pPr marL="6006008" indent="0">
               <a:buNone/>
-              <a:defRPr sz="3204" b="1"/>
+              <a:defRPr sz="4204" b="1"/>
             </a:lvl6pPr>
-            <a:lvl7pPr marL="5493532" indent="0">
+            <a:lvl7pPr marL="7207209" indent="0">
               <a:buNone/>
-              <a:defRPr sz="3204" b="1"/>
+              <a:defRPr sz="4204" b="1"/>
             </a:lvl7pPr>
-            <a:lvl8pPr marL="6409121" indent="0">
+            <a:lvl8pPr marL="8408411" indent="0">
               <a:buNone/>
-              <a:defRPr sz="3204" b="1"/>
+              <a:defRPr sz="4204" b="1"/>
             </a:lvl8pPr>
-            <a:lvl9pPr marL="7324710" indent="0">
+            <a:lvl9pPr marL="9609612" indent="0">
               <a:buNone/>
-              <a:defRPr sz="3204" b="1"/>
+              <a:defRPr sz="4204" b="1"/>
             </a:lvl9pPr>
           </a:lstStyle>
           <a:p>
@@ -1544,8 +1546,8 @@
         </p:nvSpPr>
         <p:spPr>
           <a:xfrm>
-            <a:off x="9270356" y="6581620"/>
-            <a:ext cx="7784906" cy="9680573"/>
+            <a:off x="18383190" y="6581620"/>
+            <a:ext cx="15437532" cy="9680573"/>
           </a:xfrm>
         </p:spPr>
         <p:txBody>
@@ -1606,7 +1608,7 @@
           <a:p>
             <a:fld id="{0D5A7E0D-A8E6-497A-AB1A-E5EB0041CEF8}" type="datetimeFigureOut">
               <a:rPr lang="fr-FR" smtClean="0"/>
-              <a:t>18/01/2021</a:t>
+              <a:t>19/01/2021</a:t>
             </a:fld>
             <a:endParaRPr lang="fr-FR"/>
           </a:p>
@@ -1657,7 +1659,7 @@
     </p:spTree>
     <p:extLst>
       <p:ext uri="{BB962C8B-B14F-4D97-AF65-F5344CB8AC3E}">
-        <p14:creationId xmlns:p14="http://schemas.microsoft.com/office/powerpoint/2010/main" val="2513404274"/>
+        <p14:creationId xmlns:p14="http://schemas.microsoft.com/office/powerpoint/2010/main" val="3767372796"/>
       </p:ext>
     </p:extLst>
   </p:cSld>
@@ -1724,7 +1726,7 @@
           <a:p>
             <a:fld id="{0D5A7E0D-A8E6-497A-AB1A-E5EB0041CEF8}" type="datetimeFigureOut">
               <a:rPr lang="fr-FR" smtClean="0"/>
-              <a:t>18/01/2021</a:t>
+              <a:t>19/01/2021</a:t>
             </a:fld>
             <a:endParaRPr lang="fr-FR"/>
           </a:p>
@@ -1775,7 +1777,7 @@
     </p:spTree>
     <p:extLst>
       <p:ext uri="{BB962C8B-B14F-4D97-AF65-F5344CB8AC3E}">
-        <p14:creationId xmlns:p14="http://schemas.microsoft.com/office/powerpoint/2010/main" val="986194963"/>
+        <p14:creationId xmlns:p14="http://schemas.microsoft.com/office/powerpoint/2010/main" val="2736756848"/>
       </p:ext>
     </p:extLst>
   </p:cSld>
@@ -1819,7 +1821,7 @@
           <a:p>
             <a:fld id="{0D5A7E0D-A8E6-497A-AB1A-E5EB0041CEF8}" type="datetimeFigureOut">
               <a:rPr lang="fr-FR" smtClean="0"/>
-              <a:t>18/01/2021</a:t>
+              <a:t>19/01/2021</a:t>
             </a:fld>
             <a:endParaRPr lang="fr-FR"/>
           </a:p>
@@ -1870,7 +1872,7 @@
     </p:spTree>
     <p:extLst>
       <p:ext uri="{BB962C8B-B14F-4D97-AF65-F5344CB8AC3E}">
-        <p14:creationId xmlns:p14="http://schemas.microsoft.com/office/powerpoint/2010/main" val="1563939965"/>
+        <p14:creationId xmlns:p14="http://schemas.microsoft.com/office/powerpoint/2010/main" val="143458311"/>
       </p:ext>
     </p:extLst>
   </p:cSld>
@@ -1909,15 +1911,15 @@
         </p:nvSpPr>
         <p:spPr>
           <a:xfrm>
-            <a:off x="1261322" y="1201208"/>
-            <a:ext cx="5906036" cy="4204229"/>
+            <a:off x="2501214" y="1201208"/>
+            <a:ext cx="11711717" cy="4204229"/>
           </a:xfrm>
         </p:spPr>
         <p:txBody>
           <a:bodyPr anchor="b"/>
           <a:lstStyle>
             <a:lvl1pPr>
-              <a:defRPr sz="6408"/>
+              <a:defRPr sz="8407"/>
             </a:lvl1pPr>
           </a:lstStyle>
           <a:p>
@@ -1941,39 +1943,39 @@
         </p:nvSpPr>
         <p:spPr>
           <a:xfrm>
-            <a:off x="7784906" y="2594280"/>
-            <a:ext cx="9270355" cy="12804547"/>
+            <a:off x="15437532" y="2594278"/>
+            <a:ext cx="18383190" cy="12804547"/>
           </a:xfrm>
         </p:spPr>
         <p:txBody>
           <a:bodyPr/>
           <a:lstStyle>
             <a:lvl1pPr>
-              <a:defRPr sz="6408"/>
+              <a:defRPr sz="8407"/>
             </a:lvl1pPr>
             <a:lvl2pPr>
-              <a:defRPr sz="5607"/>
+              <a:defRPr sz="7356"/>
             </a:lvl2pPr>
             <a:lvl3pPr>
-              <a:defRPr sz="4806"/>
+              <a:defRPr sz="6306"/>
             </a:lvl3pPr>
             <a:lvl4pPr>
-              <a:defRPr sz="4005"/>
+              <a:defRPr sz="5255"/>
             </a:lvl4pPr>
             <a:lvl5pPr>
-              <a:defRPr sz="4005"/>
+              <a:defRPr sz="5255"/>
             </a:lvl5pPr>
             <a:lvl6pPr>
-              <a:defRPr sz="4005"/>
+              <a:defRPr sz="5255"/>
             </a:lvl6pPr>
             <a:lvl7pPr>
-              <a:defRPr sz="4005"/>
+              <a:defRPr sz="5255"/>
             </a:lvl7pPr>
             <a:lvl8pPr>
-              <a:defRPr sz="4005"/>
+              <a:defRPr sz="5255"/>
             </a:lvl8pPr>
             <a:lvl9pPr>
-              <a:defRPr sz="4005"/>
+              <a:defRPr sz="5255"/>
             </a:lvl9pPr>
           </a:lstStyle>
           <a:p>
@@ -2026,8 +2028,8 @@
         </p:nvSpPr>
         <p:spPr>
           <a:xfrm>
-            <a:off x="1261322" y="5405437"/>
-            <a:ext cx="5906036" cy="10014242"/>
+            <a:off x="2501214" y="5405437"/>
+            <a:ext cx="11711717" cy="10014242"/>
           </a:xfrm>
         </p:spPr>
         <p:txBody>
@@ -2035,39 +2037,39 @@
           <a:lstStyle>
             <a:lvl1pPr marL="0" indent="0">
               <a:buNone/>
-              <a:defRPr sz="3204"/>
+              <a:defRPr sz="4204"/>
             </a:lvl1pPr>
-            <a:lvl2pPr marL="915589" indent="0">
+            <a:lvl2pPr marL="1201202" indent="0">
               <a:buNone/>
-              <a:defRPr sz="2804"/>
+              <a:defRPr sz="3678"/>
             </a:lvl2pPr>
-            <a:lvl3pPr marL="1831177" indent="0">
+            <a:lvl3pPr marL="2402403" indent="0">
               <a:buNone/>
-              <a:defRPr sz="2403"/>
+              <a:defRPr sz="3153"/>
             </a:lvl3pPr>
-            <a:lvl4pPr marL="2746766" indent="0">
+            <a:lvl4pPr marL="3603605" indent="0">
               <a:buNone/>
-              <a:defRPr sz="2003"/>
+              <a:defRPr sz="2627"/>
             </a:lvl4pPr>
-            <a:lvl5pPr marL="3662355" indent="0">
+            <a:lvl5pPr marL="4804806" indent="0">
               <a:buNone/>
-              <a:defRPr sz="2003"/>
+              <a:defRPr sz="2627"/>
             </a:lvl5pPr>
-            <a:lvl6pPr marL="4577944" indent="0">
+            <a:lvl6pPr marL="6006008" indent="0">
               <a:buNone/>
-              <a:defRPr sz="2003"/>
+              <a:defRPr sz="2627"/>
             </a:lvl6pPr>
-            <a:lvl7pPr marL="5493532" indent="0">
+            <a:lvl7pPr marL="7207209" indent="0">
               <a:buNone/>
-              <a:defRPr sz="2003"/>
+              <a:defRPr sz="2627"/>
             </a:lvl7pPr>
-            <a:lvl8pPr marL="6409121" indent="0">
+            <a:lvl8pPr marL="8408411" indent="0">
               <a:buNone/>
-              <a:defRPr sz="2003"/>
+              <a:defRPr sz="2627"/>
             </a:lvl8pPr>
-            <a:lvl9pPr marL="7324710" indent="0">
+            <a:lvl9pPr marL="9609612" indent="0">
               <a:buNone/>
-              <a:defRPr sz="2003"/>
+              <a:defRPr sz="2627"/>
             </a:lvl9pPr>
           </a:lstStyle>
           <a:p>
@@ -2096,7 +2098,7 @@
           <a:p>
             <a:fld id="{0D5A7E0D-A8E6-497A-AB1A-E5EB0041CEF8}" type="datetimeFigureOut">
               <a:rPr lang="fr-FR" smtClean="0"/>
-              <a:t>18/01/2021</a:t>
+              <a:t>19/01/2021</a:t>
             </a:fld>
             <a:endParaRPr lang="fr-FR"/>
           </a:p>
@@ -2147,7 +2149,7 @@
     </p:spTree>
     <p:extLst>
       <p:ext uri="{BB962C8B-B14F-4D97-AF65-F5344CB8AC3E}">
-        <p14:creationId xmlns:p14="http://schemas.microsoft.com/office/powerpoint/2010/main" val="2596081654"/>
+        <p14:creationId xmlns:p14="http://schemas.microsoft.com/office/powerpoint/2010/main" val="2184204128"/>
       </p:ext>
     </p:extLst>
   </p:cSld>
@@ -2186,15 +2188,15 @@
         </p:nvSpPr>
         <p:spPr>
           <a:xfrm>
-            <a:off x="1261322" y="1201208"/>
-            <a:ext cx="5906036" cy="4204229"/>
+            <a:off x="2501214" y="1201208"/>
+            <a:ext cx="11711717" cy="4204229"/>
           </a:xfrm>
         </p:spPr>
         <p:txBody>
           <a:bodyPr anchor="b"/>
           <a:lstStyle>
             <a:lvl1pPr>
-              <a:defRPr sz="6408"/>
+              <a:defRPr sz="8407"/>
             </a:lvl1pPr>
           </a:lstStyle>
           <a:p>
@@ -2218,8 +2220,8 @@
         </p:nvSpPr>
         <p:spPr>
           <a:xfrm>
-            <a:off x="7784906" y="2594280"/>
-            <a:ext cx="9270355" cy="12804547"/>
+            <a:off x="15437532" y="2594278"/>
+            <a:ext cx="18383190" cy="12804547"/>
           </a:xfrm>
         </p:spPr>
         <p:txBody>
@@ -2227,39 +2229,39 @@
           <a:lstStyle>
             <a:lvl1pPr marL="0" indent="0">
               <a:buNone/>
-              <a:defRPr sz="6408"/>
+              <a:defRPr sz="8407"/>
             </a:lvl1pPr>
-            <a:lvl2pPr marL="915589" indent="0">
+            <a:lvl2pPr marL="1201202" indent="0">
               <a:buNone/>
-              <a:defRPr sz="5607"/>
+              <a:defRPr sz="7356"/>
             </a:lvl2pPr>
-            <a:lvl3pPr marL="1831177" indent="0">
+            <a:lvl3pPr marL="2402403" indent="0">
               <a:buNone/>
-              <a:defRPr sz="4806"/>
+              <a:defRPr sz="6306"/>
             </a:lvl3pPr>
-            <a:lvl4pPr marL="2746766" indent="0">
+            <a:lvl4pPr marL="3603605" indent="0">
               <a:buNone/>
-              <a:defRPr sz="4005"/>
+              <a:defRPr sz="5255"/>
             </a:lvl4pPr>
-            <a:lvl5pPr marL="3662355" indent="0">
+            <a:lvl5pPr marL="4804806" indent="0">
               <a:buNone/>
-              <a:defRPr sz="4005"/>
+              <a:defRPr sz="5255"/>
             </a:lvl5pPr>
-            <a:lvl6pPr marL="4577944" indent="0">
+            <a:lvl6pPr marL="6006008" indent="0">
               <a:buNone/>
-              <a:defRPr sz="4005"/>
+              <a:defRPr sz="5255"/>
             </a:lvl6pPr>
-            <a:lvl7pPr marL="5493532" indent="0">
+            <a:lvl7pPr marL="7207209" indent="0">
               <a:buNone/>
-              <a:defRPr sz="4005"/>
+              <a:defRPr sz="5255"/>
             </a:lvl7pPr>
-            <a:lvl8pPr marL="6409121" indent="0">
+            <a:lvl8pPr marL="8408411" indent="0">
               <a:buNone/>
-              <a:defRPr sz="4005"/>
+              <a:defRPr sz="5255"/>
             </a:lvl8pPr>
-            <a:lvl9pPr marL="7324710" indent="0">
+            <a:lvl9pPr marL="9609612" indent="0">
               <a:buNone/>
-              <a:defRPr sz="4005"/>
+              <a:defRPr sz="5255"/>
             </a:lvl9pPr>
           </a:lstStyle>
           <a:p>
@@ -2283,8 +2285,8 @@
         </p:nvSpPr>
         <p:spPr>
           <a:xfrm>
-            <a:off x="1261322" y="5405437"/>
-            <a:ext cx="5906036" cy="10014242"/>
+            <a:off x="2501214" y="5405437"/>
+            <a:ext cx="11711717" cy="10014242"/>
           </a:xfrm>
         </p:spPr>
         <p:txBody>
@@ -2292,39 +2294,39 @@
           <a:lstStyle>
             <a:lvl1pPr marL="0" indent="0">
               <a:buNone/>
-              <a:defRPr sz="3204"/>
+              <a:defRPr sz="4204"/>
             </a:lvl1pPr>
-            <a:lvl2pPr marL="915589" indent="0">
+            <a:lvl2pPr marL="1201202" indent="0">
               <a:buNone/>
-              <a:defRPr sz="2804"/>
+              <a:defRPr sz="3678"/>
             </a:lvl2pPr>
-            <a:lvl3pPr marL="1831177" indent="0">
+            <a:lvl3pPr marL="2402403" indent="0">
               <a:buNone/>
-              <a:defRPr sz="2403"/>
+              <a:defRPr sz="3153"/>
             </a:lvl3pPr>
-            <a:lvl4pPr marL="2746766" indent="0">
+            <a:lvl4pPr marL="3603605" indent="0">
               <a:buNone/>
-              <a:defRPr sz="2003"/>
+              <a:defRPr sz="2627"/>
             </a:lvl4pPr>
-            <a:lvl5pPr marL="3662355" indent="0">
+            <a:lvl5pPr marL="4804806" indent="0">
               <a:buNone/>
-              <a:defRPr sz="2003"/>
+              <a:defRPr sz="2627"/>
             </a:lvl5pPr>
-            <a:lvl6pPr marL="4577944" indent="0">
+            <a:lvl6pPr marL="6006008" indent="0">
               <a:buNone/>
-              <a:defRPr sz="2003"/>
+              <a:defRPr sz="2627"/>
             </a:lvl6pPr>
-            <a:lvl7pPr marL="5493532" indent="0">
+            <a:lvl7pPr marL="7207209" indent="0">
               <a:buNone/>
-              <a:defRPr sz="2003"/>
+              <a:defRPr sz="2627"/>
             </a:lvl7pPr>
-            <a:lvl8pPr marL="6409121" indent="0">
+            <a:lvl8pPr marL="8408411" indent="0">
               <a:buNone/>
-              <a:defRPr sz="2003"/>
+              <a:defRPr sz="2627"/>
             </a:lvl8pPr>
-            <a:lvl9pPr marL="7324710" indent="0">
+            <a:lvl9pPr marL="9609612" indent="0">
               <a:buNone/>
-              <a:defRPr sz="2003"/>
+              <a:defRPr sz="2627"/>
             </a:lvl9pPr>
           </a:lstStyle>
           <a:p>
@@ -2353,7 +2355,7 @@
           <a:p>
             <a:fld id="{0D5A7E0D-A8E6-497A-AB1A-E5EB0041CEF8}" type="datetimeFigureOut">
               <a:rPr lang="fr-FR" smtClean="0"/>
-              <a:t>18/01/2021</a:t>
+              <a:t>19/01/2021</a:t>
             </a:fld>
             <a:endParaRPr lang="fr-FR"/>
           </a:p>
@@ -2404,7 +2406,7 @@
     </p:spTree>
     <p:extLst>
       <p:ext uri="{BB962C8B-B14F-4D97-AF65-F5344CB8AC3E}">
-        <p14:creationId xmlns:p14="http://schemas.microsoft.com/office/powerpoint/2010/main" val="1595217468"/>
+        <p14:creationId xmlns:p14="http://schemas.microsoft.com/office/powerpoint/2010/main" val="2327559357"/>
       </p:ext>
     </p:extLst>
   </p:cSld>
@@ -2448,8 +2450,8 @@
         </p:nvSpPr>
         <p:spPr>
           <a:xfrm>
-            <a:off x="1258937" y="959302"/>
-            <a:ext cx="15793939" cy="3482671"/>
+            <a:off x="2496483" y="959300"/>
+            <a:ext cx="31319510" cy="3482671"/>
           </a:xfrm>
           <a:prstGeom prst="rect">
             <a:avLst/>
@@ -2481,8 +2483,8 @@
         </p:nvSpPr>
         <p:spPr>
           <a:xfrm>
-            <a:off x="1258937" y="4796492"/>
-            <a:ext cx="15793939" cy="11432335"/>
+            <a:off x="2496483" y="4796492"/>
+            <a:ext cx="31319510" cy="11432335"/>
           </a:xfrm>
           <a:prstGeom prst="rect">
             <a:avLst/>
@@ -2543,8 +2545,8 @@
         </p:nvSpPr>
         <p:spPr>
           <a:xfrm>
-            <a:off x="1258937" y="16700137"/>
-            <a:ext cx="4120158" cy="959298"/>
+            <a:off x="2496483" y="16700134"/>
+            <a:ext cx="8170307" cy="959298"/>
           </a:xfrm>
           <a:prstGeom prst="rect">
             <a:avLst/>
@@ -2554,7 +2556,7 @@
           <a:bodyPr vert="horz" lIns="91440" tIns="45720" rIns="91440" bIns="45720" rtlCol="0" anchor="ctr"/>
           <a:lstStyle>
             <a:lvl1pPr algn="l">
-              <a:defRPr sz="2403">
+              <a:defRPr sz="3153">
                 <a:solidFill>
                   <a:schemeClr val="tx1">
                     <a:tint val="75000"/>
@@ -2566,7 +2568,7 @@
           <a:p>
             <a:fld id="{0D5A7E0D-A8E6-497A-AB1A-E5EB0041CEF8}" type="datetimeFigureOut">
               <a:rPr lang="fr-FR" smtClean="0"/>
-              <a:t>18/01/2021</a:t>
+              <a:t>19/01/2021</a:t>
             </a:fld>
             <a:endParaRPr lang="fr-FR"/>
           </a:p>
@@ -2584,8 +2586,8 @@
         </p:nvSpPr>
         <p:spPr>
           <a:xfrm>
-            <a:off x="6065788" y="16700137"/>
-            <a:ext cx="6180237" cy="959298"/>
+            <a:off x="12028508" y="16700134"/>
+            <a:ext cx="12255460" cy="959298"/>
           </a:xfrm>
           <a:prstGeom prst="rect">
             <a:avLst/>
@@ -2595,7 +2597,7 @@
           <a:bodyPr vert="horz" lIns="91440" tIns="45720" rIns="91440" bIns="45720" rtlCol="0" anchor="ctr"/>
           <a:lstStyle>
             <a:lvl1pPr algn="ctr">
-              <a:defRPr sz="2403">
+              <a:defRPr sz="3153">
                 <a:solidFill>
                   <a:schemeClr val="tx1">
                     <a:tint val="75000"/>
@@ -2621,8 +2623,8 @@
         </p:nvSpPr>
         <p:spPr>
           <a:xfrm>
-            <a:off x="12932718" y="16700137"/>
-            <a:ext cx="4120158" cy="959298"/>
+            <a:off x="25645685" y="16700134"/>
+            <a:ext cx="8170307" cy="959298"/>
           </a:xfrm>
           <a:prstGeom prst="rect">
             <a:avLst/>
@@ -2632,7 +2634,7 @@
           <a:bodyPr vert="horz" lIns="91440" tIns="45720" rIns="91440" bIns="45720" rtlCol="0" anchor="ctr"/>
           <a:lstStyle>
             <a:lvl1pPr algn="r">
-              <a:defRPr sz="2403">
+              <a:defRPr sz="3153">
                 <a:solidFill>
                   <a:schemeClr val="tx1">
                     <a:tint val="75000"/>
@@ -2653,27 +2655,27 @@
     </p:spTree>
     <p:extLst>
       <p:ext uri="{BB962C8B-B14F-4D97-AF65-F5344CB8AC3E}">
-        <p14:creationId xmlns:p14="http://schemas.microsoft.com/office/powerpoint/2010/main" val="3098537646"/>
+        <p14:creationId xmlns:p14="http://schemas.microsoft.com/office/powerpoint/2010/main" val="2086272928"/>
       </p:ext>
     </p:extLst>
   </p:cSld>
   <p:clrMap bg1="lt1" tx1="dk1" bg2="lt2" tx2="dk2" accent1="accent1" accent2="accent2" accent3="accent3" accent4="accent4" accent5="accent5" accent6="accent6" hlink="hlink" folHlink="folHlink"/>
   <p:sldLayoutIdLst>
-    <p:sldLayoutId id="2147483661" r:id="rId1"/>
-    <p:sldLayoutId id="2147483662" r:id="rId2"/>
-    <p:sldLayoutId id="2147483663" r:id="rId3"/>
-    <p:sldLayoutId id="2147483664" r:id="rId4"/>
-    <p:sldLayoutId id="2147483665" r:id="rId5"/>
-    <p:sldLayoutId id="2147483666" r:id="rId6"/>
-    <p:sldLayoutId id="2147483667" r:id="rId7"/>
-    <p:sldLayoutId id="2147483668" r:id="rId8"/>
-    <p:sldLayoutId id="2147483669" r:id="rId9"/>
-    <p:sldLayoutId id="2147483670" r:id="rId10"/>
-    <p:sldLayoutId id="2147483671" r:id="rId11"/>
+    <p:sldLayoutId id="2147483673" r:id="rId1"/>
+    <p:sldLayoutId id="2147483674" r:id="rId2"/>
+    <p:sldLayoutId id="2147483675" r:id="rId3"/>
+    <p:sldLayoutId id="2147483676" r:id="rId4"/>
+    <p:sldLayoutId id="2147483677" r:id="rId5"/>
+    <p:sldLayoutId id="2147483678" r:id="rId6"/>
+    <p:sldLayoutId id="2147483679" r:id="rId7"/>
+    <p:sldLayoutId id="2147483680" r:id="rId8"/>
+    <p:sldLayoutId id="2147483681" r:id="rId9"/>
+    <p:sldLayoutId id="2147483682" r:id="rId10"/>
+    <p:sldLayoutId id="2147483683" r:id="rId11"/>
   </p:sldLayoutIdLst>
   <p:txStyles>
     <p:titleStyle>
-      <a:lvl1pPr algn="l" defTabSz="1831177" rtl="0" eaLnBrk="1" latinLnBrk="0" hangingPunct="1">
+      <a:lvl1pPr algn="l" defTabSz="2402403" rtl="0" eaLnBrk="1" latinLnBrk="0" hangingPunct="1">
         <a:lnSpc>
           <a:spcPct val="90000"/>
         </a:lnSpc>
@@ -2681,7 +2683,7 @@
           <a:spcPct val="0"/>
         </a:spcBef>
         <a:buNone/>
-        <a:defRPr sz="8811" kern="1200">
+        <a:defRPr sz="11560" kern="1200">
           <a:solidFill>
             <a:schemeClr val="tx1"/>
           </a:solidFill>
@@ -2692,16 +2694,16 @@
       </a:lvl1pPr>
     </p:titleStyle>
     <p:bodyStyle>
-      <a:lvl1pPr marL="457794" indent="-457794" algn="l" defTabSz="1831177" rtl="0" eaLnBrk="1" latinLnBrk="0" hangingPunct="1">
+      <a:lvl1pPr marL="600601" indent="-600601" algn="l" defTabSz="2402403" rtl="0" eaLnBrk="1" latinLnBrk="0" hangingPunct="1">
         <a:lnSpc>
           <a:spcPct val="90000"/>
         </a:lnSpc>
         <a:spcBef>
-          <a:spcPts val="2003"/>
+          <a:spcPts val="2627"/>
         </a:spcBef>
         <a:buFont typeface="Arial" panose="020B0604020202020204" pitchFamily="34" charset="0"/>
         <a:buChar char="•"/>
-        <a:defRPr sz="5607" kern="1200">
+        <a:defRPr sz="7356" kern="1200">
           <a:solidFill>
             <a:schemeClr val="tx1"/>
           </a:solidFill>
@@ -2710,16 +2712,16 @@
           <a:cs typeface="+mn-cs"/>
         </a:defRPr>
       </a:lvl1pPr>
-      <a:lvl2pPr marL="1373383" indent="-457794" algn="l" defTabSz="1831177" rtl="0" eaLnBrk="1" latinLnBrk="0" hangingPunct="1">
+      <a:lvl2pPr marL="1801802" indent="-600601" algn="l" defTabSz="2402403" rtl="0" eaLnBrk="1" latinLnBrk="0" hangingPunct="1">
         <a:lnSpc>
           <a:spcPct val="90000"/>
         </a:lnSpc>
         <a:spcBef>
-          <a:spcPts val="1001"/>
+          <a:spcPts val="1314"/>
         </a:spcBef>
         <a:buFont typeface="Arial" panose="020B0604020202020204" pitchFamily="34" charset="0"/>
         <a:buChar char="•"/>
-        <a:defRPr sz="4806" kern="1200">
+        <a:defRPr sz="6306" kern="1200">
           <a:solidFill>
             <a:schemeClr val="tx1"/>
           </a:solidFill>
@@ -2728,16 +2730,16 @@
           <a:cs typeface="+mn-cs"/>
         </a:defRPr>
       </a:lvl2pPr>
-      <a:lvl3pPr marL="2288972" indent="-457794" algn="l" defTabSz="1831177" rtl="0" eaLnBrk="1" latinLnBrk="0" hangingPunct="1">
+      <a:lvl3pPr marL="3003004" indent="-600601" algn="l" defTabSz="2402403" rtl="0" eaLnBrk="1" latinLnBrk="0" hangingPunct="1">
         <a:lnSpc>
           <a:spcPct val="90000"/>
         </a:lnSpc>
         <a:spcBef>
-          <a:spcPts val="1001"/>
+          <a:spcPts val="1314"/>
         </a:spcBef>
         <a:buFont typeface="Arial" panose="020B0604020202020204" pitchFamily="34" charset="0"/>
         <a:buChar char="•"/>
-        <a:defRPr sz="4005" kern="1200">
+        <a:defRPr sz="5255" kern="1200">
           <a:solidFill>
             <a:schemeClr val="tx1"/>
           </a:solidFill>
@@ -2746,16 +2748,16 @@
           <a:cs typeface="+mn-cs"/>
         </a:defRPr>
       </a:lvl3pPr>
-      <a:lvl4pPr marL="3204561" indent="-457794" algn="l" defTabSz="1831177" rtl="0" eaLnBrk="1" latinLnBrk="0" hangingPunct="1">
+      <a:lvl4pPr marL="4204205" indent="-600601" algn="l" defTabSz="2402403" rtl="0" eaLnBrk="1" latinLnBrk="0" hangingPunct="1">
         <a:lnSpc>
           <a:spcPct val="90000"/>
         </a:lnSpc>
         <a:spcBef>
-          <a:spcPts val="1001"/>
+          <a:spcPts val="1314"/>
         </a:spcBef>
         <a:buFont typeface="Arial" panose="020B0604020202020204" pitchFamily="34" charset="0"/>
         <a:buChar char="•"/>
-        <a:defRPr sz="3605" kern="1200">
+        <a:defRPr sz="4729" kern="1200">
           <a:solidFill>
             <a:schemeClr val="tx1"/>
           </a:solidFill>
@@ -2764,16 +2766,16 @@
           <a:cs typeface="+mn-cs"/>
         </a:defRPr>
       </a:lvl4pPr>
-      <a:lvl5pPr marL="4120149" indent="-457794" algn="l" defTabSz="1831177" rtl="0" eaLnBrk="1" latinLnBrk="0" hangingPunct="1">
+      <a:lvl5pPr marL="5405407" indent="-600601" algn="l" defTabSz="2402403" rtl="0" eaLnBrk="1" latinLnBrk="0" hangingPunct="1">
         <a:lnSpc>
           <a:spcPct val="90000"/>
         </a:lnSpc>
         <a:spcBef>
-          <a:spcPts val="1001"/>
+          <a:spcPts val="1314"/>
         </a:spcBef>
         <a:buFont typeface="Arial" panose="020B0604020202020204" pitchFamily="34" charset="0"/>
         <a:buChar char="•"/>
-        <a:defRPr sz="3605" kern="1200">
+        <a:defRPr sz="4729" kern="1200">
           <a:solidFill>
             <a:schemeClr val="tx1"/>
           </a:solidFill>
@@ -2782,16 +2784,16 @@
           <a:cs typeface="+mn-cs"/>
         </a:defRPr>
       </a:lvl5pPr>
-      <a:lvl6pPr marL="5035738" indent="-457794" algn="l" defTabSz="1831177" rtl="0" eaLnBrk="1" latinLnBrk="0" hangingPunct="1">
+      <a:lvl6pPr marL="6606609" indent="-600601" algn="l" defTabSz="2402403" rtl="0" eaLnBrk="1" latinLnBrk="0" hangingPunct="1">
         <a:lnSpc>
           <a:spcPct val="90000"/>
         </a:lnSpc>
         <a:spcBef>
-          <a:spcPts val="1001"/>
+          <a:spcPts val="1314"/>
         </a:spcBef>
         <a:buFont typeface="Arial" panose="020B0604020202020204" pitchFamily="34" charset="0"/>
         <a:buChar char="•"/>
-        <a:defRPr sz="3605" kern="1200">
+        <a:defRPr sz="4729" kern="1200">
           <a:solidFill>
             <a:schemeClr val="tx1"/>
           </a:solidFill>
@@ -2800,16 +2802,16 @@
           <a:cs typeface="+mn-cs"/>
         </a:defRPr>
       </a:lvl6pPr>
-      <a:lvl7pPr marL="5951327" indent="-457794" algn="l" defTabSz="1831177" rtl="0" eaLnBrk="1" latinLnBrk="0" hangingPunct="1">
+      <a:lvl7pPr marL="7807810" indent="-600601" algn="l" defTabSz="2402403" rtl="0" eaLnBrk="1" latinLnBrk="0" hangingPunct="1">
         <a:lnSpc>
           <a:spcPct val="90000"/>
         </a:lnSpc>
         <a:spcBef>
-          <a:spcPts val="1001"/>
+          <a:spcPts val="1314"/>
         </a:spcBef>
         <a:buFont typeface="Arial" panose="020B0604020202020204" pitchFamily="34" charset="0"/>
         <a:buChar char="•"/>
-        <a:defRPr sz="3605" kern="1200">
+        <a:defRPr sz="4729" kern="1200">
           <a:solidFill>
             <a:schemeClr val="tx1"/>
           </a:solidFill>
@@ -2818,16 +2820,16 @@
           <a:cs typeface="+mn-cs"/>
         </a:defRPr>
       </a:lvl7pPr>
-      <a:lvl8pPr marL="6866915" indent="-457794" algn="l" defTabSz="1831177" rtl="0" eaLnBrk="1" latinLnBrk="0" hangingPunct="1">
+      <a:lvl8pPr marL="9009012" indent="-600601" algn="l" defTabSz="2402403" rtl="0" eaLnBrk="1" latinLnBrk="0" hangingPunct="1">
         <a:lnSpc>
           <a:spcPct val="90000"/>
         </a:lnSpc>
         <a:spcBef>
-          <a:spcPts val="1001"/>
+          <a:spcPts val="1314"/>
         </a:spcBef>
         <a:buFont typeface="Arial" panose="020B0604020202020204" pitchFamily="34" charset="0"/>
         <a:buChar char="•"/>
-        <a:defRPr sz="3605" kern="1200">
+        <a:defRPr sz="4729" kern="1200">
           <a:solidFill>
             <a:schemeClr val="tx1"/>
           </a:solidFill>
@@ -2836,16 +2838,16 @@
           <a:cs typeface="+mn-cs"/>
         </a:defRPr>
       </a:lvl8pPr>
-      <a:lvl9pPr marL="7782504" indent="-457794" algn="l" defTabSz="1831177" rtl="0" eaLnBrk="1" latinLnBrk="0" hangingPunct="1">
+      <a:lvl9pPr marL="10210213" indent="-600601" algn="l" defTabSz="2402403" rtl="0" eaLnBrk="1" latinLnBrk="0" hangingPunct="1">
         <a:lnSpc>
           <a:spcPct val="90000"/>
         </a:lnSpc>
         <a:spcBef>
-          <a:spcPts val="1001"/>
+          <a:spcPts val="1314"/>
         </a:spcBef>
         <a:buFont typeface="Arial" panose="020B0604020202020204" pitchFamily="34" charset="0"/>
         <a:buChar char="•"/>
-        <a:defRPr sz="3605" kern="1200">
+        <a:defRPr sz="4729" kern="1200">
           <a:solidFill>
             <a:schemeClr val="tx1"/>
           </a:solidFill>
@@ -2859,8 +2861,8 @@
       <a:defPPr>
         <a:defRPr lang="en-US"/>
       </a:defPPr>
-      <a:lvl1pPr marL="0" algn="l" defTabSz="1831177" rtl="0" eaLnBrk="1" latinLnBrk="0" hangingPunct="1">
-        <a:defRPr sz="3605" kern="1200">
+      <a:lvl1pPr marL="0" algn="l" defTabSz="2402403" rtl="0" eaLnBrk="1" latinLnBrk="0" hangingPunct="1">
+        <a:defRPr sz="4729" kern="1200">
           <a:solidFill>
             <a:schemeClr val="tx1"/>
           </a:solidFill>
@@ -2869,8 +2871,8 @@
           <a:cs typeface="+mn-cs"/>
         </a:defRPr>
       </a:lvl1pPr>
-      <a:lvl2pPr marL="915589" algn="l" defTabSz="1831177" rtl="0" eaLnBrk="1" latinLnBrk="0" hangingPunct="1">
-        <a:defRPr sz="3605" kern="1200">
+      <a:lvl2pPr marL="1201202" algn="l" defTabSz="2402403" rtl="0" eaLnBrk="1" latinLnBrk="0" hangingPunct="1">
+        <a:defRPr sz="4729" kern="1200">
           <a:solidFill>
             <a:schemeClr val="tx1"/>
           </a:solidFill>
@@ -2879,8 +2881,8 @@
           <a:cs typeface="+mn-cs"/>
         </a:defRPr>
       </a:lvl2pPr>
-      <a:lvl3pPr marL="1831177" algn="l" defTabSz="1831177" rtl="0" eaLnBrk="1" latinLnBrk="0" hangingPunct="1">
-        <a:defRPr sz="3605" kern="1200">
+      <a:lvl3pPr marL="2402403" algn="l" defTabSz="2402403" rtl="0" eaLnBrk="1" latinLnBrk="0" hangingPunct="1">
+        <a:defRPr sz="4729" kern="1200">
           <a:solidFill>
             <a:schemeClr val="tx1"/>
           </a:solidFill>
@@ -2889,8 +2891,8 @@
           <a:cs typeface="+mn-cs"/>
         </a:defRPr>
       </a:lvl3pPr>
-      <a:lvl4pPr marL="2746766" algn="l" defTabSz="1831177" rtl="0" eaLnBrk="1" latinLnBrk="0" hangingPunct="1">
-        <a:defRPr sz="3605" kern="1200">
+      <a:lvl4pPr marL="3603605" algn="l" defTabSz="2402403" rtl="0" eaLnBrk="1" latinLnBrk="0" hangingPunct="1">
+        <a:defRPr sz="4729" kern="1200">
           <a:solidFill>
             <a:schemeClr val="tx1"/>
           </a:solidFill>
@@ -2899,8 +2901,8 @@
           <a:cs typeface="+mn-cs"/>
         </a:defRPr>
       </a:lvl4pPr>
-      <a:lvl5pPr marL="3662355" algn="l" defTabSz="1831177" rtl="0" eaLnBrk="1" latinLnBrk="0" hangingPunct="1">
-        <a:defRPr sz="3605" kern="1200">
+      <a:lvl5pPr marL="4804806" algn="l" defTabSz="2402403" rtl="0" eaLnBrk="1" latinLnBrk="0" hangingPunct="1">
+        <a:defRPr sz="4729" kern="1200">
           <a:solidFill>
             <a:schemeClr val="tx1"/>
           </a:solidFill>
@@ -2909,8 +2911,8 @@
           <a:cs typeface="+mn-cs"/>
         </a:defRPr>
       </a:lvl5pPr>
-      <a:lvl6pPr marL="4577944" algn="l" defTabSz="1831177" rtl="0" eaLnBrk="1" latinLnBrk="0" hangingPunct="1">
-        <a:defRPr sz="3605" kern="1200">
+      <a:lvl6pPr marL="6006008" algn="l" defTabSz="2402403" rtl="0" eaLnBrk="1" latinLnBrk="0" hangingPunct="1">
+        <a:defRPr sz="4729" kern="1200">
           <a:solidFill>
             <a:schemeClr val="tx1"/>
           </a:solidFill>
@@ -2919,8 +2921,8 @@
           <a:cs typeface="+mn-cs"/>
         </a:defRPr>
       </a:lvl6pPr>
-      <a:lvl7pPr marL="5493532" algn="l" defTabSz="1831177" rtl="0" eaLnBrk="1" latinLnBrk="0" hangingPunct="1">
-        <a:defRPr sz="3605" kern="1200">
+      <a:lvl7pPr marL="7207209" algn="l" defTabSz="2402403" rtl="0" eaLnBrk="1" latinLnBrk="0" hangingPunct="1">
+        <a:defRPr sz="4729" kern="1200">
           <a:solidFill>
             <a:schemeClr val="tx1"/>
           </a:solidFill>
@@ -2929,8 +2931,8 @@
           <a:cs typeface="+mn-cs"/>
         </a:defRPr>
       </a:lvl7pPr>
-      <a:lvl8pPr marL="6409121" algn="l" defTabSz="1831177" rtl="0" eaLnBrk="1" latinLnBrk="0" hangingPunct="1">
-        <a:defRPr sz="3605" kern="1200">
+      <a:lvl8pPr marL="8408411" algn="l" defTabSz="2402403" rtl="0" eaLnBrk="1" latinLnBrk="0" hangingPunct="1">
+        <a:defRPr sz="4729" kern="1200">
           <a:solidFill>
             <a:schemeClr val="tx1"/>
           </a:solidFill>
@@ -2939,8 +2941,8 @@
           <a:cs typeface="+mn-cs"/>
         </a:defRPr>
       </a:lvl8pPr>
-      <a:lvl9pPr marL="7324710" algn="l" defTabSz="1831177" rtl="0" eaLnBrk="1" latinLnBrk="0" hangingPunct="1">
-        <a:defRPr sz="3605" kern="1200">
+      <a:lvl9pPr marL="9609612" algn="l" defTabSz="2402403" rtl="0" eaLnBrk="1" latinLnBrk="0" hangingPunct="1">
+        <a:defRPr sz="4729" kern="1200">
           <a:solidFill>
             <a:schemeClr val="tx1"/>
           </a:solidFill>
@@ -2973,10 +2975,10 @@
       </p:grpSpPr>
       <p:sp>
         <p:nvSpPr>
-          <p:cNvPr id="5" name="Rectangle : coins arrondis 4">
-            <a:extLst>
-              <a:ext uri="{FF2B5EF4-FFF2-40B4-BE49-F238E27FC236}">
-                <a16:creationId xmlns:a16="http://schemas.microsoft.com/office/drawing/2014/main" id="{30F4A51B-D609-4447-B2AB-6362E03A9E1E}"/>
+          <p:cNvPr id="81" name="Rectangle 80">
+            <a:extLst>
+              <a:ext uri="{FF2B5EF4-FFF2-40B4-BE49-F238E27FC236}">
+                <a16:creationId xmlns:a16="http://schemas.microsoft.com/office/drawing/2014/main" id="{E4B95975-4D08-4951-A3CA-FCD2FA408311}"/>
               </a:ext>
             </a:extLst>
           </p:cNvPr>
@@ -2985,7 +2987,165 @@
         </p:nvSpPr>
         <p:spPr>
           <a:xfrm>
-            <a:off x="11624595" y="7904093"/>
+            <a:off x="-34925778" y="-4383820"/>
+            <a:ext cx="36312475" cy="18018125"/>
+          </a:xfrm>
+          <a:prstGeom prst="rect">
+            <a:avLst/>
+          </a:prstGeom>
+          <a:solidFill>
+            <a:schemeClr val="bg1">
+              <a:lumMod val="95000"/>
+            </a:schemeClr>
+          </a:solidFill>
+          <a:ln>
+            <a:noFill/>
+          </a:ln>
+        </p:spPr>
+        <p:style>
+          <a:lnRef idx="2">
+            <a:schemeClr val="accent1">
+              <a:shade val="50000"/>
+            </a:schemeClr>
+          </a:lnRef>
+          <a:fillRef idx="1">
+            <a:schemeClr val="accent1"/>
+          </a:fillRef>
+          <a:effectRef idx="0">
+            <a:schemeClr val="accent1"/>
+          </a:effectRef>
+          <a:fontRef idx="minor">
+            <a:schemeClr val="lt1"/>
+          </a:fontRef>
+        </p:style>
+        <p:txBody>
+          <a:bodyPr rtlCol="0" anchor="ctr"/>
+          <a:lstStyle/>
+          <a:p>
+            <a:pPr algn="ctr"/>
+            <a:endParaRPr lang="fr-FR"/>
+          </a:p>
+        </p:txBody>
+      </p:sp>
+      <p:sp>
+        <p:nvSpPr>
+          <p:cNvPr id="84" name="Rectangle : coins arrondis 83">
+            <a:extLst>
+              <a:ext uri="{FF2B5EF4-FFF2-40B4-BE49-F238E27FC236}">
+                <a16:creationId xmlns:a16="http://schemas.microsoft.com/office/drawing/2014/main" id="{3F36E614-00E5-4734-ADF2-B461D3F37C57}"/>
+              </a:ext>
+            </a:extLst>
+          </p:cNvPr>
+          <p:cNvSpPr/>
+          <p:nvPr/>
+        </p:nvSpPr>
+        <p:spPr>
+          <a:xfrm>
+            <a:off x="-13239337" y="-2818073"/>
+            <a:ext cx="13206669" cy="14681200"/>
+          </a:xfrm>
+          <a:prstGeom prst="roundRect">
+            <a:avLst/>
+          </a:prstGeom>
+          <a:solidFill>
+            <a:schemeClr val="bg1"/>
+          </a:solidFill>
+          <a:ln>
+            <a:noFill/>
+          </a:ln>
+        </p:spPr>
+        <p:style>
+          <a:lnRef idx="2">
+            <a:schemeClr val="accent1">
+              <a:shade val="50000"/>
+            </a:schemeClr>
+          </a:lnRef>
+          <a:fillRef idx="1">
+            <a:schemeClr val="accent1"/>
+          </a:fillRef>
+          <a:effectRef idx="0">
+            <a:schemeClr val="accent1"/>
+          </a:effectRef>
+          <a:fontRef idx="minor">
+            <a:schemeClr val="lt1"/>
+          </a:fontRef>
+        </p:style>
+        <p:txBody>
+          <a:bodyPr rtlCol="0" anchor="ctr"/>
+          <a:lstStyle/>
+          <a:p>
+            <a:pPr algn="ctr"/>
+            <a:endParaRPr lang="fr-FR"/>
+          </a:p>
+        </p:txBody>
+      </p:sp>
+      <p:sp>
+        <p:nvSpPr>
+          <p:cNvPr id="86" name="Rectangle : coins arrondis 85">
+            <a:extLst>
+              <a:ext uri="{FF2B5EF4-FFF2-40B4-BE49-F238E27FC236}">
+                <a16:creationId xmlns:a16="http://schemas.microsoft.com/office/drawing/2014/main" id="{1F583BDA-9262-4F45-B6E8-BBDBDE452B5D}"/>
+              </a:ext>
+            </a:extLst>
+          </p:cNvPr>
+          <p:cNvSpPr/>
+          <p:nvPr/>
+        </p:nvSpPr>
+        <p:spPr>
+          <a:xfrm>
+            <a:off x="-11317617" y="3989147"/>
+            <a:ext cx="12563314" cy="4752195"/>
+          </a:xfrm>
+          <a:prstGeom prst="roundRect">
+            <a:avLst/>
+          </a:prstGeom>
+          <a:solidFill>
+            <a:schemeClr val="bg1"/>
+          </a:solidFill>
+          <a:ln>
+            <a:noFill/>
+          </a:ln>
+        </p:spPr>
+        <p:style>
+          <a:lnRef idx="2">
+            <a:schemeClr val="accent1">
+              <a:shade val="50000"/>
+            </a:schemeClr>
+          </a:lnRef>
+          <a:fillRef idx="1">
+            <a:schemeClr val="accent1"/>
+          </a:fillRef>
+          <a:effectRef idx="0">
+            <a:schemeClr val="accent1"/>
+          </a:effectRef>
+          <a:fontRef idx="minor">
+            <a:schemeClr val="lt1"/>
+          </a:fontRef>
+        </p:style>
+        <p:txBody>
+          <a:bodyPr rtlCol="0" anchor="ctr"/>
+          <a:lstStyle/>
+          <a:p>
+            <a:pPr algn="ctr"/>
+            <a:endParaRPr lang="fr-FR"/>
+          </a:p>
+        </p:txBody>
+      </p:sp>
+      <p:sp>
+        <p:nvSpPr>
+          <p:cNvPr id="168" name="Rectangle : coins arrondis 167">
+            <a:extLst>
+              <a:ext uri="{FF2B5EF4-FFF2-40B4-BE49-F238E27FC236}">
+                <a16:creationId xmlns:a16="http://schemas.microsoft.com/office/drawing/2014/main" id="{A360800D-3872-4D32-9DB9-7D0E895C4B15}"/>
+              </a:ext>
+            </a:extLst>
+          </p:cNvPr>
+          <p:cNvSpPr/>
+          <p:nvPr/>
+        </p:nvSpPr>
+        <p:spPr>
+          <a:xfrm>
+            <a:off x="15325515" y="8276557"/>
             <a:ext cx="1052047" cy="697636"/>
           </a:xfrm>
           <a:prstGeom prst="roundRect">
@@ -3043,10 +3203,10 @@
       </p:sp>
       <p:sp>
         <p:nvSpPr>
-          <p:cNvPr id="6" name="Rectangle : coins arrondis 5">
-            <a:extLst>
-              <a:ext uri="{FF2B5EF4-FFF2-40B4-BE49-F238E27FC236}">
-                <a16:creationId xmlns:a16="http://schemas.microsoft.com/office/drawing/2014/main" id="{D9A59470-FE47-4D18-A505-55A36E8264CA}"/>
+          <p:cNvPr id="169" name="Rectangle : coins arrondis 168">
+            <a:extLst>
+              <a:ext uri="{FF2B5EF4-FFF2-40B4-BE49-F238E27FC236}">
+                <a16:creationId xmlns:a16="http://schemas.microsoft.com/office/drawing/2014/main" id="{9AFCC219-CE08-4EE4-A56B-453B0AEA9EAC}"/>
               </a:ext>
             </a:extLst>
           </p:cNvPr>
@@ -3055,7 +3215,7 @@
         </p:nvSpPr>
         <p:spPr>
           <a:xfrm>
-            <a:off x="4738050" y="7904596"/>
+            <a:off x="8438969" y="8277060"/>
             <a:ext cx="1052047" cy="697636"/>
           </a:xfrm>
           <a:prstGeom prst="roundRect">
@@ -3113,10 +3273,10 @@
       </p:sp>
       <p:sp>
         <p:nvSpPr>
-          <p:cNvPr id="7" name="Rectangle : coins arrondis 6">
-            <a:extLst>
-              <a:ext uri="{FF2B5EF4-FFF2-40B4-BE49-F238E27FC236}">
-                <a16:creationId xmlns:a16="http://schemas.microsoft.com/office/drawing/2014/main" id="{290F0DCC-8B95-40F1-A83E-B747B80B053E}"/>
+          <p:cNvPr id="170" name="Rectangle : coins arrondis 169">
+            <a:extLst>
+              <a:ext uri="{FF2B5EF4-FFF2-40B4-BE49-F238E27FC236}">
+                <a16:creationId xmlns:a16="http://schemas.microsoft.com/office/drawing/2014/main" id="{6ABB1C30-8431-42C4-BD12-5576CDC32EB6}"/>
               </a:ext>
             </a:extLst>
           </p:cNvPr>
@@ -3125,7 +3285,7 @@
         </p:nvSpPr>
         <p:spPr>
           <a:xfrm>
-            <a:off x="7539829" y="6499893"/>
+            <a:off x="11240749" y="6872357"/>
             <a:ext cx="1052047" cy="697636"/>
           </a:xfrm>
           <a:prstGeom prst="roundRect">
@@ -3183,10 +3343,10 @@
       </p:sp>
       <p:sp>
         <p:nvSpPr>
-          <p:cNvPr id="12" name="Rectangle : coins arrondis 11">
-            <a:extLst>
-              <a:ext uri="{FF2B5EF4-FFF2-40B4-BE49-F238E27FC236}">
-                <a16:creationId xmlns:a16="http://schemas.microsoft.com/office/drawing/2014/main" id="{7D22874B-E0CA-4838-97E3-7C91F3DBE1F8}"/>
+          <p:cNvPr id="171" name="Rectangle : coins arrondis 170">
+            <a:extLst>
+              <a:ext uri="{FF2B5EF4-FFF2-40B4-BE49-F238E27FC236}">
+                <a16:creationId xmlns:a16="http://schemas.microsoft.com/office/drawing/2014/main" id="{2B416430-F6A2-4737-8C16-01AC9CBC85CC}"/>
               </a:ext>
             </a:extLst>
           </p:cNvPr>
@@ -3195,7 +3355,7 @@
         </p:nvSpPr>
         <p:spPr>
           <a:xfrm>
-            <a:off x="13310231" y="9850245"/>
+            <a:off x="28934353" y="13376444"/>
             <a:ext cx="1201439" cy="668273"/>
           </a:xfrm>
           <a:prstGeom prst="roundRect">
@@ -3255,10 +3415,10 @@
       </p:sp>
       <p:sp>
         <p:nvSpPr>
-          <p:cNvPr id="13" name="Rectangle : coins arrondis 12">
-            <a:extLst>
-              <a:ext uri="{FF2B5EF4-FFF2-40B4-BE49-F238E27FC236}">
-                <a16:creationId xmlns:a16="http://schemas.microsoft.com/office/drawing/2014/main" id="{68D0C344-EBCC-4C48-A2F4-650BF565A6D0}"/>
+          <p:cNvPr id="172" name="Rectangle : coins arrondis 171">
+            <a:extLst>
+              <a:ext uri="{FF2B5EF4-FFF2-40B4-BE49-F238E27FC236}">
+                <a16:creationId xmlns:a16="http://schemas.microsoft.com/office/drawing/2014/main" id="{4214F866-AB4A-40F0-94A4-FC68BB0FD95A}"/>
               </a:ext>
             </a:extLst>
           </p:cNvPr>
@@ -3267,7 +3427,7 @@
         </p:nvSpPr>
         <p:spPr>
           <a:xfrm>
-            <a:off x="4663353" y="9850246"/>
+            <a:off x="8364273" y="10222712"/>
             <a:ext cx="1201439" cy="668273"/>
           </a:xfrm>
           <a:prstGeom prst="roundRect">
@@ -3327,22 +3487,22 @@
       </p:sp>
       <p:cxnSp>
         <p:nvCxnSpPr>
-          <p:cNvPr id="15" name="Connecteur droit avec flèche 14">
-            <a:extLst>
-              <a:ext uri="{FF2B5EF4-FFF2-40B4-BE49-F238E27FC236}">
-                <a16:creationId xmlns:a16="http://schemas.microsoft.com/office/drawing/2014/main" id="{87422530-3756-460C-95DD-E28130512789}"/>
+          <p:cNvPr id="173" name="Connecteur droit avec flèche 172">
+            <a:extLst>
+              <a:ext uri="{FF2B5EF4-FFF2-40B4-BE49-F238E27FC236}">
+                <a16:creationId xmlns:a16="http://schemas.microsoft.com/office/drawing/2014/main" id="{E1C94279-4C31-4646-AE69-7E5F28D1EFE7}"/>
               </a:ext>
             </a:extLst>
           </p:cNvPr>
           <p:cNvCxnSpPr>
-            <a:stCxn id="13" idx="0"/>
-            <a:endCxn id="6" idx="2"/>
+            <a:stCxn id="172" idx="0"/>
+            <a:endCxn id="169" idx="2"/>
           </p:cNvCxnSpPr>
           <p:nvPr/>
         </p:nvCxnSpPr>
         <p:spPr>
           <a:xfrm flipV="1">
-            <a:off x="5264073" y="8602232"/>
+            <a:off x="8964992" y="8974696"/>
             <a:ext cx="1" cy="1248014"/>
           </a:xfrm>
           <a:prstGeom prst="straightConnector1">
@@ -3369,10 +3529,10 @@
       </p:cxnSp>
       <p:sp>
         <p:nvSpPr>
-          <p:cNvPr id="19" name="ZoneTexte 18">
-            <a:extLst>
-              <a:ext uri="{FF2B5EF4-FFF2-40B4-BE49-F238E27FC236}">
-                <a16:creationId xmlns:a16="http://schemas.microsoft.com/office/drawing/2014/main" id="{60E70C19-4691-4E8A-84CD-3980A544EBC2}"/>
+          <p:cNvPr id="174" name="ZoneTexte 173">
+            <a:extLst>
+              <a:ext uri="{FF2B5EF4-FFF2-40B4-BE49-F238E27FC236}">
+                <a16:creationId xmlns:a16="http://schemas.microsoft.com/office/drawing/2014/main" id="{EFCA7F2F-742D-41A5-BBAE-225D7E10D2AE}"/>
               </a:ext>
             </a:extLst>
           </p:cNvPr>
@@ -3381,7 +3541,7 @@
         </p:nvSpPr>
         <p:spPr>
           <a:xfrm>
-            <a:off x="5258933" y="9076211"/>
+            <a:off x="8959851" y="9448675"/>
             <a:ext cx="902262" cy="230832"/>
           </a:xfrm>
           <a:prstGeom prst="rect">
@@ -3407,10 +3567,10 @@
       </p:sp>
       <p:sp>
         <p:nvSpPr>
-          <p:cNvPr id="20" name="ZoneTexte 19">
-            <a:extLst>
-              <a:ext uri="{FF2B5EF4-FFF2-40B4-BE49-F238E27FC236}">
-                <a16:creationId xmlns:a16="http://schemas.microsoft.com/office/drawing/2014/main" id="{D0A0C611-B602-4DDF-B7CB-A69ED3399EC8}"/>
+          <p:cNvPr id="175" name="ZoneTexte 174">
+            <a:extLst>
+              <a:ext uri="{FF2B5EF4-FFF2-40B4-BE49-F238E27FC236}">
+                <a16:creationId xmlns:a16="http://schemas.microsoft.com/office/drawing/2014/main" id="{B2878DFE-E3FD-44F7-93E6-78E41B4F43C9}"/>
               </a:ext>
             </a:extLst>
           </p:cNvPr>
@@ -3419,7 +3579,7 @@
         </p:nvSpPr>
         <p:spPr>
           <a:xfrm>
-            <a:off x="12352875" y="8801053"/>
+            <a:off x="28037848" y="12749325"/>
             <a:ext cx="902262" cy="230832"/>
           </a:xfrm>
           <a:prstGeom prst="rect">
@@ -3445,10 +3605,10 @@
       </p:sp>
       <p:sp>
         <p:nvSpPr>
-          <p:cNvPr id="29" name="Rectangle : coins arrondis 28">
-            <a:extLst>
-              <a:ext uri="{FF2B5EF4-FFF2-40B4-BE49-F238E27FC236}">
-                <a16:creationId xmlns:a16="http://schemas.microsoft.com/office/drawing/2014/main" id="{98D8EFFD-2765-4251-8E98-B9EF89502A2B}"/>
+          <p:cNvPr id="176" name="Rectangle : coins arrondis 175">
+            <a:extLst>
+              <a:ext uri="{FF2B5EF4-FFF2-40B4-BE49-F238E27FC236}">
+                <a16:creationId xmlns:a16="http://schemas.microsoft.com/office/drawing/2014/main" id="{271E2732-E78E-441B-ADF5-F701ED5060CB}"/>
               </a:ext>
             </a:extLst>
           </p:cNvPr>
@@ -3457,7 +3617,7 @@
         </p:nvSpPr>
         <p:spPr>
           <a:xfrm>
-            <a:off x="7539829" y="4426430"/>
+            <a:off x="11240748" y="4798895"/>
             <a:ext cx="1052047" cy="422255"/>
           </a:xfrm>
           <a:prstGeom prst="roundRect">
@@ -3503,10 +3663,10 @@
       </p:sp>
       <p:sp>
         <p:nvSpPr>
-          <p:cNvPr id="30" name="Rectangle : coins arrondis 29">
-            <a:extLst>
-              <a:ext uri="{FF2B5EF4-FFF2-40B4-BE49-F238E27FC236}">
-                <a16:creationId xmlns:a16="http://schemas.microsoft.com/office/drawing/2014/main" id="{732F9379-E685-4908-8E17-0297375B74F6}"/>
+          <p:cNvPr id="177" name="Rectangle : coins arrondis 176">
+            <a:extLst>
+              <a:ext uri="{FF2B5EF4-FFF2-40B4-BE49-F238E27FC236}">
+                <a16:creationId xmlns:a16="http://schemas.microsoft.com/office/drawing/2014/main" id="{E80E4ED1-E4B3-4114-8C8F-E5F569821B03}"/>
               </a:ext>
             </a:extLst>
           </p:cNvPr>
@@ -3515,7 +3675,7 @@
         </p:nvSpPr>
         <p:spPr>
           <a:xfrm>
-            <a:off x="4732909" y="6445454"/>
+            <a:off x="8433828" y="6817920"/>
             <a:ext cx="1052047" cy="422255"/>
           </a:xfrm>
           <a:prstGeom prst="roundRect">
@@ -3561,10 +3721,10 @@
       </p:sp>
       <p:sp>
         <p:nvSpPr>
-          <p:cNvPr id="31" name="Rectangle : coins arrondis 30">
-            <a:extLst>
-              <a:ext uri="{FF2B5EF4-FFF2-40B4-BE49-F238E27FC236}">
-                <a16:creationId xmlns:a16="http://schemas.microsoft.com/office/drawing/2014/main" id="{4C4620ED-1E44-43C9-9182-34BD6C61C1F0}"/>
+          <p:cNvPr id="178" name="Rectangle : coins arrondis 177">
+            <a:extLst>
+              <a:ext uri="{FF2B5EF4-FFF2-40B4-BE49-F238E27FC236}">
+                <a16:creationId xmlns:a16="http://schemas.microsoft.com/office/drawing/2014/main" id="{AE0A72A9-FDA2-48C5-AB01-4639DA00E2B6}"/>
               </a:ext>
             </a:extLst>
           </p:cNvPr>
@@ -3573,7 +3733,7 @@
         </p:nvSpPr>
         <p:spPr>
           <a:xfrm>
-            <a:off x="10546571" y="6385890"/>
+            <a:off x="14247490" y="6758356"/>
             <a:ext cx="1052047" cy="422255"/>
           </a:xfrm>
           <a:prstGeom prst="roundRect">
@@ -3619,22 +3779,22 @@
       </p:sp>
       <p:cxnSp>
         <p:nvCxnSpPr>
-          <p:cNvPr id="33" name="Connecteur droit avec flèche 32">
-            <a:extLst>
-              <a:ext uri="{FF2B5EF4-FFF2-40B4-BE49-F238E27FC236}">
-                <a16:creationId xmlns:a16="http://schemas.microsoft.com/office/drawing/2014/main" id="{B01EA80F-5CFA-472C-8A2C-8386FFBFD474}"/>
+          <p:cNvPr id="179" name="Connecteur droit avec flèche 178">
+            <a:extLst>
+              <a:ext uri="{FF2B5EF4-FFF2-40B4-BE49-F238E27FC236}">
+                <a16:creationId xmlns:a16="http://schemas.microsoft.com/office/drawing/2014/main" id="{38932B77-4CF6-49A0-8FBB-9D842B94FA4B}"/>
               </a:ext>
             </a:extLst>
           </p:cNvPr>
           <p:cNvCxnSpPr>
-            <a:stCxn id="29" idx="2"/>
-            <a:endCxn id="7" idx="0"/>
+            <a:stCxn id="176" idx="2"/>
+            <a:endCxn id="170" idx="0"/>
           </p:cNvCxnSpPr>
           <p:nvPr/>
         </p:nvCxnSpPr>
         <p:spPr>
           <a:xfrm>
-            <a:off x="8065853" y="4848685"/>
+            <a:off x="11766771" y="5221149"/>
             <a:ext cx="0" cy="1651208"/>
           </a:xfrm>
           <a:prstGeom prst="straightConnector1">
@@ -3661,22 +3821,22 @@
       </p:cxnSp>
       <p:cxnSp>
         <p:nvCxnSpPr>
-          <p:cNvPr id="35" name="Connecteur droit avec flèche 34">
-            <a:extLst>
-              <a:ext uri="{FF2B5EF4-FFF2-40B4-BE49-F238E27FC236}">
-                <a16:creationId xmlns:a16="http://schemas.microsoft.com/office/drawing/2014/main" id="{4485D80F-DB2A-4B28-8556-744B8807B7C4}"/>
+          <p:cNvPr id="180" name="Connecteur droit avec flèche 179">
+            <a:extLst>
+              <a:ext uri="{FF2B5EF4-FFF2-40B4-BE49-F238E27FC236}">
+                <a16:creationId xmlns:a16="http://schemas.microsoft.com/office/drawing/2014/main" id="{3123E3AF-81E0-4213-AA8C-2ECABF25C2B9}"/>
               </a:ext>
             </a:extLst>
           </p:cNvPr>
           <p:cNvCxnSpPr>
-            <a:stCxn id="30" idx="2"/>
-            <a:endCxn id="6" idx="0"/>
+            <a:stCxn id="177" idx="2"/>
+            <a:endCxn id="169" idx="0"/>
           </p:cNvCxnSpPr>
           <p:nvPr/>
         </p:nvCxnSpPr>
         <p:spPr>
           <a:xfrm>
-            <a:off x="5258933" y="6867709"/>
+            <a:off x="8959853" y="7240175"/>
             <a:ext cx="5141" cy="1036887"/>
           </a:xfrm>
           <a:prstGeom prst="straightConnector1">
@@ -3703,10 +3863,10 @@
       </p:cxnSp>
       <p:sp>
         <p:nvSpPr>
-          <p:cNvPr id="38" name="ZoneTexte 37">
-            <a:extLst>
-              <a:ext uri="{FF2B5EF4-FFF2-40B4-BE49-F238E27FC236}">
-                <a16:creationId xmlns:a16="http://schemas.microsoft.com/office/drawing/2014/main" id="{496BE45F-DC32-4150-A65C-CDF3260ACBD5}"/>
+          <p:cNvPr id="181" name="ZoneTexte 180">
+            <a:extLst>
+              <a:ext uri="{FF2B5EF4-FFF2-40B4-BE49-F238E27FC236}">
+                <a16:creationId xmlns:a16="http://schemas.microsoft.com/office/drawing/2014/main" id="{731A68E0-C0AC-4831-9AF7-351DD32402BE}"/>
               </a:ext>
             </a:extLst>
           </p:cNvPr>
@@ -3715,7 +3875,7 @@
         </p:nvSpPr>
         <p:spPr>
           <a:xfrm>
-            <a:off x="7650296" y="5536100"/>
+            <a:off x="11351216" y="5908565"/>
             <a:ext cx="816539" cy="369332"/>
           </a:xfrm>
           <a:prstGeom prst="rect">
@@ -3767,10 +3927,10 @@
       </p:sp>
       <p:sp>
         <p:nvSpPr>
-          <p:cNvPr id="39" name="ZoneTexte 38">
-            <a:extLst>
-              <a:ext uri="{FF2B5EF4-FFF2-40B4-BE49-F238E27FC236}">
-                <a16:creationId xmlns:a16="http://schemas.microsoft.com/office/drawing/2014/main" id="{8B5BA3BD-0AAC-473D-B88C-8B46AE74383D}"/>
+          <p:cNvPr id="182" name="ZoneTexte 181">
+            <a:extLst>
+              <a:ext uri="{FF2B5EF4-FFF2-40B4-BE49-F238E27FC236}">
+                <a16:creationId xmlns:a16="http://schemas.microsoft.com/office/drawing/2014/main" id="{E1316BAD-6E0C-4FAC-85E1-95025F229AE5}"/>
               </a:ext>
             </a:extLst>
           </p:cNvPr>
@@ -3779,7 +3939,7 @@
         </p:nvSpPr>
         <p:spPr>
           <a:xfrm>
-            <a:off x="9961965" y="6936454"/>
+            <a:off x="13662883" y="7308918"/>
             <a:ext cx="1484002" cy="230832"/>
           </a:xfrm>
           <a:prstGeom prst="rect">
@@ -3829,10 +3989,10 @@
       </p:sp>
       <p:sp>
         <p:nvSpPr>
-          <p:cNvPr id="40" name="ZoneTexte 39">
-            <a:extLst>
-              <a:ext uri="{FF2B5EF4-FFF2-40B4-BE49-F238E27FC236}">
-                <a16:creationId xmlns:a16="http://schemas.microsoft.com/office/drawing/2014/main" id="{3076195A-7F1D-431A-B0E5-EC2BE1F94AED}"/>
+          <p:cNvPr id="183" name="ZoneTexte 182">
+            <a:extLst>
+              <a:ext uri="{FF2B5EF4-FFF2-40B4-BE49-F238E27FC236}">
+                <a16:creationId xmlns:a16="http://schemas.microsoft.com/office/drawing/2014/main" id="{3E7ECC55-36B1-4F18-B194-AA6B778ED13A}"/>
               </a:ext>
             </a:extLst>
           </p:cNvPr>
@@ -3841,7 +4001,7 @@
         </p:nvSpPr>
         <p:spPr>
           <a:xfrm>
-            <a:off x="4032602" y="7230965"/>
+            <a:off x="7733520" y="7603429"/>
             <a:ext cx="1484002" cy="230832"/>
           </a:xfrm>
           <a:prstGeom prst="rect">
@@ -3891,10 +4051,10 @@
       </p:sp>
       <p:sp>
         <p:nvSpPr>
-          <p:cNvPr id="28" name="Rectangle : coins arrondis 27">
-            <a:extLst>
-              <a:ext uri="{FF2B5EF4-FFF2-40B4-BE49-F238E27FC236}">
-                <a16:creationId xmlns:a16="http://schemas.microsoft.com/office/drawing/2014/main" id="{8D87F2C8-077D-49AA-8619-639C1004C1AC}"/>
+          <p:cNvPr id="184" name="Rectangle : coins arrondis 183">
+            <a:extLst>
+              <a:ext uri="{FF2B5EF4-FFF2-40B4-BE49-F238E27FC236}">
+                <a16:creationId xmlns:a16="http://schemas.microsoft.com/office/drawing/2014/main" id="{2FD9E12B-3155-4F61-B0B5-D527FA99387D}"/>
               </a:ext>
             </a:extLst>
           </p:cNvPr>
@@ -3903,7 +4063,7 @@
         </p:nvSpPr>
         <p:spPr>
           <a:xfrm>
-            <a:off x="1593273" y="7913220"/>
+            <a:off x="5294191" y="8285684"/>
             <a:ext cx="1212240" cy="697636"/>
           </a:xfrm>
           <a:prstGeom prst="roundRect">
@@ -3961,23 +4121,23 @@
       </p:sp>
       <p:cxnSp>
         <p:nvCxnSpPr>
-          <p:cNvPr id="8" name="Connecteur droit avec flèche 7">
-            <a:extLst>
-              <a:ext uri="{FF2B5EF4-FFF2-40B4-BE49-F238E27FC236}">
-                <a16:creationId xmlns:a16="http://schemas.microsoft.com/office/drawing/2014/main" id="{9725A580-94F2-45E5-A269-67E36419E019}"/>
+          <p:cNvPr id="185" name="Connecteur droit avec flèche 184">
+            <a:extLst>
+              <a:ext uri="{FF2B5EF4-FFF2-40B4-BE49-F238E27FC236}">
+                <a16:creationId xmlns:a16="http://schemas.microsoft.com/office/drawing/2014/main" id="{521EF8A7-1467-4054-936F-F2998DBD7D84}"/>
               </a:ext>
             </a:extLst>
           </p:cNvPr>
           <p:cNvCxnSpPr>
             <a:cxnSpLocks/>
-            <a:stCxn id="6" idx="1"/>
-            <a:endCxn id="28" idx="3"/>
+            <a:stCxn id="169" idx="1"/>
+            <a:endCxn id="184" idx="3"/>
           </p:cNvCxnSpPr>
           <p:nvPr/>
         </p:nvCxnSpPr>
         <p:spPr>
           <a:xfrm flipH="1">
-            <a:off x="2805513" y="8253414"/>
+            <a:off x="6506433" y="8625878"/>
             <a:ext cx="1932537" cy="8624"/>
           </a:xfrm>
           <a:prstGeom prst="straightConnector1">
@@ -4004,10 +4164,10 @@
       </p:cxnSp>
       <p:sp>
         <p:nvSpPr>
-          <p:cNvPr id="32" name="ZoneTexte 31">
-            <a:extLst>
-              <a:ext uri="{FF2B5EF4-FFF2-40B4-BE49-F238E27FC236}">
-                <a16:creationId xmlns:a16="http://schemas.microsoft.com/office/drawing/2014/main" id="{27F7F63B-8AFA-4C47-A8D2-5AB1EF472296}"/>
+          <p:cNvPr id="186" name="ZoneTexte 185">
+            <a:extLst>
+              <a:ext uri="{FF2B5EF4-FFF2-40B4-BE49-F238E27FC236}">
+                <a16:creationId xmlns:a16="http://schemas.microsoft.com/office/drawing/2014/main" id="{7598E8A8-F00B-4C76-84C2-80DDD2613754}"/>
               </a:ext>
             </a:extLst>
           </p:cNvPr>
@@ -4016,7 +4176,7 @@
         </p:nvSpPr>
         <p:spPr>
           <a:xfrm>
-            <a:off x="3075872" y="7972865"/>
+            <a:off x="6776790" y="8345329"/>
             <a:ext cx="1484002" cy="230832"/>
           </a:xfrm>
           <a:prstGeom prst="rect">
@@ -4066,10 +4226,10 @@
       </p:sp>
       <p:sp>
         <p:nvSpPr>
-          <p:cNvPr id="43" name="Rectangle : coins arrondis 42">
-            <a:extLst>
-              <a:ext uri="{FF2B5EF4-FFF2-40B4-BE49-F238E27FC236}">
-                <a16:creationId xmlns:a16="http://schemas.microsoft.com/office/drawing/2014/main" id="{0FF70E2D-B413-47C2-B3B6-5D51CF32D738}"/>
+          <p:cNvPr id="187" name="Rectangle : coins arrondis 186">
+            <a:extLst>
+              <a:ext uri="{FF2B5EF4-FFF2-40B4-BE49-F238E27FC236}">
+                <a16:creationId xmlns:a16="http://schemas.microsoft.com/office/drawing/2014/main" id="{4BDB9960-D7C9-4A59-9018-017BC89C4E73}"/>
               </a:ext>
             </a:extLst>
           </p:cNvPr>
@@ -4078,7 +4238,7 @@
         </p:nvSpPr>
         <p:spPr>
           <a:xfrm>
-            <a:off x="11951211" y="3975026"/>
+            <a:off x="15652130" y="4347490"/>
             <a:ext cx="1052047" cy="757574"/>
           </a:xfrm>
           <a:prstGeom prst="roundRect">
@@ -4124,10 +4284,10 @@
       </p:sp>
       <p:sp>
         <p:nvSpPr>
-          <p:cNvPr id="45" name="ZoneTexte 44">
-            <a:extLst>
-              <a:ext uri="{FF2B5EF4-FFF2-40B4-BE49-F238E27FC236}">
-                <a16:creationId xmlns:a16="http://schemas.microsoft.com/office/drawing/2014/main" id="{72C10DD9-B5FA-4092-B231-56D64ACEE75B}"/>
+          <p:cNvPr id="188" name="ZoneTexte 187">
+            <a:extLst>
+              <a:ext uri="{FF2B5EF4-FFF2-40B4-BE49-F238E27FC236}">
+                <a16:creationId xmlns:a16="http://schemas.microsoft.com/office/drawing/2014/main" id="{00257110-488A-44DB-9583-4F33036A9EC6}"/>
               </a:ext>
             </a:extLst>
           </p:cNvPr>
@@ -4136,8 +4296,8 @@
         </p:nvSpPr>
         <p:spPr>
           <a:xfrm>
-            <a:off x="11562715" y="4869876"/>
-            <a:ext cx="935174" cy="379480"/>
+            <a:off x="15263633" y="5242340"/>
+            <a:ext cx="935174" cy="369332"/>
           </a:xfrm>
           <a:prstGeom prst="rect">
             <a:avLst/>
@@ -4186,10 +4346,10 @@
       </p:sp>
       <p:sp>
         <p:nvSpPr>
-          <p:cNvPr id="46" name="Rectangle : coins arrondis 45">
-            <a:extLst>
-              <a:ext uri="{FF2B5EF4-FFF2-40B4-BE49-F238E27FC236}">
-                <a16:creationId xmlns:a16="http://schemas.microsoft.com/office/drawing/2014/main" id="{73641CA4-241D-4A02-AE6A-E22A9BBB4D0A}"/>
+          <p:cNvPr id="189" name="Rectangle : coins arrondis 188">
+            <a:extLst>
+              <a:ext uri="{FF2B5EF4-FFF2-40B4-BE49-F238E27FC236}">
+                <a16:creationId xmlns:a16="http://schemas.microsoft.com/office/drawing/2014/main" id="{9C5E7140-4D1C-4F86-88DD-15F6A4F3245F}"/>
               </a:ext>
             </a:extLst>
           </p:cNvPr>
@@ -4198,7 +4358,7 @@
         </p:nvSpPr>
         <p:spPr>
           <a:xfrm>
-            <a:off x="11965597" y="2641420"/>
+            <a:off x="15666516" y="3013885"/>
             <a:ext cx="1023273" cy="507599"/>
           </a:xfrm>
           <a:prstGeom prst="roundRect">
@@ -4256,23 +4416,23 @@
       </p:sp>
       <p:cxnSp>
         <p:nvCxnSpPr>
-          <p:cNvPr id="47" name="Connecteur droit avec flèche 46">
-            <a:extLst>
-              <a:ext uri="{FF2B5EF4-FFF2-40B4-BE49-F238E27FC236}">
-                <a16:creationId xmlns:a16="http://schemas.microsoft.com/office/drawing/2014/main" id="{09D5B738-59A7-40F8-B2FD-BE0A16638CA8}"/>
+          <p:cNvPr id="190" name="Connecteur droit avec flèche 189">
+            <a:extLst>
+              <a:ext uri="{FF2B5EF4-FFF2-40B4-BE49-F238E27FC236}">
+                <a16:creationId xmlns:a16="http://schemas.microsoft.com/office/drawing/2014/main" id="{01FB7073-A109-4069-85B2-5A7E9F1E4D4C}"/>
               </a:ext>
             </a:extLst>
           </p:cNvPr>
           <p:cNvCxnSpPr>
             <a:cxnSpLocks/>
-            <a:stCxn id="43" idx="0"/>
-            <a:endCxn id="46" idx="2"/>
+            <a:stCxn id="187" idx="0"/>
+            <a:endCxn id="189" idx="2"/>
           </p:cNvCxnSpPr>
           <p:nvPr/>
         </p:nvCxnSpPr>
         <p:spPr>
           <a:xfrm flipH="1" flipV="1">
-            <a:off x="12477234" y="3149019"/>
+            <a:off x="16178153" y="3521484"/>
             <a:ext cx="1" cy="826007"/>
           </a:xfrm>
           <a:prstGeom prst="straightConnector1">
@@ -4299,10 +4459,10 @@
       </p:cxnSp>
       <p:sp>
         <p:nvSpPr>
-          <p:cNvPr id="48" name="ZoneTexte 47">
-            <a:extLst>
-              <a:ext uri="{FF2B5EF4-FFF2-40B4-BE49-F238E27FC236}">
-                <a16:creationId xmlns:a16="http://schemas.microsoft.com/office/drawing/2014/main" id="{39CD79DF-0377-4533-AB16-2A17FCC635E3}"/>
+          <p:cNvPr id="191" name="ZoneTexte 190">
+            <a:extLst>
+              <a:ext uri="{FF2B5EF4-FFF2-40B4-BE49-F238E27FC236}">
+                <a16:creationId xmlns:a16="http://schemas.microsoft.com/office/drawing/2014/main" id="{DFB15768-1485-4EF4-B247-B7E90FFABB95}"/>
               </a:ext>
             </a:extLst>
           </p:cNvPr>
@@ -4311,7 +4471,7 @@
         </p:nvSpPr>
         <p:spPr>
           <a:xfrm>
-            <a:off x="12259894" y="3420045"/>
+            <a:off x="15960813" y="3792509"/>
             <a:ext cx="1398361" cy="230832"/>
           </a:xfrm>
           <a:prstGeom prst="rect">
@@ -4349,23 +4509,23 @@
       </p:sp>
       <p:cxnSp>
         <p:nvCxnSpPr>
-          <p:cNvPr id="59" name="Connecteur : en arc 58">
-            <a:extLst>
-              <a:ext uri="{FF2B5EF4-FFF2-40B4-BE49-F238E27FC236}">
-                <a16:creationId xmlns:a16="http://schemas.microsoft.com/office/drawing/2014/main" id="{190ED822-DB24-4407-AE82-5EC594217E66}"/>
+          <p:cNvPr id="192" name="Connecteur : en arc 191">
+            <a:extLst>
+              <a:ext uri="{FF2B5EF4-FFF2-40B4-BE49-F238E27FC236}">
+                <a16:creationId xmlns:a16="http://schemas.microsoft.com/office/drawing/2014/main" id="{C98DE3D7-314A-46EC-908E-9C7D5339628C}"/>
               </a:ext>
             </a:extLst>
           </p:cNvPr>
           <p:cNvCxnSpPr>
             <a:cxnSpLocks/>
-            <a:stCxn id="31" idx="2"/>
-            <a:endCxn id="5" idx="0"/>
+            <a:stCxn id="178" idx="2"/>
+            <a:endCxn id="168" idx="0"/>
           </p:cNvCxnSpPr>
           <p:nvPr/>
         </p:nvCxnSpPr>
         <p:spPr>
           <a:xfrm rot="16200000" flipH="1">
-            <a:off x="11063633" y="6817107"/>
+            <a:off x="14764551" y="7189571"/>
             <a:ext cx="1095948" cy="1078024"/>
           </a:xfrm>
           <a:prstGeom prst="curvedConnector3">
@@ -4394,27 +4554,29 @@
       </p:cxnSp>
       <p:cxnSp>
         <p:nvCxnSpPr>
-          <p:cNvPr id="62" name="Connecteur : en arc 61">
-            <a:extLst>
-              <a:ext uri="{FF2B5EF4-FFF2-40B4-BE49-F238E27FC236}">
-                <a16:creationId xmlns:a16="http://schemas.microsoft.com/office/drawing/2014/main" id="{9A2C2E1B-8175-4FD0-A548-987C7050AF60}"/>
+          <p:cNvPr id="193" name="Connecteur : en arc 192">
+            <a:extLst>
+              <a:ext uri="{FF2B5EF4-FFF2-40B4-BE49-F238E27FC236}">
+                <a16:creationId xmlns:a16="http://schemas.microsoft.com/office/drawing/2014/main" id="{5A71A93B-8E94-4A45-9E2F-B8F8D39CBC14}"/>
               </a:ext>
             </a:extLst>
           </p:cNvPr>
           <p:cNvCxnSpPr>
             <a:cxnSpLocks/>
-            <a:stCxn id="5" idx="0"/>
-            <a:endCxn id="109" idx="2"/>
+            <a:stCxn id="231" idx="2"/>
+            <a:endCxn id="206" idx="0"/>
           </p:cNvCxnSpPr>
           <p:nvPr/>
         </p:nvCxnSpPr>
         <p:spPr>
-          <a:xfrm rot="5400000" flipH="1" flipV="1">
-            <a:off x="12052138" y="5970584"/>
-            <a:ext cx="2031991" cy="1835028"/>
+          <a:xfrm rot="5400000">
+            <a:off x="26444307" y="12007947"/>
+            <a:ext cx="1253595" cy="1407275"/>
           </a:xfrm>
           <a:prstGeom prst="curvedConnector3">
-            <a:avLst/>
+            <a:avLst>
+              <a:gd name="adj1" fmla="val 50000"/>
+            </a:avLst>
           </a:prstGeom>
           <a:ln>
             <a:tailEnd type="triangle"/>
@@ -4437,10 +4599,10 @@
       </p:cxnSp>
       <p:sp>
         <p:nvSpPr>
-          <p:cNvPr id="69" name="ZoneTexte 68">
-            <a:extLst>
-              <a:ext uri="{FF2B5EF4-FFF2-40B4-BE49-F238E27FC236}">
-                <a16:creationId xmlns:a16="http://schemas.microsoft.com/office/drawing/2014/main" id="{756E2F83-2CCA-47FC-9A15-D2353E6E9B74}"/>
+          <p:cNvPr id="194" name="ZoneTexte 193">
+            <a:extLst>
+              <a:ext uri="{FF2B5EF4-FFF2-40B4-BE49-F238E27FC236}">
+                <a16:creationId xmlns:a16="http://schemas.microsoft.com/office/drawing/2014/main" id="{DE31ABE2-5744-4594-8398-537BAE1C48CD}"/>
               </a:ext>
             </a:extLst>
           </p:cNvPr>
@@ -4449,8 +4611,8 @@
         </p:nvSpPr>
         <p:spPr>
           <a:xfrm>
-            <a:off x="13097049" y="6320296"/>
-            <a:ext cx="710871" cy="369332"/>
+            <a:off x="26630573" y="12753057"/>
+            <a:ext cx="1188905" cy="230832"/>
           </a:xfrm>
           <a:prstGeom prst="rect">
             <a:avLst/>
@@ -4484,10 +4646,10 @@
       </p:sp>
       <p:sp>
         <p:nvSpPr>
-          <p:cNvPr id="70" name="Rectangle : coins arrondis 69">
-            <a:extLst>
-              <a:ext uri="{FF2B5EF4-FFF2-40B4-BE49-F238E27FC236}">
-                <a16:creationId xmlns:a16="http://schemas.microsoft.com/office/drawing/2014/main" id="{2341C5C7-0044-46EA-87F7-1C62846BD5ED}"/>
+          <p:cNvPr id="195" name="Rectangle : coins arrondis 194">
+            <a:extLst>
+              <a:ext uri="{FF2B5EF4-FFF2-40B4-BE49-F238E27FC236}">
+                <a16:creationId xmlns:a16="http://schemas.microsoft.com/office/drawing/2014/main" id="{7CC0E68F-ADE3-4A82-A5D3-FDF5BAC2C7A1}"/>
               </a:ext>
             </a:extLst>
           </p:cNvPr>
@@ -4496,7 +4658,7 @@
         </p:nvSpPr>
         <p:spPr>
           <a:xfrm>
-            <a:off x="14698980" y="5837119"/>
+            <a:off x="30361634" y="9403712"/>
             <a:ext cx="994078" cy="678712"/>
           </a:xfrm>
           <a:prstGeom prst="roundRect">
@@ -4554,10 +4716,10 @@
       </p:sp>
       <p:cxnSp>
         <p:nvCxnSpPr>
-          <p:cNvPr id="72" name="Connecteur droit avec flèche 71">
-            <a:extLst>
-              <a:ext uri="{FF2B5EF4-FFF2-40B4-BE49-F238E27FC236}">
-                <a16:creationId xmlns:a16="http://schemas.microsoft.com/office/drawing/2014/main" id="{5489C02A-1F9D-439F-B5AC-BCCAAAE0524D}"/>
+          <p:cNvPr id="196" name="Connecteur droit avec flèche 195">
+            <a:extLst>
+              <a:ext uri="{FF2B5EF4-FFF2-40B4-BE49-F238E27FC236}">
+                <a16:creationId xmlns:a16="http://schemas.microsoft.com/office/drawing/2014/main" id="{7F6787F7-A740-4985-8422-D8249091F29F}"/>
               </a:ext>
             </a:extLst>
           </p:cNvPr>
@@ -4568,8 +4730,8 @@
         </p:nvCxnSpPr>
         <p:spPr>
           <a:xfrm flipV="1">
-            <a:off x="12633757" y="6499893"/>
-            <a:ext cx="2065223" cy="1472972"/>
+            <a:off x="28264856" y="10035005"/>
+            <a:ext cx="2139623" cy="1381512"/>
           </a:xfrm>
           <a:prstGeom prst="straightConnector1">
             <a:avLst/>
@@ -4595,10 +4757,10 @@
       </p:cxnSp>
       <p:sp>
         <p:nvSpPr>
-          <p:cNvPr id="80" name="ZoneTexte 79">
-            <a:extLst>
-              <a:ext uri="{FF2B5EF4-FFF2-40B4-BE49-F238E27FC236}">
-                <a16:creationId xmlns:a16="http://schemas.microsoft.com/office/drawing/2014/main" id="{CEA43F8E-DB2F-4044-A1C8-6271FCD386E4}"/>
+          <p:cNvPr id="197" name="ZoneTexte 196">
+            <a:extLst>
+              <a:ext uri="{FF2B5EF4-FFF2-40B4-BE49-F238E27FC236}">
+                <a16:creationId xmlns:a16="http://schemas.microsoft.com/office/drawing/2014/main" id="{49ADF825-BDF5-4C39-BB0A-40AA4FE051B5}"/>
               </a:ext>
             </a:extLst>
           </p:cNvPr>
@@ -4607,7 +4769,7 @@
         </p:nvSpPr>
         <p:spPr>
           <a:xfrm>
-            <a:off x="14091127" y="6632220"/>
+            <a:off x="28920995" y="10131079"/>
             <a:ext cx="1484002" cy="230832"/>
           </a:xfrm>
           <a:prstGeom prst="rect">
@@ -4633,10 +4795,10 @@
       </p:sp>
       <p:sp>
         <p:nvSpPr>
-          <p:cNvPr id="88" name="ZoneTexte 87">
-            <a:extLst>
-              <a:ext uri="{FF2B5EF4-FFF2-40B4-BE49-F238E27FC236}">
-                <a16:creationId xmlns:a16="http://schemas.microsoft.com/office/drawing/2014/main" id="{2E13A310-6274-4B4A-AA75-7014913EA80B}"/>
+          <p:cNvPr id="198" name="ZoneTexte 197">
+            <a:extLst>
+              <a:ext uri="{FF2B5EF4-FFF2-40B4-BE49-F238E27FC236}">
+                <a16:creationId xmlns:a16="http://schemas.microsoft.com/office/drawing/2014/main" id="{90567517-98DD-4113-AFB5-1CBD29ED2DA0}"/>
               </a:ext>
             </a:extLst>
           </p:cNvPr>
@@ -4645,7 +4807,7 @@
         </p:nvSpPr>
         <p:spPr>
           <a:xfrm>
-            <a:off x="14395054" y="7330796"/>
+            <a:off x="30019174" y="10856993"/>
             <a:ext cx="1484002" cy="230832"/>
           </a:xfrm>
           <a:prstGeom prst="rect">
@@ -4674,10 +4836,10 @@
       </p:sp>
       <p:sp>
         <p:nvSpPr>
-          <p:cNvPr id="90" name="ZoneTexte 89">
-            <a:extLst>
-              <a:ext uri="{FF2B5EF4-FFF2-40B4-BE49-F238E27FC236}">
-                <a16:creationId xmlns:a16="http://schemas.microsoft.com/office/drawing/2014/main" id="{7FFD7514-3D7F-41C5-BEB9-73285905C256}"/>
+          <p:cNvPr id="199" name="ZoneTexte 198">
+            <a:extLst>
+              <a:ext uri="{FF2B5EF4-FFF2-40B4-BE49-F238E27FC236}">
+                <a16:creationId xmlns:a16="http://schemas.microsoft.com/office/drawing/2014/main" id="{E53D63A6-A381-4C18-A29B-E152801F8649}"/>
               </a:ext>
             </a:extLst>
           </p:cNvPr>
@@ -4686,7 +4848,7 @@
         </p:nvSpPr>
         <p:spPr>
           <a:xfrm>
-            <a:off x="15492077" y="7459973"/>
+            <a:off x="31116197" y="10986170"/>
             <a:ext cx="994078" cy="230832"/>
           </a:xfrm>
           <a:prstGeom prst="rect">
@@ -4712,10 +4874,10 @@
       </p:sp>
       <p:sp>
         <p:nvSpPr>
-          <p:cNvPr id="91" name="Rectangle : coins arrondis 90">
-            <a:extLst>
-              <a:ext uri="{FF2B5EF4-FFF2-40B4-BE49-F238E27FC236}">
-                <a16:creationId xmlns:a16="http://schemas.microsoft.com/office/drawing/2014/main" id="{2A53B3E5-DF2A-499D-8B5F-D33739F8B0E7}"/>
+          <p:cNvPr id="200" name="Rectangle : coins arrondis 199">
+            <a:extLst>
+              <a:ext uri="{FF2B5EF4-FFF2-40B4-BE49-F238E27FC236}">
+                <a16:creationId xmlns:a16="http://schemas.microsoft.com/office/drawing/2014/main" id="{88832798-9E8F-418C-8877-3DC6A596E57C}"/>
               </a:ext>
             </a:extLst>
           </p:cNvPr>
@@ -4724,7 +4886,7 @@
         </p:nvSpPr>
         <p:spPr>
           <a:xfrm>
-            <a:off x="10021465" y="9850244"/>
+            <a:off x="13496759" y="11847289"/>
             <a:ext cx="933049" cy="668273"/>
           </a:xfrm>
           <a:prstGeom prst="roundRect">
@@ -4782,23 +4944,24 @@
       </p:sp>
       <p:cxnSp>
         <p:nvCxnSpPr>
-          <p:cNvPr id="94" name="Connecteur : en arc 93">
-            <a:extLst>
-              <a:ext uri="{FF2B5EF4-FFF2-40B4-BE49-F238E27FC236}">
-                <a16:creationId xmlns:a16="http://schemas.microsoft.com/office/drawing/2014/main" id="{18A242F5-5E42-4F83-8C3F-43BC170559D9}"/>
+          <p:cNvPr id="201" name="Connecteur : en arc 200">
+            <a:extLst>
+              <a:ext uri="{FF2B5EF4-FFF2-40B4-BE49-F238E27FC236}">
+                <a16:creationId xmlns:a16="http://schemas.microsoft.com/office/drawing/2014/main" id="{D7DA70F6-2548-4602-8B6E-2C8564FF25FC}"/>
               </a:ext>
             </a:extLst>
           </p:cNvPr>
           <p:cNvCxnSpPr>
-            <a:stCxn id="91" idx="0"/>
-            <a:endCxn id="5" idx="2"/>
+            <a:cxnSpLocks/>
+            <a:stCxn id="228" idx="0"/>
+            <a:endCxn id="168" idx="2"/>
           </p:cNvCxnSpPr>
           <p:nvPr/>
         </p:nvCxnSpPr>
         <p:spPr>
           <a:xfrm rot="5400000" flipH="1" flipV="1">
-            <a:off x="10695047" y="8394673"/>
-            <a:ext cx="1248515" cy="1662629"/>
+            <a:off x="14257020" y="8680457"/>
+            <a:ext cx="1300783" cy="1888256"/>
           </a:xfrm>
           <a:prstGeom prst="curvedConnector3">
             <a:avLst/>
@@ -4824,23 +4987,24 @@
       </p:cxnSp>
       <p:cxnSp>
         <p:nvCxnSpPr>
-          <p:cNvPr id="96" name="Connecteur : en arc 95">
-            <a:extLst>
-              <a:ext uri="{FF2B5EF4-FFF2-40B4-BE49-F238E27FC236}">
-                <a16:creationId xmlns:a16="http://schemas.microsoft.com/office/drawing/2014/main" id="{10927DEA-789C-49CC-8861-C18574AF7C93}"/>
+          <p:cNvPr id="202" name="Connecteur : en arc 201">
+            <a:extLst>
+              <a:ext uri="{FF2B5EF4-FFF2-40B4-BE49-F238E27FC236}">
+                <a16:creationId xmlns:a16="http://schemas.microsoft.com/office/drawing/2014/main" id="{99404313-E9CA-4B26-A321-ADAA391ADB51}"/>
               </a:ext>
             </a:extLst>
           </p:cNvPr>
           <p:cNvCxnSpPr>
-            <a:stCxn id="12" idx="0"/>
-            <a:endCxn id="5" idx="2"/>
+            <a:cxnSpLocks/>
+            <a:stCxn id="171" idx="0"/>
+            <a:endCxn id="231" idx="2"/>
           </p:cNvCxnSpPr>
           <p:nvPr/>
         </p:nvCxnSpPr>
         <p:spPr>
           <a:xfrm rot="16200000" flipV="1">
-            <a:off x="12406527" y="8345821"/>
-            <a:ext cx="1248516" cy="1760332"/>
+            <a:off x="28009079" y="11850450"/>
+            <a:ext cx="1291657" cy="1760332"/>
           </a:xfrm>
           <a:prstGeom prst="curvedConnector3">
             <a:avLst/>
@@ -4866,10 +5030,10 @@
       </p:cxnSp>
       <p:sp>
         <p:nvSpPr>
-          <p:cNvPr id="99" name="ZoneTexte 98">
-            <a:extLst>
-              <a:ext uri="{FF2B5EF4-FFF2-40B4-BE49-F238E27FC236}">
-                <a16:creationId xmlns:a16="http://schemas.microsoft.com/office/drawing/2014/main" id="{1CA5D910-A5E3-4C64-B8D1-DBECE924631B}"/>
+          <p:cNvPr id="203" name="ZoneTexte 202">
+            <a:extLst>
+              <a:ext uri="{FF2B5EF4-FFF2-40B4-BE49-F238E27FC236}">
+                <a16:creationId xmlns:a16="http://schemas.microsoft.com/office/drawing/2014/main" id="{288846A5-B3D8-4869-88F4-A1DFB67527F9}"/>
               </a:ext>
             </a:extLst>
           </p:cNvPr>
@@ -4878,7 +5042,7 @@
         </p:nvSpPr>
         <p:spPr>
           <a:xfrm>
-            <a:off x="11060238" y="8791864"/>
+            <a:off x="14794689" y="9166937"/>
             <a:ext cx="902262" cy="230832"/>
           </a:xfrm>
           <a:prstGeom prst="rect">
@@ -4897,31 +5061,40 @@
               <a:rPr lang="fr-FR" sz="900" i="1" dirty="0">
                 <a:latin typeface="Gill Sans Nova" panose="020B0602020104020203" pitchFamily="34" charset="0"/>
               </a:rPr>
-              <a:t>P128 carries</a:t>
-            </a:r>
+              <a:t>R4 </a:t>
+            </a:r>
+            <a:r>
+              <a:rPr lang="fr-FR" sz="900" i="1" dirty="0" err="1">
+                <a:latin typeface="Gill Sans Nova" panose="020B0602020104020203" pitchFamily="34" charset="0"/>
+              </a:rPr>
+              <a:t>embodies</a:t>
+            </a:r>
+            <a:endParaRPr lang="fr-FR" sz="900" i="1" dirty="0">
+              <a:latin typeface="Gill Sans Nova" panose="020B0602020104020203" pitchFamily="34" charset="0"/>
+            </a:endParaRPr>
           </a:p>
         </p:txBody>
       </p:sp>
       <p:cxnSp>
         <p:nvCxnSpPr>
-          <p:cNvPr id="103" name="Connecteur : en arc 102">
-            <a:extLst>
-              <a:ext uri="{FF2B5EF4-FFF2-40B4-BE49-F238E27FC236}">
-                <a16:creationId xmlns:a16="http://schemas.microsoft.com/office/drawing/2014/main" id="{EBEFF779-D462-4647-B9D8-64C832401BA0}"/>
+          <p:cNvPr id="204" name="Connecteur : en arc 203">
+            <a:extLst>
+              <a:ext uri="{FF2B5EF4-FFF2-40B4-BE49-F238E27FC236}">
+                <a16:creationId xmlns:a16="http://schemas.microsoft.com/office/drawing/2014/main" id="{833FA8D6-0A7B-4889-9D4B-6B5F295C0D26}"/>
               </a:ext>
             </a:extLst>
           </p:cNvPr>
           <p:cNvCxnSpPr>
             <a:cxnSpLocks/>
-            <a:stCxn id="5" idx="3"/>
-            <a:endCxn id="90" idx="1"/>
+            <a:stCxn id="231" idx="3"/>
+            <a:endCxn id="199" idx="1"/>
           </p:cNvCxnSpPr>
           <p:nvPr/>
         </p:nvCxnSpPr>
         <p:spPr>
           <a:xfrm flipV="1">
-            <a:off x="12676642" y="7575389"/>
-            <a:ext cx="2815435" cy="677522"/>
+            <a:off x="28300764" y="11101586"/>
+            <a:ext cx="2815433" cy="634383"/>
           </a:xfrm>
           <a:prstGeom prst="curvedConnector3">
             <a:avLst/>
@@ -4947,24 +5120,24 @@
       </p:cxnSp>
       <p:cxnSp>
         <p:nvCxnSpPr>
-          <p:cNvPr id="108" name="Connecteur : en arc 107">
-            <a:extLst>
-              <a:ext uri="{FF2B5EF4-FFF2-40B4-BE49-F238E27FC236}">
-                <a16:creationId xmlns:a16="http://schemas.microsoft.com/office/drawing/2014/main" id="{55AF4389-DEED-4A19-B4F5-35BB7D692DE3}"/>
+          <p:cNvPr id="205" name="Connecteur : en arc 204">
+            <a:extLst>
+              <a:ext uri="{FF2B5EF4-FFF2-40B4-BE49-F238E27FC236}">
+                <a16:creationId xmlns:a16="http://schemas.microsoft.com/office/drawing/2014/main" id="{7DCDAD97-9EF3-4F95-95D6-F665C119AE3E}"/>
               </a:ext>
             </a:extLst>
           </p:cNvPr>
           <p:cNvCxnSpPr>
             <a:cxnSpLocks/>
-            <a:stCxn id="5" idx="3"/>
-            <a:endCxn id="54" idx="1"/>
+            <a:stCxn id="231" idx="3"/>
+            <a:endCxn id="208" idx="1"/>
           </p:cNvCxnSpPr>
           <p:nvPr/>
         </p:nvCxnSpPr>
         <p:spPr>
           <a:xfrm>
-            <a:off x="12676642" y="8252911"/>
-            <a:ext cx="2829658" cy="348818"/>
+            <a:off x="28300764" y="11735969"/>
+            <a:ext cx="2829658" cy="391957"/>
           </a:xfrm>
           <a:prstGeom prst="curvedConnector3">
             <a:avLst/>
@@ -4990,10 +5163,10 @@
       </p:cxnSp>
       <p:sp>
         <p:nvSpPr>
-          <p:cNvPr id="109" name="Rectangle : coins arrondis 108">
-            <a:extLst>
-              <a:ext uri="{FF2B5EF4-FFF2-40B4-BE49-F238E27FC236}">
-                <a16:creationId xmlns:a16="http://schemas.microsoft.com/office/drawing/2014/main" id="{31DC8A48-DB36-4C0D-AF75-917F1816AAED}"/>
+          <p:cNvPr id="206" name="Rectangle : coins arrondis 205">
+            <a:extLst>
+              <a:ext uri="{FF2B5EF4-FFF2-40B4-BE49-F238E27FC236}">
+                <a16:creationId xmlns:a16="http://schemas.microsoft.com/office/drawing/2014/main" id="{E4039BB5-701B-46E9-92D7-70BBAF4F38B5}"/>
               </a:ext>
             </a:extLst>
           </p:cNvPr>
@@ -5002,7 +5175,7 @@
         </p:nvSpPr>
         <p:spPr>
           <a:xfrm>
-            <a:off x="13459623" y="5165768"/>
+            <a:off x="25841442" y="13338382"/>
             <a:ext cx="1052047" cy="706334"/>
           </a:xfrm>
           <a:prstGeom prst="roundRect">
@@ -5113,10 +5286,10 @@
       </p:sp>
       <p:sp>
         <p:nvSpPr>
-          <p:cNvPr id="110" name="ZoneTexte 109">
-            <a:extLst>
-              <a:ext uri="{FF2B5EF4-FFF2-40B4-BE49-F238E27FC236}">
-                <a16:creationId xmlns:a16="http://schemas.microsoft.com/office/drawing/2014/main" id="{DD57F8F9-4A85-4DFA-AEAB-766E2C71021A}"/>
+          <p:cNvPr id="207" name="ZoneTexte 206">
+            <a:extLst>
+              <a:ext uri="{FF2B5EF4-FFF2-40B4-BE49-F238E27FC236}">
+                <a16:creationId xmlns:a16="http://schemas.microsoft.com/office/drawing/2014/main" id="{41DE21A8-11FC-4CBA-8B85-F8B2B7008831}"/>
               </a:ext>
             </a:extLst>
           </p:cNvPr>
@@ -5125,7 +5298,7 @@
         </p:nvSpPr>
         <p:spPr>
           <a:xfrm>
-            <a:off x="14209056" y="8601728"/>
+            <a:off x="29833176" y="12127925"/>
             <a:ext cx="1484002" cy="230832"/>
           </a:xfrm>
           <a:prstGeom prst="rect">
@@ -5151,10 +5324,10 @@
       </p:sp>
       <p:sp>
         <p:nvSpPr>
-          <p:cNvPr id="54" name="Rectangle : coins arrondis 53">
-            <a:extLst>
-              <a:ext uri="{FF2B5EF4-FFF2-40B4-BE49-F238E27FC236}">
-                <a16:creationId xmlns:a16="http://schemas.microsoft.com/office/drawing/2014/main" id="{4063600F-E445-472B-93CB-10D4AB9D038E}"/>
+          <p:cNvPr id="208" name="Rectangle : coins arrondis 207">
+            <a:extLst>
+              <a:ext uri="{FF2B5EF4-FFF2-40B4-BE49-F238E27FC236}">
+                <a16:creationId xmlns:a16="http://schemas.microsoft.com/office/drawing/2014/main" id="{A310CA26-2EFE-4699-A1D0-87A5D9989889}"/>
               </a:ext>
             </a:extLst>
           </p:cNvPr>
@@ -5163,7 +5336,7 @@
         </p:nvSpPr>
         <p:spPr>
           <a:xfrm>
-            <a:off x="15506300" y="8248562"/>
+            <a:off x="31130422" y="11774759"/>
             <a:ext cx="1052047" cy="706334"/>
           </a:xfrm>
           <a:prstGeom prst="roundRect">
@@ -5239,10 +5412,10 @@
       </p:sp>
       <p:sp>
         <p:nvSpPr>
-          <p:cNvPr id="56" name="Rectangle : coins arrondis 55">
-            <a:extLst>
-              <a:ext uri="{FF2B5EF4-FFF2-40B4-BE49-F238E27FC236}">
-                <a16:creationId xmlns:a16="http://schemas.microsoft.com/office/drawing/2014/main" id="{C75AA2B1-BF99-4BA6-9C94-80FB1CD6E70C}"/>
+          <p:cNvPr id="209" name="Rectangle : coins arrondis 208">
+            <a:extLst>
+              <a:ext uri="{FF2B5EF4-FFF2-40B4-BE49-F238E27FC236}">
+                <a16:creationId xmlns:a16="http://schemas.microsoft.com/office/drawing/2014/main" id="{97A12DA5-585E-4CC9-B2CD-D994D8CEC126}"/>
               </a:ext>
             </a:extLst>
           </p:cNvPr>
@@ -5251,7 +5424,7 @@
         </p:nvSpPr>
         <p:spPr>
           <a:xfrm>
-            <a:off x="9961965" y="11449870"/>
+            <a:off x="13437259" y="13446913"/>
             <a:ext cx="1052047" cy="665980"/>
           </a:xfrm>
           <a:prstGeom prst="roundRect">
@@ -5297,22 +5470,22 @@
       </p:sp>
       <p:cxnSp>
         <p:nvCxnSpPr>
-          <p:cNvPr id="16" name="Connecteur droit avec flèche 15">
-            <a:extLst>
-              <a:ext uri="{FF2B5EF4-FFF2-40B4-BE49-F238E27FC236}">
-                <a16:creationId xmlns:a16="http://schemas.microsoft.com/office/drawing/2014/main" id="{25E2B85C-D000-44EF-92B1-E5F29CCE8942}"/>
+          <p:cNvPr id="210" name="Connecteur droit avec flèche 209">
+            <a:extLst>
+              <a:ext uri="{FF2B5EF4-FFF2-40B4-BE49-F238E27FC236}">
+                <a16:creationId xmlns:a16="http://schemas.microsoft.com/office/drawing/2014/main" id="{CB8E6412-D9E2-425C-80BF-689DF64B2008}"/>
               </a:ext>
             </a:extLst>
           </p:cNvPr>
           <p:cNvCxnSpPr>
-            <a:stCxn id="56" idx="0"/>
-            <a:endCxn id="91" idx="2"/>
+            <a:stCxn id="209" idx="0"/>
+            <a:endCxn id="200" idx="2"/>
           </p:cNvCxnSpPr>
           <p:nvPr/>
         </p:nvCxnSpPr>
         <p:spPr>
           <a:xfrm flipV="1">
-            <a:off x="10487989" y="10518517"/>
+            <a:off x="13963283" y="12515562"/>
             <a:ext cx="1" cy="931353"/>
           </a:xfrm>
           <a:prstGeom prst="straightConnector1">
@@ -5339,10 +5512,10 @@
       </p:cxnSp>
       <p:sp>
         <p:nvSpPr>
-          <p:cNvPr id="60" name="ZoneTexte 59">
-            <a:extLst>
-              <a:ext uri="{FF2B5EF4-FFF2-40B4-BE49-F238E27FC236}">
-                <a16:creationId xmlns:a16="http://schemas.microsoft.com/office/drawing/2014/main" id="{55C4D6FE-696E-48F1-A339-6875118C8C75}"/>
+          <p:cNvPr id="211" name="ZoneTexte 210">
+            <a:extLst>
+              <a:ext uri="{FF2B5EF4-FFF2-40B4-BE49-F238E27FC236}">
+                <a16:creationId xmlns:a16="http://schemas.microsoft.com/office/drawing/2014/main" id="{D534A72F-0042-46AF-ADDA-A267E9350FB4}"/>
               </a:ext>
             </a:extLst>
           </p:cNvPr>
@@ -5351,7 +5524,7 @@
         </p:nvSpPr>
         <p:spPr>
           <a:xfrm>
-            <a:off x="10426113" y="10850091"/>
+            <a:off x="13901406" y="12847134"/>
             <a:ext cx="902262" cy="230832"/>
           </a:xfrm>
           <a:prstGeom prst="rect">
@@ -5386,10 +5559,10 @@
       </p:sp>
       <p:sp>
         <p:nvSpPr>
-          <p:cNvPr id="61" name="Rectangle : coins arrondis 60">
-            <a:extLst>
-              <a:ext uri="{FF2B5EF4-FFF2-40B4-BE49-F238E27FC236}">
-                <a16:creationId xmlns:a16="http://schemas.microsoft.com/office/drawing/2014/main" id="{2989E64F-4442-4CCA-A380-93FA5FEB14FA}"/>
+          <p:cNvPr id="212" name="Rectangle : coins arrondis 211">
+            <a:extLst>
+              <a:ext uri="{FF2B5EF4-FFF2-40B4-BE49-F238E27FC236}">
+                <a16:creationId xmlns:a16="http://schemas.microsoft.com/office/drawing/2014/main" id="{FC215BE4-A311-4229-9032-5A6B19D9E8DB}"/>
               </a:ext>
             </a:extLst>
           </p:cNvPr>
@@ -5398,7 +5571,7 @@
         </p:nvSpPr>
         <p:spPr>
           <a:xfrm>
-            <a:off x="12432212" y="11553532"/>
+            <a:off x="15907505" y="13550577"/>
             <a:ext cx="976814" cy="458655"/>
           </a:xfrm>
           <a:prstGeom prst="roundRect">
@@ -5447,22 +5620,22 @@
       </p:sp>
       <p:cxnSp>
         <p:nvCxnSpPr>
-          <p:cNvPr id="21" name="Connecteur droit avec flèche 20">
-            <a:extLst>
-              <a:ext uri="{FF2B5EF4-FFF2-40B4-BE49-F238E27FC236}">
-                <a16:creationId xmlns:a16="http://schemas.microsoft.com/office/drawing/2014/main" id="{619FE696-7BE7-4795-94A2-F803F08FB4F3}"/>
+          <p:cNvPr id="213" name="Connecteur droit avec flèche 212">
+            <a:extLst>
+              <a:ext uri="{FF2B5EF4-FFF2-40B4-BE49-F238E27FC236}">
+                <a16:creationId xmlns:a16="http://schemas.microsoft.com/office/drawing/2014/main" id="{272CCFEA-DCDF-49B3-8F0C-D3BEEB22D2A4}"/>
               </a:ext>
             </a:extLst>
           </p:cNvPr>
           <p:cNvCxnSpPr>
-            <a:stCxn id="56" idx="3"/>
-            <a:endCxn id="61" idx="1"/>
+            <a:stCxn id="209" idx="3"/>
+            <a:endCxn id="212" idx="1"/>
           </p:cNvCxnSpPr>
           <p:nvPr/>
         </p:nvCxnSpPr>
         <p:spPr>
           <a:xfrm>
-            <a:off x="11014012" y="11782860"/>
+            <a:off x="14489305" y="13779903"/>
             <a:ext cx="1418200" cy="0"/>
           </a:xfrm>
           <a:prstGeom prst="straightConnector1">
@@ -5489,10 +5662,10 @@
       </p:cxnSp>
       <p:sp>
         <p:nvSpPr>
-          <p:cNvPr id="63" name="ZoneTexte 62">
-            <a:extLst>
-              <a:ext uri="{FF2B5EF4-FFF2-40B4-BE49-F238E27FC236}">
-                <a16:creationId xmlns:a16="http://schemas.microsoft.com/office/drawing/2014/main" id="{1CF77DDB-60FD-4A18-8683-AF26B27F7937}"/>
+          <p:cNvPr id="214" name="ZoneTexte 213">
+            <a:extLst>
+              <a:ext uri="{FF2B5EF4-FFF2-40B4-BE49-F238E27FC236}">
+                <a16:creationId xmlns:a16="http://schemas.microsoft.com/office/drawing/2014/main" id="{307C731F-44B8-4B0C-8707-2A2BF87BA50C}"/>
               </a:ext>
             </a:extLst>
           </p:cNvPr>
@@ -5501,7 +5674,7 @@
         </p:nvSpPr>
         <p:spPr>
           <a:xfrm>
-            <a:off x="11133387" y="11553532"/>
+            <a:off x="14608680" y="13550575"/>
             <a:ext cx="1190412" cy="230832"/>
           </a:xfrm>
           <a:prstGeom prst="rect">
@@ -5536,10 +5709,10 @@
       </p:sp>
       <p:sp>
         <p:nvSpPr>
-          <p:cNvPr id="66" name="Rectangle : coins arrondis 65">
-            <a:extLst>
-              <a:ext uri="{FF2B5EF4-FFF2-40B4-BE49-F238E27FC236}">
-                <a16:creationId xmlns:a16="http://schemas.microsoft.com/office/drawing/2014/main" id="{062BC9FA-C320-473A-A6C4-CD5468804F11}"/>
+          <p:cNvPr id="215" name="Rectangle : coins arrondis 214">
+            <a:extLst>
+              <a:ext uri="{FF2B5EF4-FFF2-40B4-BE49-F238E27FC236}">
+                <a16:creationId xmlns:a16="http://schemas.microsoft.com/office/drawing/2014/main" id="{317F0302-423D-4225-BAC9-DF832E14C93C}"/>
               </a:ext>
             </a:extLst>
           </p:cNvPr>
@@ -5548,7 +5721,7 @@
         </p:nvSpPr>
         <p:spPr>
           <a:xfrm>
-            <a:off x="10005057" y="13127451"/>
+            <a:off x="13480350" y="15124495"/>
             <a:ext cx="976814" cy="588025"/>
           </a:xfrm>
           <a:prstGeom prst="roundRect">
@@ -5606,22 +5779,22 @@
       </p:sp>
       <p:cxnSp>
         <p:nvCxnSpPr>
-          <p:cNvPr id="25" name="Connecteur droit avec flèche 24">
-            <a:extLst>
-              <a:ext uri="{FF2B5EF4-FFF2-40B4-BE49-F238E27FC236}">
-                <a16:creationId xmlns:a16="http://schemas.microsoft.com/office/drawing/2014/main" id="{C8CF2692-FA1F-488B-9B8A-9CFF3FA6AE85}"/>
+          <p:cNvPr id="216" name="Connecteur droit avec flèche 215">
+            <a:extLst>
+              <a:ext uri="{FF2B5EF4-FFF2-40B4-BE49-F238E27FC236}">
+                <a16:creationId xmlns:a16="http://schemas.microsoft.com/office/drawing/2014/main" id="{50FD65F3-5F62-4D68-83EB-673A1F5577A2}"/>
               </a:ext>
             </a:extLst>
           </p:cNvPr>
           <p:cNvCxnSpPr>
-            <a:stCxn id="66" idx="0"/>
-            <a:endCxn id="56" idx="2"/>
+            <a:stCxn id="215" idx="0"/>
+            <a:endCxn id="209" idx="2"/>
           </p:cNvCxnSpPr>
           <p:nvPr/>
         </p:nvCxnSpPr>
         <p:spPr>
           <a:xfrm flipH="1" flipV="1">
-            <a:off x="10487989" y="12115850"/>
+            <a:off x="13963283" y="14112894"/>
             <a:ext cx="5475" cy="1011601"/>
           </a:xfrm>
           <a:prstGeom prst="straightConnector1">
@@ -5648,10 +5821,10 @@
       </p:cxnSp>
       <p:sp>
         <p:nvSpPr>
-          <p:cNvPr id="71" name="ZoneTexte 70">
-            <a:extLst>
-              <a:ext uri="{FF2B5EF4-FFF2-40B4-BE49-F238E27FC236}">
-                <a16:creationId xmlns:a16="http://schemas.microsoft.com/office/drawing/2014/main" id="{3435F56B-14ED-4798-99DA-931C82222A29}"/>
+          <p:cNvPr id="217" name="ZoneTexte 216">
+            <a:extLst>
+              <a:ext uri="{FF2B5EF4-FFF2-40B4-BE49-F238E27FC236}">
+                <a16:creationId xmlns:a16="http://schemas.microsoft.com/office/drawing/2014/main" id="{C8AF423C-3283-4202-865D-57AF865FCC29}"/>
               </a:ext>
             </a:extLst>
           </p:cNvPr>
@@ -5660,7 +5833,7 @@
         </p:nvSpPr>
         <p:spPr>
           <a:xfrm>
-            <a:off x="10454535" y="12539426"/>
+            <a:off x="13929828" y="14536469"/>
             <a:ext cx="1054672" cy="230832"/>
           </a:xfrm>
           <a:prstGeom prst="rect">
@@ -5698,23 +5871,23 @@
       </p:sp>
       <p:cxnSp>
         <p:nvCxnSpPr>
-          <p:cNvPr id="27" name="Connecteur : en arc 26">
-            <a:extLst>
-              <a:ext uri="{FF2B5EF4-FFF2-40B4-BE49-F238E27FC236}">
-                <a16:creationId xmlns:a16="http://schemas.microsoft.com/office/drawing/2014/main" id="{AFA05A41-6149-4D10-A03F-D8E520C39321}"/>
+          <p:cNvPr id="218" name="Connecteur : en arc 217">
+            <a:extLst>
+              <a:ext uri="{FF2B5EF4-FFF2-40B4-BE49-F238E27FC236}">
+                <a16:creationId xmlns:a16="http://schemas.microsoft.com/office/drawing/2014/main" id="{BEF52055-2861-4DFB-A990-00E733C71346}"/>
               </a:ext>
             </a:extLst>
           </p:cNvPr>
           <p:cNvCxnSpPr>
             <a:cxnSpLocks/>
-            <a:stCxn id="30" idx="0"/>
-            <a:endCxn id="29" idx="1"/>
+            <a:stCxn id="177" idx="0"/>
+            <a:endCxn id="176" idx="1"/>
           </p:cNvCxnSpPr>
           <p:nvPr/>
         </p:nvCxnSpPr>
         <p:spPr>
           <a:xfrm rot="5400000" flipH="1" flipV="1">
-            <a:off x="5495433" y="4401058"/>
+            <a:off x="9196351" y="4773522"/>
             <a:ext cx="1807896" cy="2280896"/>
           </a:xfrm>
           <a:prstGeom prst="curvedConnector2">
@@ -5741,23 +5914,23 @@
       </p:cxnSp>
       <p:cxnSp>
         <p:nvCxnSpPr>
-          <p:cNvPr id="55" name="Connecteur : en arc 54">
-            <a:extLst>
-              <a:ext uri="{FF2B5EF4-FFF2-40B4-BE49-F238E27FC236}">
-                <a16:creationId xmlns:a16="http://schemas.microsoft.com/office/drawing/2014/main" id="{F698438E-CC93-415A-AEC0-33EDD59079C5}"/>
+          <p:cNvPr id="219" name="Connecteur : en arc 218">
+            <a:extLst>
+              <a:ext uri="{FF2B5EF4-FFF2-40B4-BE49-F238E27FC236}">
+                <a16:creationId xmlns:a16="http://schemas.microsoft.com/office/drawing/2014/main" id="{2DF2B676-BD0F-43AA-AFCB-EB6123F088D2}"/>
               </a:ext>
             </a:extLst>
           </p:cNvPr>
           <p:cNvCxnSpPr>
             <a:cxnSpLocks/>
-            <a:stCxn id="31" idx="0"/>
-            <a:endCxn id="43" idx="2"/>
+            <a:stCxn id="178" idx="0"/>
+            <a:endCxn id="187" idx="2"/>
           </p:cNvCxnSpPr>
           <p:nvPr/>
         </p:nvCxnSpPr>
         <p:spPr>
           <a:xfrm rot="5400000" flipH="1" flipV="1">
-            <a:off x="10948270" y="4856925"/>
+            <a:off x="14649188" y="5229389"/>
             <a:ext cx="1653290" cy="1404640"/>
           </a:xfrm>
           <a:prstGeom prst="curvedConnector3">
@@ -5786,23 +5959,23 @@
       </p:cxnSp>
       <p:cxnSp>
         <p:nvCxnSpPr>
-          <p:cNvPr id="58" name="Connecteur : en arc 57">
-            <a:extLst>
-              <a:ext uri="{FF2B5EF4-FFF2-40B4-BE49-F238E27FC236}">
-                <a16:creationId xmlns:a16="http://schemas.microsoft.com/office/drawing/2014/main" id="{67D778FB-70D7-45B2-A7AD-7F8DEC2EC5F9}"/>
+          <p:cNvPr id="220" name="Connecteur : en arc 219">
+            <a:extLst>
+              <a:ext uri="{FF2B5EF4-FFF2-40B4-BE49-F238E27FC236}">
+                <a16:creationId xmlns:a16="http://schemas.microsoft.com/office/drawing/2014/main" id="{021B33DE-2ABD-434F-A271-B2B4A030BF20}"/>
               </a:ext>
             </a:extLst>
           </p:cNvPr>
           <p:cNvCxnSpPr>
             <a:cxnSpLocks/>
-            <a:stCxn id="31" idx="0"/>
-            <a:endCxn id="29" idx="3"/>
+            <a:stCxn id="178" idx="0"/>
+            <a:endCxn id="176" idx="3"/>
           </p:cNvCxnSpPr>
           <p:nvPr/>
         </p:nvCxnSpPr>
         <p:spPr>
           <a:xfrm rot="16200000" flipV="1">
-            <a:off x="8958070" y="4271364"/>
+            <a:off x="12658988" y="4643829"/>
             <a:ext cx="1748332" cy="2480719"/>
           </a:xfrm>
           <a:prstGeom prst="curvedConnector2">
@@ -5829,10 +6002,10 @@
       </p:cxnSp>
       <p:sp>
         <p:nvSpPr>
-          <p:cNvPr id="82" name="ZoneTexte 81">
-            <a:extLst>
-              <a:ext uri="{FF2B5EF4-FFF2-40B4-BE49-F238E27FC236}">
-                <a16:creationId xmlns:a16="http://schemas.microsoft.com/office/drawing/2014/main" id="{E8E0893B-C9AF-4E88-B92A-62599AF96963}"/>
+          <p:cNvPr id="221" name="ZoneTexte 220">
+            <a:extLst>
+              <a:ext uri="{FF2B5EF4-FFF2-40B4-BE49-F238E27FC236}">
+                <a16:creationId xmlns:a16="http://schemas.microsoft.com/office/drawing/2014/main" id="{3932A2BA-C690-493A-BE14-DBAC74BF3B4D}"/>
               </a:ext>
             </a:extLst>
           </p:cNvPr>
@@ -5841,7 +6014,7 @@
         </p:nvSpPr>
         <p:spPr>
           <a:xfrm>
-            <a:off x="9736340" y="5225643"/>
+            <a:off x="13437259" y="5598108"/>
             <a:ext cx="915279" cy="369332"/>
           </a:xfrm>
           <a:prstGeom prst="rect">
@@ -5879,10 +6052,10 @@
       </p:sp>
       <p:sp>
         <p:nvSpPr>
-          <p:cNvPr id="83" name="ZoneTexte 82">
-            <a:extLst>
-              <a:ext uri="{FF2B5EF4-FFF2-40B4-BE49-F238E27FC236}">
-                <a16:creationId xmlns:a16="http://schemas.microsoft.com/office/drawing/2014/main" id="{A62993F2-DAFB-4DA8-90B3-965CFE09C337}"/>
+          <p:cNvPr id="222" name="ZoneTexte 221">
+            <a:extLst>
+              <a:ext uri="{FF2B5EF4-FFF2-40B4-BE49-F238E27FC236}">
+                <a16:creationId xmlns:a16="http://schemas.microsoft.com/office/drawing/2014/main" id="{E47F725C-3819-4353-8436-25425B6C618D}"/>
               </a:ext>
             </a:extLst>
           </p:cNvPr>
@@ -5891,7 +6064,7 @@
         </p:nvSpPr>
         <p:spPr>
           <a:xfrm>
-            <a:off x="5684243" y="5247218"/>
+            <a:off x="9385163" y="5619682"/>
             <a:ext cx="915279" cy="369332"/>
           </a:xfrm>
           <a:prstGeom prst="rect">
@@ -5929,10 +6102,10 @@
       </p:sp>
       <p:sp>
         <p:nvSpPr>
-          <p:cNvPr id="64" name="Rectangle : coins arrondis 63">
-            <a:extLst>
-              <a:ext uri="{FF2B5EF4-FFF2-40B4-BE49-F238E27FC236}">
-                <a16:creationId xmlns:a16="http://schemas.microsoft.com/office/drawing/2014/main" id="{9A130985-5460-48CD-9A39-E0527E37734A}"/>
+          <p:cNvPr id="223" name="Rectangle : coins arrondis 222">
+            <a:extLst>
+              <a:ext uri="{FF2B5EF4-FFF2-40B4-BE49-F238E27FC236}">
+                <a16:creationId xmlns:a16="http://schemas.microsoft.com/office/drawing/2014/main" id="{86D73C1B-36D0-4002-805B-74FBCB1C8210}"/>
               </a:ext>
             </a:extLst>
           </p:cNvPr>
@@ -5941,7 +6114,7 @@
         </p:nvSpPr>
         <p:spPr>
           <a:xfrm>
-            <a:off x="7539829" y="2361800"/>
+            <a:off x="11240748" y="2734264"/>
             <a:ext cx="1052047" cy="757574"/>
           </a:xfrm>
           <a:prstGeom prst="roundRect">
@@ -5987,22 +6160,22 @@
       </p:sp>
       <p:cxnSp>
         <p:nvCxnSpPr>
-          <p:cNvPr id="10" name="Connecteur droit avec flèche 9">
-            <a:extLst>
-              <a:ext uri="{FF2B5EF4-FFF2-40B4-BE49-F238E27FC236}">
-                <a16:creationId xmlns:a16="http://schemas.microsoft.com/office/drawing/2014/main" id="{79856B9B-EDE9-4A39-B2AE-D92093738CBE}"/>
+          <p:cNvPr id="224" name="Connecteur droit avec flèche 223">
+            <a:extLst>
+              <a:ext uri="{FF2B5EF4-FFF2-40B4-BE49-F238E27FC236}">
+                <a16:creationId xmlns:a16="http://schemas.microsoft.com/office/drawing/2014/main" id="{42FFC199-C3CD-4E65-8739-688FC04C88A2}"/>
               </a:ext>
             </a:extLst>
           </p:cNvPr>
           <p:cNvCxnSpPr>
-            <a:stCxn id="64" idx="2"/>
-            <a:endCxn id="29" idx="0"/>
+            <a:stCxn id="223" idx="2"/>
+            <a:endCxn id="176" idx="0"/>
           </p:cNvCxnSpPr>
           <p:nvPr/>
         </p:nvCxnSpPr>
         <p:spPr>
           <a:xfrm>
-            <a:off x="8065853" y="3119374"/>
+            <a:off x="11766771" y="3491838"/>
             <a:ext cx="0" cy="1307056"/>
           </a:xfrm>
           <a:prstGeom prst="straightConnector1">
@@ -6029,10 +6202,10 @@
       </p:cxnSp>
       <p:sp>
         <p:nvSpPr>
-          <p:cNvPr id="67" name="ZoneTexte 66">
-            <a:extLst>
-              <a:ext uri="{FF2B5EF4-FFF2-40B4-BE49-F238E27FC236}">
-                <a16:creationId xmlns:a16="http://schemas.microsoft.com/office/drawing/2014/main" id="{D951C2AC-CBCB-4DEB-9D26-E08A43C35DF6}"/>
+          <p:cNvPr id="225" name="ZoneTexte 224">
+            <a:extLst>
+              <a:ext uri="{FF2B5EF4-FFF2-40B4-BE49-F238E27FC236}">
+                <a16:creationId xmlns:a16="http://schemas.microsoft.com/office/drawing/2014/main" id="{F21C173D-EAAE-4BE1-A95F-C9C9BF8452F5}"/>
               </a:ext>
             </a:extLst>
           </p:cNvPr>
@@ -6041,7 +6214,7 @@
         </p:nvSpPr>
         <p:spPr>
           <a:xfrm>
-            <a:off x="7492249" y="3495038"/>
+            <a:off x="11193167" y="3867502"/>
             <a:ext cx="1132632" cy="369332"/>
           </a:xfrm>
           <a:prstGeom prst="rect">
@@ -6093,23 +6266,23 @@
       </p:sp>
       <p:cxnSp>
         <p:nvCxnSpPr>
-          <p:cNvPr id="22" name="Connecteur : en arc 21">
-            <a:extLst>
-              <a:ext uri="{FF2B5EF4-FFF2-40B4-BE49-F238E27FC236}">
-                <a16:creationId xmlns:a16="http://schemas.microsoft.com/office/drawing/2014/main" id="{37BA94CF-9CE1-415A-A28F-C097845CB0A6}"/>
+          <p:cNvPr id="226" name="Connecteur : en arc 225">
+            <a:extLst>
+              <a:ext uri="{FF2B5EF4-FFF2-40B4-BE49-F238E27FC236}">
+                <a16:creationId xmlns:a16="http://schemas.microsoft.com/office/drawing/2014/main" id="{5E8C04B3-7FB3-4D40-BF4B-95FC3E4F646B}"/>
               </a:ext>
             </a:extLst>
           </p:cNvPr>
           <p:cNvCxnSpPr>
             <a:cxnSpLocks/>
-            <a:stCxn id="64" idx="1"/>
-            <a:endCxn id="30" idx="0"/>
+            <a:stCxn id="223" idx="1"/>
+            <a:endCxn id="177" idx="0"/>
           </p:cNvCxnSpPr>
           <p:nvPr/>
         </p:nvCxnSpPr>
         <p:spPr>
           <a:xfrm rot="10800000" flipV="1">
-            <a:off x="5258933" y="2740586"/>
+            <a:off x="8959851" y="3113051"/>
             <a:ext cx="2280896" cy="3704867"/>
           </a:xfrm>
           <a:prstGeom prst="curvedConnector2">
@@ -6136,10 +6309,10 @@
       </p:cxnSp>
       <p:sp>
         <p:nvSpPr>
-          <p:cNvPr id="73" name="ZoneTexte 72">
-            <a:extLst>
-              <a:ext uri="{FF2B5EF4-FFF2-40B4-BE49-F238E27FC236}">
-                <a16:creationId xmlns:a16="http://schemas.microsoft.com/office/drawing/2014/main" id="{D93F6147-BF47-49A8-97F1-A0F316225AF4}"/>
+          <p:cNvPr id="227" name="ZoneTexte 226">
+            <a:extLst>
+              <a:ext uri="{FF2B5EF4-FFF2-40B4-BE49-F238E27FC236}">
+                <a16:creationId xmlns:a16="http://schemas.microsoft.com/office/drawing/2014/main" id="{ADF126C1-F30B-40A2-A51D-7E648A6F1FA1}"/>
               </a:ext>
             </a:extLst>
           </p:cNvPr>
@@ -6148,7 +6321,7 @@
         </p:nvSpPr>
         <p:spPr>
           <a:xfrm>
-            <a:off x="6041712" y="3466211"/>
+            <a:off x="9742631" y="3838675"/>
             <a:ext cx="915279" cy="369332"/>
           </a:xfrm>
           <a:prstGeom prst="rect">
@@ -6192,6 +6365,1321 @@
                 <a:latin typeface="Gill Sans Nova" panose="020B0602020104020203" pitchFamily="34" charset="0"/>
               </a:rPr>
               <a:t> by</a:t>
+            </a:r>
+          </a:p>
+        </p:txBody>
+      </p:sp>
+      <p:sp>
+        <p:nvSpPr>
+          <p:cNvPr id="228" name="Rectangle : coins arrondis 227">
+            <a:extLst>
+              <a:ext uri="{FF2B5EF4-FFF2-40B4-BE49-F238E27FC236}">
+                <a16:creationId xmlns:a16="http://schemas.microsoft.com/office/drawing/2014/main" id="{77E11CB9-6AA2-4BF4-9AFE-0F4327AAA146}"/>
+              </a:ext>
+            </a:extLst>
+          </p:cNvPr>
+          <p:cNvSpPr/>
+          <p:nvPr/>
+        </p:nvSpPr>
+        <p:spPr>
+          <a:xfrm>
+            <a:off x="13399116" y="10274978"/>
+            <a:ext cx="1128330" cy="668273"/>
+          </a:xfrm>
+          <a:prstGeom prst="roundRect">
+            <a:avLst/>
+          </a:prstGeom>
+          <a:solidFill>
+            <a:srgbClr val="C49BDD"/>
+          </a:solidFill>
+          <a:ln w="12700">
+            <a:noFill/>
+          </a:ln>
+        </p:spPr>
+        <p:style>
+          <a:lnRef idx="2">
+            <a:schemeClr val="accent6"/>
+          </a:lnRef>
+          <a:fillRef idx="1">
+            <a:schemeClr val="lt1"/>
+          </a:fillRef>
+          <a:effectRef idx="0">
+            <a:schemeClr val="accent6"/>
+          </a:effectRef>
+          <a:fontRef idx="minor">
+            <a:schemeClr val="dk1"/>
+          </a:fontRef>
+        </p:style>
+        <p:txBody>
+          <a:bodyPr rtlCol="0" anchor="ctr"/>
+          <a:lstStyle/>
+          <a:p>
+            <a:pPr algn="ctr"/>
+            <a:r>
+              <a:rPr lang="fr-FR" sz="900" dirty="0">
+                <a:solidFill>
+                  <a:schemeClr val="bg1"/>
+                </a:solidFill>
+                <a:latin typeface="Gill Sans Nova" panose="020B0602020104020203" pitchFamily="34" charset="0"/>
+              </a:rPr>
+              <a:t>F3 Manifestation</a:t>
+            </a:r>
+            <a:endParaRPr lang="fr-FR" sz="900" i="1" dirty="0">
+              <a:solidFill>
+                <a:schemeClr val="bg1"/>
+              </a:solidFill>
+              <a:latin typeface="Gill Sans Nova" panose="020B0602020104020203" pitchFamily="34" charset="0"/>
+            </a:endParaRPr>
+          </a:p>
+        </p:txBody>
+      </p:sp>
+      <p:cxnSp>
+        <p:nvCxnSpPr>
+          <p:cNvPr id="229" name="Connecteur droit avec flèche 228">
+            <a:extLst>
+              <a:ext uri="{FF2B5EF4-FFF2-40B4-BE49-F238E27FC236}">
+                <a16:creationId xmlns:a16="http://schemas.microsoft.com/office/drawing/2014/main" id="{BDB42E78-046B-4130-9B40-65C252E69C1A}"/>
+              </a:ext>
+            </a:extLst>
+          </p:cNvPr>
+          <p:cNvCxnSpPr>
+            <a:stCxn id="200" idx="0"/>
+          </p:cNvCxnSpPr>
+          <p:nvPr/>
+        </p:nvCxnSpPr>
+        <p:spPr>
+          <a:xfrm flipH="1" flipV="1">
+            <a:off x="13963281" y="10943249"/>
+            <a:ext cx="2" cy="904038"/>
+          </a:xfrm>
+          <a:prstGeom prst="straightConnector1">
+            <a:avLst/>
+          </a:prstGeom>
+          <a:ln>
+            <a:tailEnd type="triangle"/>
+          </a:ln>
+        </p:spPr>
+        <p:style>
+          <a:lnRef idx="1">
+            <a:schemeClr val="dk1"/>
+          </a:lnRef>
+          <a:fillRef idx="0">
+            <a:schemeClr val="dk1"/>
+          </a:fillRef>
+          <a:effectRef idx="0">
+            <a:schemeClr val="dk1"/>
+          </a:effectRef>
+          <a:fontRef idx="minor">
+            <a:schemeClr val="tx1"/>
+          </a:fontRef>
+        </p:style>
+      </p:cxnSp>
+      <p:sp>
+        <p:nvSpPr>
+          <p:cNvPr id="230" name="ZoneTexte 229">
+            <a:extLst>
+              <a:ext uri="{FF2B5EF4-FFF2-40B4-BE49-F238E27FC236}">
+                <a16:creationId xmlns:a16="http://schemas.microsoft.com/office/drawing/2014/main" id="{ED1B5F47-CCD9-4D57-93E5-EFDFF6A3C3B6}"/>
+              </a:ext>
+            </a:extLst>
+          </p:cNvPr>
+          <p:cNvSpPr txBox="1"/>
+          <p:nvPr/>
+        </p:nvSpPr>
+        <p:spPr>
+          <a:xfrm>
+            <a:off x="13938361" y="11190481"/>
+            <a:ext cx="1078257" cy="369332"/>
+          </a:xfrm>
+          <a:prstGeom prst="rect">
+            <a:avLst/>
+          </a:prstGeom>
+          <a:noFill/>
+        </p:spPr>
+        <p:txBody>
+          <a:bodyPr wrap="square" rtlCol="0">
+            <a:spAutoFit/>
+          </a:bodyPr>
+          <a:lstStyle/>
+          <a:p>
+            <a:pPr algn="ctr"/>
+            <a:r>
+              <a:rPr lang="fr-FR" sz="900" i="1" dirty="0">
+                <a:latin typeface="Gill Sans Nova" panose="020B0602020104020203" pitchFamily="34" charset="0"/>
+              </a:rPr>
+              <a:t>R7 </a:t>
+            </a:r>
+            <a:r>
+              <a:rPr lang="fr-FR" sz="900" i="1" dirty="0" err="1">
+                <a:latin typeface="Gill Sans Nova" panose="020B0602020104020203" pitchFamily="34" charset="0"/>
+              </a:rPr>
+              <a:t>is</a:t>
+            </a:r>
+            <a:r>
+              <a:rPr lang="fr-FR" sz="900" i="1" dirty="0">
+                <a:latin typeface="Gill Sans Nova" panose="020B0602020104020203" pitchFamily="34" charset="0"/>
+              </a:rPr>
+              <a:t> </a:t>
+            </a:r>
+            <a:r>
+              <a:rPr lang="fr-FR" sz="900" i="1" dirty="0" err="1">
+                <a:latin typeface="Gill Sans Nova" panose="020B0602020104020203" pitchFamily="34" charset="0"/>
+              </a:rPr>
+              <a:t>materialization</a:t>
+            </a:r>
+            <a:r>
+              <a:rPr lang="fr-FR" sz="900" i="1" dirty="0">
+                <a:latin typeface="Gill Sans Nova" panose="020B0602020104020203" pitchFamily="34" charset="0"/>
+              </a:rPr>
+              <a:t> of</a:t>
+            </a:r>
+          </a:p>
+        </p:txBody>
+      </p:sp>
+      <p:sp>
+        <p:nvSpPr>
+          <p:cNvPr id="231" name="Rectangle : coins arrondis 230">
+            <a:extLst>
+              <a:ext uri="{FF2B5EF4-FFF2-40B4-BE49-F238E27FC236}">
+                <a16:creationId xmlns:a16="http://schemas.microsoft.com/office/drawing/2014/main" id="{A6C873D2-F9C8-40C7-9E5B-D30BDAB354A3}"/>
+              </a:ext>
+            </a:extLst>
+          </p:cNvPr>
+          <p:cNvSpPr/>
+          <p:nvPr/>
+        </p:nvSpPr>
+        <p:spPr>
+          <a:xfrm>
+            <a:off x="27248717" y="11387151"/>
+            <a:ext cx="1052047" cy="697636"/>
+          </a:xfrm>
+          <a:prstGeom prst="roundRect">
+            <a:avLst/>
+          </a:prstGeom>
+          <a:solidFill>
+            <a:srgbClr val="CFD0F1"/>
+          </a:solidFill>
+          <a:ln w="12700">
+            <a:noFill/>
+          </a:ln>
+        </p:spPr>
+        <p:style>
+          <a:lnRef idx="2">
+            <a:schemeClr val="accent6"/>
+          </a:lnRef>
+          <a:fillRef idx="1">
+            <a:schemeClr val="lt1"/>
+          </a:fillRef>
+          <a:effectRef idx="0">
+            <a:schemeClr val="accent6"/>
+          </a:effectRef>
+          <a:fontRef idx="minor">
+            <a:schemeClr val="dk1"/>
+          </a:fontRef>
+        </p:style>
+        <p:txBody>
+          <a:bodyPr rtlCol="0" anchor="ctr"/>
+          <a:lstStyle/>
+          <a:p>
+            <a:pPr algn="ctr"/>
+            <a:r>
+              <a:rPr lang="fr-FR" sz="900" dirty="0">
+                <a:solidFill>
+                  <a:schemeClr val="tx1"/>
+                </a:solidFill>
+                <a:latin typeface="Gill Sans Nova" panose="020B0602020104020203" pitchFamily="34" charset="0"/>
+              </a:rPr>
+              <a:t>F2 Expression</a:t>
+            </a:r>
+          </a:p>
+          <a:p>
+            <a:pPr algn="ctr"/>
+            <a:r>
+              <a:rPr lang="fr-FR" sz="900" i="1" dirty="0">
+                <a:solidFill>
+                  <a:schemeClr val="tx1"/>
+                </a:solidFill>
+                <a:latin typeface="Gill Sans Nova" panose="020B0602020104020203" pitchFamily="34" charset="0"/>
+              </a:rPr>
+              <a:t>(Texte)</a:t>
+            </a:r>
+          </a:p>
+        </p:txBody>
+      </p:sp>
+      <p:cxnSp>
+        <p:nvCxnSpPr>
+          <p:cNvPr id="232" name="Connecteur droit 231">
+            <a:extLst>
+              <a:ext uri="{FF2B5EF4-FFF2-40B4-BE49-F238E27FC236}">
+                <a16:creationId xmlns:a16="http://schemas.microsoft.com/office/drawing/2014/main" id="{D16987AD-407E-4BB1-9F4B-484EDA2DA214}"/>
+              </a:ext>
+            </a:extLst>
+          </p:cNvPr>
+          <p:cNvCxnSpPr>
+            <a:cxnSpLocks/>
+            <a:stCxn id="168" idx="3"/>
+            <a:endCxn id="231" idx="1"/>
+          </p:cNvCxnSpPr>
+          <p:nvPr/>
+        </p:nvCxnSpPr>
+        <p:spPr>
+          <a:xfrm>
+            <a:off x="16377562" y="8625375"/>
+            <a:ext cx="10871155" cy="3110594"/>
+          </a:xfrm>
+          <a:prstGeom prst="curvedConnector3">
+            <a:avLst>
+              <a:gd name="adj1" fmla="val 50000"/>
+            </a:avLst>
+          </a:prstGeom>
+          <a:ln w="38100">
+            <a:solidFill>
+              <a:srgbClr val="CFD0F1"/>
+            </a:solidFill>
+            <a:prstDash val="sysDash"/>
+          </a:ln>
+        </p:spPr>
+        <p:style>
+          <a:lnRef idx="1">
+            <a:schemeClr val="accent1"/>
+          </a:lnRef>
+          <a:fillRef idx="0">
+            <a:schemeClr val="accent1"/>
+          </a:fillRef>
+          <a:effectRef idx="0">
+            <a:schemeClr val="accent1"/>
+          </a:effectRef>
+          <a:fontRef idx="minor">
+            <a:schemeClr val="tx1"/>
+          </a:fontRef>
+        </p:style>
+      </p:cxnSp>
+      <p:sp>
+        <p:nvSpPr>
+          <p:cNvPr id="233" name="Rectangle : coins arrondis 232">
+            <a:extLst>
+              <a:ext uri="{FF2B5EF4-FFF2-40B4-BE49-F238E27FC236}">
+                <a16:creationId xmlns:a16="http://schemas.microsoft.com/office/drawing/2014/main" id="{C27D9AD2-D858-426D-A40F-FC6F028C94CD}"/>
+              </a:ext>
+            </a:extLst>
+          </p:cNvPr>
+          <p:cNvSpPr/>
+          <p:nvPr/>
+        </p:nvSpPr>
+        <p:spPr>
+          <a:xfrm>
+            <a:off x="27248138" y="4728687"/>
+            <a:ext cx="1058800" cy="697636"/>
+          </a:xfrm>
+          <a:prstGeom prst="roundRect">
+            <a:avLst/>
+          </a:prstGeom>
+          <a:solidFill>
+            <a:srgbClr val="D5EAC8"/>
+          </a:solidFill>
+          <a:ln w="12700">
+            <a:noFill/>
+          </a:ln>
+        </p:spPr>
+        <p:style>
+          <a:lnRef idx="2">
+            <a:schemeClr val="accent6"/>
+          </a:lnRef>
+          <a:fillRef idx="1">
+            <a:schemeClr val="lt1"/>
+          </a:fillRef>
+          <a:effectRef idx="0">
+            <a:schemeClr val="accent6"/>
+          </a:effectRef>
+          <a:fontRef idx="minor">
+            <a:schemeClr val="dk1"/>
+          </a:fontRef>
+        </p:style>
+        <p:txBody>
+          <a:bodyPr rtlCol="0" anchor="ctr"/>
+          <a:lstStyle/>
+          <a:p>
+            <a:pPr algn="ctr"/>
+            <a:r>
+              <a:rPr lang="fr-FR" sz="900" dirty="0">
+                <a:solidFill>
+                  <a:schemeClr val="tx1"/>
+                </a:solidFill>
+                <a:latin typeface="Gill Sans Nova" panose="020B0602020104020203" pitchFamily="34" charset="0"/>
+              </a:rPr>
+              <a:t>E13 </a:t>
+            </a:r>
+            <a:r>
+              <a:rPr lang="fr-FR" sz="900" dirty="0" err="1">
+                <a:solidFill>
+                  <a:schemeClr val="tx1"/>
+                </a:solidFill>
+                <a:latin typeface="Gill Sans Nova" panose="020B0602020104020203" pitchFamily="34" charset="0"/>
+              </a:rPr>
+              <a:t>Attribute</a:t>
+            </a:r>
+            <a:r>
+              <a:rPr lang="fr-FR" sz="900" dirty="0">
+                <a:solidFill>
+                  <a:schemeClr val="tx1"/>
+                </a:solidFill>
+                <a:latin typeface="Gill Sans Nova" panose="020B0602020104020203" pitchFamily="34" charset="0"/>
+              </a:rPr>
+              <a:t> Assignement</a:t>
+            </a:r>
+          </a:p>
+        </p:txBody>
+      </p:sp>
+      <p:cxnSp>
+        <p:nvCxnSpPr>
+          <p:cNvPr id="234" name="Connecteur droit avec flèche 233">
+            <a:extLst>
+              <a:ext uri="{FF2B5EF4-FFF2-40B4-BE49-F238E27FC236}">
+                <a16:creationId xmlns:a16="http://schemas.microsoft.com/office/drawing/2014/main" id="{1B7EF6E7-9A2E-4970-B737-AB39A9D6BE8D}"/>
+              </a:ext>
+            </a:extLst>
+          </p:cNvPr>
+          <p:cNvCxnSpPr>
+            <a:cxnSpLocks/>
+            <a:stCxn id="233" idx="2"/>
+            <a:endCxn id="231" idx="0"/>
+          </p:cNvCxnSpPr>
+          <p:nvPr/>
+        </p:nvCxnSpPr>
+        <p:spPr>
+          <a:xfrm flipH="1">
+            <a:off x="27774741" y="5426323"/>
+            <a:ext cx="2797" cy="5960828"/>
+          </a:xfrm>
+          <a:prstGeom prst="straightConnector1">
+            <a:avLst/>
+          </a:prstGeom>
+          <a:ln>
+            <a:tailEnd type="triangle"/>
+          </a:ln>
+        </p:spPr>
+        <p:style>
+          <a:lnRef idx="1">
+            <a:schemeClr val="dk1"/>
+          </a:lnRef>
+          <a:fillRef idx="0">
+            <a:schemeClr val="dk1"/>
+          </a:fillRef>
+          <a:effectRef idx="0">
+            <a:schemeClr val="dk1"/>
+          </a:effectRef>
+          <a:fontRef idx="minor">
+            <a:schemeClr val="tx1"/>
+          </a:fontRef>
+        </p:style>
+      </p:cxnSp>
+      <p:sp>
+        <p:nvSpPr>
+          <p:cNvPr id="237" name="Rectangle : coins arrondis 236">
+            <a:extLst>
+              <a:ext uri="{FF2B5EF4-FFF2-40B4-BE49-F238E27FC236}">
+                <a16:creationId xmlns:a16="http://schemas.microsoft.com/office/drawing/2014/main" id="{75A60DB9-AD24-4483-94A5-54B2BF88F1D8}"/>
+              </a:ext>
+            </a:extLst>
+          </p:cNvPr>
+          <p:cNvSpPr/>
+          <p:nvPr/>
+        </p:nvSpPr>
+        <p:spPr>
+          <a:xfrm>
+            <a:off x="27254891" y="2875153"/>
+            <a:ext cx="1023273" cy="487087"/>
+          </a:xfrm>
+          <a:prstGeom prst="roundRect">
+            <a:avLst/>
+          </a:prstGeom>
+          <a:solidFill>
+            <a:srgbClr val="FFE699"/>
+          </a:solidFill>
+          <a:ln w="12700">
+            <a:noFill/>
+          </a:ln>
+        </p:spPr>
+        <p:style>
+          <a:lnRef idx="2">
+            <a:schemeClr val="accent6"/>
+          </a:lnRef>
+          <a:fillRef idx="1">
+            <a:schemeClr val="lt1"/>
+          </a:fillRef>
+          <a:effectRef idx="0">
+            <a:schemeClr val="accent6"/>
+          </a:effectRef>
+          <a:fontRef idx="minor">
+            <a:schemeClr val="dk1"/>
+          </a:fontRef>
+        </p:style>
+        <p:txBody>
+          <a:bodyPr rtlCol="0" anchor="ctr"/>
+          <a:lstStyle/>
+          <a:p>
+            <a:pPr algn="ctr"/>
+            <a:r>
+              <a:rPr lang="fr-FR" sz="900" dirty="0">
+                <a:solidFill>
+                  <a:schemeClr val="tx1"/>
+                </a:solidFill>
+                <a:latin typeface="Gill Sans Nova" panose="020B0602020104020203" pitchFamily="34" charset="0"/>
+              </a:rPr>
+              <a:t>E21 Person</a:t>
+            </a:r>
+          </a:p>
+        </p:txBody>
+      </p:sp>
+      <p:sp>
+        <p:nvSpPr>
+          <p:cNvPr id="238" name="Rectangle : coins arrondis 237">
+            <a:extLst>
+              <a:ext uri="{FF2B5EF4-FFF2-40B4-BE49-F238E27FC236}">
+                <a16:creationId xmlns:a16="http://schemas.microsoft.com/office/drawing/2014/main" id="{CF563024-F671-4811-A277-7B7A1DDEF54B}"/>
+              </a:ext>
+            </a:extLst>
+          </p:cNvPr>
+          <p:cNvSpPr/>
+          <p:nvPr/>
+        </p:nvSpPr>
+        <p:spPr>
+          <a:xfrm>
+            <a:off x="23891106" y="4943231"/>
+            <a:ext cx="1845216" cy="268547"/>
+          </a:xfrm>
+          <a:prstGeom prst="roundRect">
+            <a:avLst/>
+          </a:prstGeom>
+          <a:solidFill>
+            <a:schemeClr val="bg1"/>
+          </a:solidFill>
+          <a:ln w="19050">
+            <a:noFill/>
+          </a:ln>
+        </p:spPr>
+        <p:style>
+          <a:lnRef idx="2">
+            <a:schemeClr val="accent6"/>
+          </a:lnRef>
+          <a:fillRef idx="1">
+            <a:schemeClr val="lt1"/>
+          </a:fillRef>
+          <a:effectRef idx="0">
+            <a:schemeClr val="accent6"/>
+          </a:effectRef>
+          <a:fontRef idx="minor">
+            <a:schemeClr val="dk1"/>
+          </a:fontRef>
+        </p:style>
+        <p:txBody>
+          <a:bodyPr rtlCol="0" anchor="t"/>
+          <a:lstStyle/>
+          <a:p>
+            <a:r>
+              <a:rPr lang="fr-FR" sz="900" dirty="0">
+                <a:solidFill>
+                  <a:schemeClr val="tx1"/>
+                </a:solidFill>
+              </a:rPr>
+              <a:t>« </a:t>
+            </a:r>
+            <a:r>
+              <a:rPr lang="fr-FR" sz="900" b="0" dirty="0">
+                <a:solidFill>
+                  <a:schemeClr val="tx1"/>
+                </a:solidFill>
+                <a:effectLst/>
+              </a:rPr>
+              <a:t>2020-11-18T06:16:06+0000 </a:t>
+            </a:r>
+            <a:r>
+              <a:rPr lang="fr-FR" sz="900" dirty="0">
+                <a:solidFill>
+                  <a:schemeClr val="tx1"/>
+                </a:solidFill>
+              </a:rPr>
+              <a:t>»</a:t>
+            </a:r>
+          </a:p>
+        </p:txBody>
+      </p:sp>
+      <p:cxnSp>
+        <p:nvCxnSpPr>
+          <p:cNvPr id="240" name="Connecteur droit avec flèche 239">
+            <a:extLst>
+              <a:ext uri="{FF2B5EF4-FFF2-40B4-BE49-F238E27FC236}">
+                <a16:creationId xmlns:a16="http://schemas.microsoft.com/office/drawing/2014/main" id="{252353B9-FAB2-4550-9DB1-64A335F342F1}"/>
+              </a:ext>
+            </a:extLst>
+          </p:cNvPr>
+          <p:cNvCxnSpPr>
+            <a:stCxn id="233" idx="1"/>
+            <a:endCxn id="238" idx="3"/>
+          </p:cNvCxnSpPr>
+          <p:nvPr/>
+        </p:nvCxnSpPr>
+        <p:spPr>
+          <a:xfrm flipH="1">
+            <a:off x="25736322" y="5077505"/>
+            <a:ext cx="1511816" cy="0"/>
+          </a:xfrm>
+          <a:prstGeom prst="straightConnector1">
+            <a:avLst/>
+          </a:prstGeom>
+          <a:ln>
+            <a:tailEnd type="triangle"/>
+          </a:ln>
+        </p:spPr>
+        <p:style>
+          <a:lnRef idx="1">
+            <a:schemeClr val="dk1"/>
+          </a:lnRef>
+          <a:fillRef idx="0">
+            <a:schemeClr val="dk1"/>
+          </a:fillRef>
+          <a:effectRef idx="0">
+            <a:schemeClr val="dk1"/>
+          </a:effectRef>
+          <a:fontRef idx="minor">
+            <a:schemeClr val="tx1"/>
+          </a:fontRef>
+        </p:style>
+      </p:cxnSp>
+      <p:cxnSp>
+        <p:nvCxnSpPr>
+          <p:cNvPr id="243" name="Connecteur droit avec flèche 242">
+            <a:extLst>
+              <a:ext uri="{FF2B5EF4-FFF2-40B4-BE49-F238E27FC236}">
+                <a16:creationId xmlns:a16="http://schemas.microsoft.com/office/drawing/2014/main" id="{B2F84BF8-50B5-4D1A-BEBD-FAD833EBD423}"/>
+              </a:ext>
+            </a:extLst>
+          </p:cNvPr>
+          <p:cNvCxnSpPr>
+            <a:stCxn id="237" idx="2"/>
+            <a:endCxn id="233" idx="0"/>
+          </p:cNvCxnSpPr>
+          <p:nvPr/>
+        </p:nvCxnSpPr>
+        <p:spPr>
+          <a:xfrm>
+            <a:off x="27766528" y="3362240"/>
+            <a:ext cx="11010" cy="1366447"/>
+          </a:xfrm>
+          <a:prstGeom prst="straightConnector1">
+            <a:avLst/>
+          </a:prstGeom>
+          <a:ln>
+            <a:tailEnd type="triangle"/>
+          </a:ln>
+        </p:spPr>
+        <p:style>
+          <a:lnRef idx="1">
+            <a:schemeClr val="dk1"/>
+          </a:lnRef>
+          <a:fillRef idx="0">
+            <a:schemeClr val="dk1"/>
+          </a:fillRef>
+          <a:effectRef idx="0">
+            <a:schemeClr val="dk1"/>
+          </a:effectRef>
+          <a:fontRef idx="minor">
+            <a:schemeClr val="tx1"/>
+          </a:fontRef>
+        </p:style>
+      </p:cxnSp>
+      <p:sp>
+        <p:nvSpPr>
+          <p:cNvPr id="245" name="ZoneTexte 244">
+            <a:extLst>
+              <a:ext uri="{FF2B5EF4-FFF2-40B4-BE49-F238E27FC236}">
+                <a16:creationId xmlns:a16="http://schemas.microsoft.com/office/drawing/2014/main" id="{64822A08-F4E8-49B1-AD32-18136D476B1B}"/>
+              </a:ext>
+            </a:extLst>
+          </p:cNvPr>
+          <p:cNvSpPr txBox="1"/>
+          <p:nvPr/>
+        </p:nvSpPr>
+        <p:spPr>
+          <a:xfrm>
+            <a:off x="26555710" y="3546907"/>
+            <a:ext cx="1398361" cy="230832"/>
+          </a:xfrm>
+          <a:prstGeom prst="rect">
+            <a:avLst/>
+          </a:prstGeom>
+          <a:noFill/>
+        </p:spPr>
+        <p:txBody>
+          <a:bodyPr wrap="square" rtlCol="0">
+            <a:spAutoFit/>
+          </a:bodyPr>
+          <a:lstStyle/>
+          <a:p>
+            <a:pPr algn="ctr"/>
+            <a:r>
+              <a:rPr lang="fr-FR" sz="900" i="1" dirty="0">
+                <a:latin typeface="Gill Sans Nova" panose="020B0602020104020203" pitchFamily="34" charset="0"/>
+              </a:rPr>
+              <a:t>P14 </a:t>
+            </a:r>
+            <a:r>
+              <a:rPr lang="fr-FR" sz="900" i="1" dirty="0" err="1">
+                <a:latin typeface="Gill Sans Nova" panose="020B0602020104020203" pitchFamily="34" charset="0"/>
+              </a:rPr>
+              <a:t>carried</a:t>
+            </a:r>
+            <a:r>
+              <a:rPr lang="fr-FR" sz="900" i="1" dirty="0">
+                <a:latin typeface="Gill Sans Nova" panose="020B0602020104020203" pitchFamily="34" charset="0"/>
+              </a:rPr>
+              <a:t>-out by</a:t>
+            </a:r>
+          </a:p>
+        </p:txBody>
+      </p:sp>
+      <p:cxnSp>
+        <p:nvCxnSpPr>
+          <p:cNvPr id="253" name="Connecteur : en arc 252">
+            <a:extLst>
+              <a:ext uri="{FF2B5EF4-FFF2-40B4-BE49-F238E27FC236}">
+                <a16:creationId xmlns:a16="http://schemas.microsoft.com/office/drawing/2014/main" id="{CBDB01C9-EEFF-458F-ADF6-A1FB0635C542}"/>
+              </a:ext>
+            </a:extLst>
+          </p:cNvPr>
+          <p:cNvCxnSpPr>
+            <a:cxnSpLocks/>
+            <a:stCxn id="233" idx="3"/>
+            <a:endCxn id="263" idx="1"/>
+          </p:cNvCxnSpPr>
+          <p:nvPr/>
+        </p:nvCxnSpPr>
+        <p:spPr>
+          <a:xfrm flipV="1">
+            <a:off x="28306938" y="4370746"/>
+            <a:ext cx="2519375" cy="706759"/>
+          </a:xfrm>
+          <a:prstGeom prst="curvedConnector3">
+            <a:avLst/>
+          </a:prstGeom>
+          <a:ln>
+            <a:tailEnd type="triangle"/>
+          </a:ln>
+        </p:spPr>
+        <p:style>
+          <a:lnRef idx="1">
+            <a:schemeClr val="dk1"/>
+          </a:lnRef>
+          <a:fillRef idx="0">
+            <a:schemeClr val="dk1"/>
+          </a:fillRef>
+          <a:effectRef idx="0">
+            <a:schemeClr val="dk1"/>
+          </a:effectRef>
+          <a:fontRef idx="minor">
+            <a:schemeClr val="tx1"/>
+          </a:fontRef>
+        </p:style>
+      </p:cxnSp>
+      <p:sp>
+        <p:nvSpPr>
+          <p:cNvPr id="254" name="Rectangle : coins arrondis 253">
+            <a:extLst>
+              <a:ext uri="{FF2B5EF4-FFF2-40B4-BE49-F238E27FC236}">
+                <a16:creationId xmlns:a16="http://schemas.microsoft.com/office/drawing/2014/main" id="{1C6D761F-07E7-4B62-8E4B-FAB80EE2F2C4}"/>
+              </a:ext>
+            </a:extLst>
+          </p:cNvPr>
+          <p:cNvSpPr/>
+          <p:nvPr/>
+        </p:nvSpPr>
+        <p:spPr>
+          <a:xfrm>
+            <a:off x="30826313" y="5263594"/>
+            <a:ext cx="1939576" cy="442787"/>
+          </a:xfrm>
+          <a:prstGeom prst="roundRect">
+            <a:avLst/>
+          </a:prstGeom>
+          <a:solidFill>
+            <a:schemeClr val="bg1"/>
+          </a:solidFill>
+          <a:ln w="19050">
+            <a:noFill/>
+          </a:ln>
+        </p:spPr>
+        <p:style>
+          <a:lnRef idx="2">
+            <a:schemeClr val="accent6"/>
+          </a:lnRef>
+          <a:fillRef idx="1">
+            <a:schemeClr val="lt1"/>
+          </a:fillRef>
+          <a:effectRef idx="0">
+            <a:schemeClr val="accent6"/>
+          </a:effectRef>
+          <a:fontRef idx="minor">
+            <a:schemeClr val="dk1"/>
+          </a:fontRef>
+        </p:style>
+        <p:txBody>
+          <a:bodyPr rtlCol="0" anchor="t"/>
+          <a:lstStyle/>
+          <a:p>
+            <a:r>
+              <a:rPr lang="fr-FR" sz="900" i="1" dirty="0">
+                <a:solidFill>
+                  <a:schemeClr val="tx1"/>
+                </a:solidFill>
+              </a:rPr>
+              <a:t>« Miracle, Lazare, Jésus Christ, sainte Larme »</a:t>
+            </a:r>
+          </a:p>
+        </p:txBody>
+      </p:sp>
+      <p:cxnSp>
+        <p:nvCxnSpPr>
+          <p:cNvPr id="256" name="Connecteur : en arc 255">
+            <a:extLst>
+              <a:ext uri="{FF2B5EF4-FFF2-40B4-BE49-F238E27FC236}">
+                <a16:creationId xmlns:a16="http://schemas.microsoft.com/office/drawing/2014/main" id="{4990D39F-8AC1-455A-AA55-09FB12A33B61}"/>
+              </a:ext>
+            </a:extLst>
+          </p:cNvPr>
+          <p:cNvCxnSpPr>
+            <a:stCxn id="233" idx="3"/>
+            <a:endCxn id="254" idx="1"/>
+          </p:cNvCxnSpPr>
+          <p:nvPr/>
+        </p:nvCxnSpPr>
+        <p:spPr>
+          <a:xfrm>
+            <a:off x="28306938" y="5077505"/>
+            <a:ext cx="2519375" cy="407483"/>
+          </a:xfrm>
+          <a:prstGeom prst="curvedConnector3">
+            <a:avLst/>
+          </a:prstGeom>
+          <a:ln>
+            <a:tailEnd type="triangle"/>
+          </a:ln>
+        </p:spPr>
+        <p:style>
+          <a:lnRef idx="1">
+            <a:schemeClr val="dk1"/>
+          </a:lnRef>
+          <a:fillRef idx="0">
+            <a:schemeClr val="dk1"/>
+          </a:fillRef>
+          <a:effectRef idx="0">
+            <a:schemeClr val="dk1"/>
+          </a:effectRef>
+          <a:fontRef idx="minor">
+            <a:schemeClr val="tx1"/>
+          </a:fontRef>
+        </p:style>
+      </p:cxnSp>
+      <p:sp>
+        <p:nvSpPr>
+          <p:cNvPr id="258" name="ZoneTexte 257">
+            <a:extLst>
+              <a:ext uri="{FF2B5EF4-FFF2-40B4-BE49-F238E27FC236}">
+                <a16:creationId xmlns:a16="http://schemas.microsoft.com/office/drawing/2014/main" id="{7ECDEEF0-BF37-4313-914C-2D3A6BAD9262}"/>
+              </a:ext>
+            </a:extLst>
+          </p:cNvPr>
+          <p:cNvSpPr txBox="1"/>
+          <p:nvPr/>
+        </p:nvSpPr>
+        <p:spPr>
+          <a:xfrm>
+            <a:off x="27766527" y="6467802"/>
+            <a:ext cx="994079" cy="369332"/>
+          </a:xfrm>
+          <a:prstGeom prst="rect">
+            <a:avLst/>
+          </a:prstGeom>
+          <a:noFill/>
+        </p:spPr>
+        <p:txBody>
+          <a:bodyPr wrap="square" rtlCol="0">
+            <a:spAutoFit/>
+          </a:bodyPr>
+          <a:lstStyle/>
+          <a:p>
+            <a:pPr algn="ctr"/>
+            <a:r>
+              <a:rPr lang="fr-FR" sz="900" i="1" dirty="0">
+                <a:latin typeface="Gill Sans Nova" panose="020B0602020104020203" pitchFamily="34" charset="0"/>
+              </a:rPr>
+              <a:t>P140 </a:t>
+            </a:r>
+            <a:r>
+              <a:rPr lang="fr-FR" sz="900" i="1" dirty="0" err="1">
+                <a:latin typeface="Gill Sans Nova" panose="020B0602020104020203" pitchFamily="34" charset="0"/>
+              </a:rPr>
+              <a:t>assigned</a:t>
+            </a:r>
+            <a:r>
+              <a:rPr lang="fr-FR" sz="900" i="1" dirty="0">
+                <a:latin typeface="Gill Sans Nova" panose="020B0602020104020203" pitchFamily="34" charset="0"/>
+              </a:rPr>
+              <a:t> </a:t>
+            </a:r>
+            <a:r>
+              <a:rPr lang="fr-FR" sz="900" i="1" dirty="0" err="1">
+                <a:latin typeface="Gill Sans Nova" panose="020B0602020104020203" pitchFamily="34" charset="0"/>
+              </a:rPr>
+              <a:t>attribute</a:t>
+            </a:r>
+            <a:r>
+              <a:rPr lang="fr-FR" sz="900" i="1" dirty="0">
+                <a:latin typeface="Gill Sans Nova" panose="020B0602020104020203" pitchFamily="34" charset="0"/>
+              </a:rPr>
+              <a:t> to</a:t>
+            </a:r>
+          </a:p>
+        </p:txBody>
+      </p:sp>
+      <p:sp>
+        <p:nvSpPr>
+          <p:cNvPr id="259" name="ZoneTexte 258">
+            <a:extLst>
+              <a:ext uri="{FF2B5EF4-FFF2-40B4-BE49-F238E27FC236}">
+                <a16:creationId xmlns:a16="http://schemas.microsoft.com/office/drawing/2014/main" id="{A36B0EEF-9C91-442A-AEE6-F50000793295}"/>
+              </a:ext>
+            </a:extLst>
+          </p:cNvPr>
+          <p:cNvSpPr txBox="1"/>
+          <p:nvPr/>
+        </p:nvSpPr>
+        <p:spPr>
+          <a:xfrm>
+            <a:off x="29006118" y="4139852"/>
+            <a:ext cx="1398361" cy="369332"/>
+          </a:xfrm>
+          <a:prstGeom prst="rect">
+            <a:avLst/>
+          </a:prstGeom>
+          <a:noFill/>
+        </p:spPr>
+        <p:txBody>
+          <a:bodyPr wrap="square" rtlCol="0">
+            <a:spAutoFit/>
+          </a:bodyPr>
+          <a:lstStyle/>
+          <a:p>
+            <a:pPr algn="ctr"/>
+            <a:r>
+              <a:rPr lang="fr-FR" sz="900" i="1" dirty="0">
+                <a:latin typeface="Gill Sans Nova" panose="020B0602020104020203" pitchFamily="34" charset="0"/>
+              </a:rPr>
+              <a:t>P177 </a:t>
+            </a:r>
+            <a:r>
+              <a:rPr lang="fr-FR" sz="900" i="1" dirty="0" err="1">
+                <a:latin typeface="Gill Sans Nova" panose="020B0602020104020203" pitchFamily="34" charset="0"/>
+              </a:rPr>
+              <a:t>assigned</a:t>
+            </a:r>
+            <a:r>
+              <a:rPr lang="fr-FR" sz="900" i="1" dirty="0">
+                <a:latin typeface="Gill Sans Nova" panose="020B0602020104020203" pitchFamily="34" charset="0"/>
+              </a:rPr>
+              <a:t> </a:t>
+            </a:r>
+            <a:r>
+              <a:rPr lang="fr-FR" sz="900" i="1" dirty="0" err="1">
+                <a:latin typeface="Gill Sans Nova" panose="020B0602020104020203" pitchFamily="34" charset="0"/>
+              </a:rPr>
+              <a:t>attribute</a:t>
+            </a:r>
+            <a:r>
+              <a:rPr lang="fr-FR" sz="900" i="1" dirty="0">
+                <a:latin typeface="Gill Sans Nova" panose="020B0602020104020203" pitchFamily="34" charset="0"/>
+              </a:rPr>
+              <a:t> type</a:t>
+            </a:r>
+          </a:p>
+        </p:txBody>
+      </p:sp>
+      <p:sp>
+        <p:nvSpPr>
+          <p:cNvPr id="263" name="Rectangle : coins arrondis 262">
+            <a:extLst>
+              <a:ext uri="{FF2B5EF4-FFF2-40B4-BE49-F238E27FC236}">
+                <a16:creationId xmlns:a16="http://schemas.microsoft.com/office/drawing/2014/main" id="{03073C17-6ED2-4D90-BEAC-B9B937A09FB6}"/>
+              </a:ext>
+            </a:extLst>
+          </p:cNvPr>
+          <p:cNvSpPr/>
+          <p:nvPr/>
+        </p:nvSpPr>
+        <p:spPr>
+          <a:xfrm>
+            <a:off x="30826313" y="4031390"/>
+            <a:ext cx="1087126" cy="678712"/>
+          </a:xfrm>
+          <a:prstGeom prst="roundRect">
+            <a:avLst/>
+          </a:prstGeom>
+          <a:solidFill>
+            <a:srgbClr val="F6CACA"/>
+          </a:solidFill>
+          <a:ln w="12700">
+            <a:noFill/>
+          </a:ln>
+        </p:spPr>
+        <p:style>
+          <a:lnRef idx="2">
+            <a:schemeClr val="accent6"/>
+          </a:lnRef>
+          <a:fillRef idx="1">
+            <a:schemeClr val="lt1"/>
+          </a:fillRef>
+          <a:effectRef idx="0">
+            <a:schemeClr val="accent6"/>
+          </a:effectRef>
+          <a:fontRef idx="minor">
+            <a:schemeClr val="dk1"/>
+          </a:fontRef>
+        </p:style>
+        <p:txBody>
+          <a:bodyPr rtlCol="0" anchor="ctr"/>
+          <a:lstStyle/>
+          <a:p>
+            <a:pPr algn="ctr"/>
+            <a:r>
+              <a:rPr lang="fr-FR" sz="900" dirty="0">
+                <a:solidFill>
+                  <a:schemeClr val="tx1"/>
+                </a:solidFill>
+                <a:latin typeface="Gill Sans Nova" panose="020B0602020104020203" pitchFamily="34" charset="0"/>
+              </a:rPr>
+              <a:t>E55 Type</a:t>
+            </a:r>
+          </a:p>
+          <a:p>
+            <a:pPr algn="ctr"/>
+            <a:r>
+              <a:rPr lang="fr-FR" sz="900" i="1" dirty="0">
+                <a:solidFill>
+                  <a:schemeClr val="tx1"/>
+                </a:solidFill>
+                <a:latin typeface="Gill Sans Nova" panose="020B0602020104020203" pitchFamily="34" charset="0"/>
+              </a:rPr>
+              <a:t>« P129 </a:t>
+            </a:r>
+            <a:r>
+              <a:rPr lang="fr-FR" sz="900" i="1" dirty="0" err="1">
+                <a:solidFill>
+                  <a:schemeClr val="tx1"/>
+                </a:solidFill>
+                <a:latin typeface="Gill Sans Nova" panose="020B0602020104020203" pitchFamily="34" charset="0"/>
+              </a:rPr>
+              <a:t>is</a:t>
+            </a:r>
+            <a:r>
+              <a:rPr lang="fr-FR" sz="900" i="1" dirty="0">
+                <a:solidFill>
+                  <a:schemeClr val="tx1"/>
+                </a:solidFill>
+                <a:latin typeface="Gill Sans Nova" panose="020B0602020104020203" pitchFamily="34" charset="0"/>
+              </a:rPr>
+              <a:t> about »</a:t>
+            </a:r>
+          </a:p>
+        </p:txBody>
+      </p:sp>
+      <p:sp>
+        <p:nvSpPr>
+          <p:cNvPr id="267" name="ZoneTexte 266">
+            <a:extLst>
+              <a:ext uri="{FF2B5EF4-FFF2-40B4-BE49-F238E27FC236}">
+                <a16:creationId xmlns:a16="http://schemas.microsoft.com/office/drawing/2014/main" id="{29587D65-EDAC-415D-A9D3-1628066D7951}"/>
+              </a:ext>
+            </a:extLst>
+          </p:cNvPr>
+          <p:cNvSpPr txBox="1"/>
+          <p:nvPr/>
+        </p:nvSpPr>
+        <p:spPr>
+          <a:xfrm>
+            <a:off x="29120258" y="5474731"/>
+            <a:ext cx="1398361" cy="230832"/>
+          </a:xfrm>
+          <a:prstGeom prst="rect">
+            <a:avLst/>
+          </a:prstGeom>
+          <a:noFill/>
+        </p:spPr>
+        <p:txBody>
+          <a:bodyPr wrap="square" rtlCol="0">
+            <a:spAutoFit/>
+          </a:bodyPr>
+          <a:lstStyle/>
+          <a:p>
+            <a:pPr algn="ctr"/>
+            <a:r>
+              <a:rPr lang="fr-FR" sz="900" i="1" dirty="0">
+                <a:latin typeface="Gill Sans Nova" panose="020B0602020104020203" pitchFamily="34" charset="0"/>
+              </a:rPr>
+              <a:t>P141 </a:t>
+            </a:r>
+            <a:r>
+              <a:rPr lang="fr-FR" sz="900" i="1" dirty="0" err="1">
+                <a:latin typeface="Gill Sans Nova" panose="020B0602020104020203" pitchFamily="34" charset="0"/>
+              </a:rPr>
+              <a:t>assigned</a:t>
+            </a:r>
+            <a:endParaRPr lang="fr-FR" sz="900" i="1" dirty="0">
+              <a:latin typeface="Gill Sans Nova" panose="020B0602020104020203" pitchFamily="34" charset="0"/>
+            </a:endParaRPr>
+          </a:p>
+        </p:txBody>
+      </p:sp>
+      <p:sp>
+        <p:nvSpPr>
+          <p:cNvPr id="268" name="ZoneTexte 267">
+            <a:extLst>
+              <a:ext uri="{FF2B5EF4-FFF2-40B4-BE49-F238E27FC236}">
+                <a16:creationId xmlns:a16="http://schemas.microsoft.com/office/drawing/2014/main" id="{22C523F5-8E2C-4CCF-BD8E-4C09653D9DC3}"/>
+              </a:ext>
+            </a:extLst>
+          </p:cNvPr>
+          <p:cNvSpPr txBox="1"/>
+          <p:nvPr/>
+        </p:nvSpPr>
+        <p:spPr>
+          <a:xfrm>
+            <a:off x="25856529" y="4842056"/>
+            <a:ext cx="1398361" cy="230832"/>
+          </a:xfrm>
+          <a:prstGeom prst="rect">
+            <a:avLst/>
+          </a:prstGeom>
+          <a:noFill/>
+        </p:spPr>
+        <p:txBody>
+          <a:bodyPr wrap="square" rtlCol="0">
+            <a:spAutoFit/>
+          </a:bodyPr>
+          <a:lstStyle/>
+          <a:p>
+            <a:pPr algn="ctr"/>
+            <a:r>
+              <a:rPr lang="fr-FR" sz="900" i="1" dirty="0" err="1">
+                <a:latin typeface="Gill Sans Nova" panose="020B0602020104020203" pitchFamily="34" charset="0"/>
+              </a:rPr>
+              <a:t>dcterms:created</a:t>
+            </a:r>
+            <a:endParaRPr lang="fr-FR" sz="900" i="1" dirty="0">
+              <a:latin typeface="Gill Sans Nova" panose="020B0602020104020203" pitchFamily="34" charset="0"/>
+            </a:endParaRPr>
+          </a:p>
+        </p:txBody>
+      </p:sp>
+      <p:sp>
+        <p:nvSpPr>
+          <p:cNvPr id="274" name="Rectangle : coins arrondis 273">
+            <a:extLst>
+              <a:ext uri="{FF2B5EF4-FFF2-40B4-BE49-F238E27FC236}">
+                <a16:creationId xmlns:a16="http://schemas.microsoft.com/office/drawing/2014/main" id="{E54F29DF-79F1-4919-89BE-BFA40637271E}"/>
+              </a:ext>
+            </a:extLst>
+          </p:cNvPr>
+          <p:cNvSpPr/>
+          <p:nvPr/>
+        </p:nvSpPr>
+        <p:spPr>
+          <a:xfrm>
+            <a:off x="23709182" y="1708775"/>
+            <a:ext cx="10102847" cy="773926"/>
+          </a:xfrm>
+          <a:prstGeom prst="roundRect">
+            <a:avLst/>
+          </a:prstGeom>
+          <a:solidFill>
+            <a:schemeClr val="bg1"/>
+          </a:solidFill>
+          <a:ln w="19050">
+            <a:noFill/>
+          </a:ln>
+        </p:spPr>
+        <p:style>
+          <a:lnRef idx="2">
+            <a:schemeClr val="accent6"/>
+          </a:lnRef>
+          <a:fillRef idx="1">
+            <a:schemeClr val="lt1"/>
+          </a:fillRef>
+          <a:effectRef idx="0">
+            <a:schemeClr val="accent6"/>
+          </a:effectRef>
+          <a:fontRef idx="minor">
+            <a:schemeClr val="dk1"/>
+          </a:fontRef>
+        </p:style>
+        <p:txBody>
+          <a:bodyPr rtlCol="0" anchor="t"/>
+          <a:lstStyle/>
+          <a:p>
+            <a:r>
+              <a:rPr lang="fr-FR" b="1" dirty="0">
+                <a:solidFill>
+                  <a:schemeClr val="tx1"/>
+                </a:solidFill>
+              </a:rPr>
+              <a:t>UN EXEMPLE D’ANNOTATION</a:t>
+            </a:r>
+          </a:p>
+        </p:txBody>
+      </p:sp>
+      <p:cxnSp>
+        <p:nvCxnSpPr>
+          <p:cNvPr id="279" name="Connecteur droit avec flèche 278">
+            <a:extLst>
+              <a:ext uri="{FF2B5EF4-FFF2-40B4-BE49-F238E27FC236}">
+                <a16:creationId xmlns:a16="http://schemas.microsoft.com/office/drawing/2014/main" id="{B1B5FA99-20D7-4B3C-AE99-3BC8369E1FEB}"/>
+              </a:ext>
+            </a:extLst>
+          </p:cNvPr>
+          <p:cNvCxnSpPr>
+            <a:cxnSpLocks/>
+          </p:cNvCxnSpPr>
+          <p:nvPr/>
+        </p:nvCxnSpPr>
+        <p:spPr>
+          <a:xfrm flipH="1">
+            <a:off x="25145002" y="12020829"/>
+            <a:ext cx="2139624" cy="709787"/>
+          </a:xfrm>
+          <a:prstGeom prst="straightConnector1">
+            <a:avLst/>
+          </a:prstGeom>
+          <a:ln>
+            <a:tailEnd type="triangle"/>
+          </a:ln>
+        </p:spPr>
+        <p:style>
+          <a:lnRef idx="1">
+            <a:schemeClr val="dk1"/>
+          </a:lnRef>
+          <a:fillRef idx="0">
+            <a:schemeClr val="dk1"/>
+          </a:fillRef>
+          <a:effectRef idx="0">
+            <a:schemeClr val="dk1"/>
+          </a:effectRef>
+          <a:fontRef idx="minor">
+            <a:schemeClr val="tx1"/>
+          </a:fontRef>
+        </p:style>
+      </p:cxnSp>
+      <p:sp>
+        <p:nvSpPr>
+          <p:cNvPr id="282" name="Rectangle : coins arrondis 281">
+            <a:extLst>
+              <a:ext uri="{FF2B5EF4-FFF2-40B4-BE49-F238E27FC236}">
+                <a16:creationId xmlns:a16="http://schemas.microsoft.com/office/drawing/2014/main" id="{30260B93-8557-4148-8CB5-DAAFDA1D20DE}"/>
+              </a:ext>
+            </a:extLst>
+          </p:cNvPr>
+          <p:cNvSpPr/>
+          <p:nvPr/>
+        </p:nvSpPr>
+        <p:spPr>
+          <a:xfrm>
+            <a:off x="24157847" y="12399254"/>
+            <a:ext cx="994078" cy="678712"/>
+          </a:xfrm>
+          <a:prstGeom prst="roundRect">
+            <a:avLst/>
+          </a:prstGeom>
+          <a:solidFill>
+            <a:srgbClr val="F6CACA"/>
+          </a:solidFill>
+          <a:ln w="12700">
+            <a:noFill/>
+          </a:ln>
+        </p:spPr>
+        <p:style>
+          <a:lnRef idx="2">
+            <a:schemeClr val="accent6"/>
+          </a:lnRef>
+          <a:fillRef idx="1">
+            <a:schemeClr val="lt1"/>
+          </a:fillRef>
+          <a:effectRef idx="0">
+            <a:schemeClr val="accent6"/>
+          </a:effectRef>
+          <a:fontRef idx="minor">
+            <a:schemeClr val="dk1"/>
+          </a:fontRef>
+        </p:style>
+        <p:txBody>
+          <a:bodyPr rtlCol="0" anchor="ctr"/>
+          <a:lstStyle/>
+          <a:p>
+            <a:pPr algn="ctr"/>
+            <a:r>
+              <a:rPr lang="fr-FR" sz="900" dirty="0">
+                <a:solidFill>
+                  <a:schemeClr val="tx1"/>
+                </a:solidFill>
+                <a:latin typeface="Gill Sans Nova" panose="020B0602020104020203" pitchFamily="34" charset="0"/>
+              </a:rPr>
+              <a:t>E55 Type</a:t>
+            </a:r>
+          </a:p>
+          <a:p>
+            <a:pPr algn="ctr"/>
+            <a:r>
+              <a:rPr lang="fr-FR" sz="900" i="1" dirty="0">
+                <a:solidFill>
+                  <a:schemeClr val="tx1"/>
+                </a:solidFill>
+                <a:latin typeface="Gill Sans Nova" panose="020B0602020104020203" pitchFamily="34" charset="0"/>
+              </a:rPr>
+              <a:t>(Thème)</a:t>
+            </a:r>
+          </a:p>
+        </p:txBody>
+      </p:sp>
+      <p:sp>
+        <p:nvSpPr>
+          <p:cNvPr id="283" name="ZoneTexte 282">
+            <a:extLst>
+              <a:ext uri="{FF2B5EF4-FFF2-40B4-BE49-F238E27FC236}">
+                <a16:creationId xmlns:a16="http://schemas.microsoft.com/office/drawing/2014/main" id="{54F0C2DE-1912-4C85-A322-8AAA0F3A9FE1}"/>
+              </a:ext>
+            </a:extLst>
+          </p:cNvPr>
+          <p:cNvSpPr txBox="1"/>
+          <p:nvPr/>
+        </p:nvSpPr>
+        <p:spPr>
+          <a:xfrm>
+            <a:off x="25272408" y="12127925"/>
+            <a:ext cx="1484002" cy="230832"/>
+          </a:xfrm>
+          <a:prstGeom prst="rect">
+            <a:avLst/>
+          </a:prstGeom>
+          <a:noFill/>
+        </p:spPr>
+        <p:txBody>
+          <a:bodyPr wrap="square" rtlCol="0">
+            <a:spAutoFit/>
+          </a:bodyPr>
+          <a:lstStyle/>
+          <a:p>
+            <a:pPr algn="ctr"/>
+            <a:r>
+              <a:rPr lang="fr-FR" sz="900" i="1" dirty="0">
+                <a:latin typeface="Gill Sans Nova" panose="020B0602020104020203" pitchFamily="34" charset="0"/>
+              </a:rPr>
+              <a:t>P2 has type</a:t>
             </a:r>
           </a:p>
         </p:txBody>
